--- a/presentations/example15.pptx
+++ b/presentations/example15.pptx
@@ -107,6 +107,11 @@
       </a:defRPr>
     </a:lvl9pPr>
   </p:defaultTextStyle>
+  <p:extLst>
+    <p:ext uri="{EFAFB233-063F-42B5-8137-9DF3F51BA10A}">
+      <p15:sldGuideLst xmlns:p15="http://schemas.microsoft.com/office/powerpoint/2012/main"/>
+    </p:ext>
+  </p:extLst>
 </p:presentation>
 </file>
 
@@ -152,10 +157,9 @@
           </a:lstStyle>
           <a:p>
             <a:r>
-              <a:rPr lang="en-US" smtClean="0"/>
+              <a:rPr lang="en-US"/>
               <a:t>Click to edit Master title style</a:t>
             </a:r>
-            <a:endParaRPr lang="en-US"/>
           </a:p>
         </p:txBody>
       </p:sp>
@@ -217,10 +221,9 @@
           </a:lstStyle>
           <a:p>
             <a:r>
-              <a:rPr lang="en-US" smtClean="0"/>
+              <a:rPr lang="en-US"/>
               <a:t>Click to edit Master subtitle style</a:t>
             </a:r>
-            <a:endParaRPr lang="en-US"/>
           </a:p>
         </p:txBody>
       </p:sp>
@@ -241,7 +244,7 @@
           <a:p>
             <a:fld id="{AFC1B656-2EB8-4D0D-8B5B-7744D4E2552E}" type="datetimeFigureOut">
               <a:rPr lang="en-US" smtClean="0"/>
-              <a:t>5/6/2021</a:t>
+              <a:t>5/8/2021</a:t>
             </a:fld>
             <a:endParaRPr lang="en-US"/>
           </a:p>
@@ -335,10 +338,9 @@
           <a:lstStyle/>
           <a:p>
             <a:r>
-              <a:rPr lang="en-US" smtClean="0"/>
+              <a:rPr lang="en-US"/>
               <a:t>Click to edit Master title style</a:t>
             </a:r>
-            <a:endParaRPr lang="en-US"/>
           </a:p>
         </p:txBody>
       </p:sp>
@@ -359,38 +361,37 @@
           <a:p>
             <a:pPr lvl="0"/>
             <a:r>
-              <a:rPr lang="en-US" smtClean="0"/>
+              <a:rPr lang="en-US"/>
               <a:t>Edit Master text styles</a:t>
             </a:r>
           </a:p>
           <a:p>
             <a:pPr lvl="1"/>
             <a:r>
-              <a:rPr lang="en-US" smtClean="0"/>
+              <a:rPr lang="en-US"/>
               <a:t>Second level</a:t>
             </a:r>
           </a:p>
           <a:p>
             <a:pPr lvl="2"/>
             <a:r>
-              <a:rPr lang="en-US" smtClean="0"/>
+              <a:rPr lang="en-US"/>
               <a:t>Third level</a:t>
             </a:r>
           </a:p>
           <a:p>
             <a:pPr lvl="3"/>
             <a:r>
-              <a:rPr lang="en-US" smtClean="0"/>
+              <a:rPr lang="en-US"/>
               <a:t>Fourth level</a:t>
             </a:r>
           </a:p>
           <a:p>
             <a:pPr lvl="4"/>
             <a:r>
-              <a:rPr lang="en-US" smtClean="0"/>
+              <a:rPr lang="en-US"/>
               <a:t>Fifth level</a:t>
             </a:r>
-            <a:endParaRPr lang="en-US"/>
           </a:p>
         </p:txBody>
       </p:sp>
@@ -411,7 +412,7 @@
           <a:p>
             <a:fld id="{AFC1B656-2EB8-4D0D-8B5B-7744D4E2552E}" type="datetimeFigureOut">
               <a:rPr lang="en-US" smtClean="0"/>
-              <a:t>5/6/2021</a:t>
+              <a:t>5/8/2021</a:t>
             </a:fld>
             <a:endParaRPr lang="en-US"/>
           </a:p>
@@ -510,10 +511,9 @@
           <a:lstStyle/>
           <a:p>
             <a:r>
-              <a:rPr lang="en-US" smtClean="0"/>
+              <a:rPr lang="en-US"/>
               <a:t>Click to edit Master title style</a:t>
             </a:r>
-            <a:endParaRPr lang="en-US"/>
           </a:p>
         </p:txBody>
       </p:sp>
@@ -539,38 +539,37 @@
           <a:p>
             <a:pPr lvl="0"/>
             <a:r>
-              <a:rPr lang="en-US" smtClean="0"/>
+              <a:rPr lang="en-US"/>
               <a:t>Edit Master text styles</a:t>
             </a:r>
           </a:p>
           <a:p>
             <a:pPr lvl="1"/>
             <a:r>
-              <a:rPr lang="en-US" smtClean="0"/>
+              <a:rPr lang="en-US"/>
               <a:t>Second level</a:t>
             </a:r>
           </a:p>
           <a:p>
             <a:pPr lvl="2"/>
             <a:r>
-              <a:rPr lang="en-US" smtClean="0"/>
+              <a:rPr lang="en-US"/>
               <a:t>Third level</a:t>
             </a:r>
           </a:p>
           <a:p>
             <a:pPr lvl="3"/>
             <a:r>
-              <a:rPr lang="en-US" smtClean="0"/>
+              <a:rPr lang="en-US"/>
               <a:t>Fourth level</a:t>
             </a:r>
           </a:p>
           <a:p>
             <a:pPr lvl="4"/>
             <a:r>
-              <a:rPr lang="en-US" smtClean="0"/>
+              <a:rPr lang="en-US"/>
               <a:t>Fifth level</a:t>
             </a:r>
-            <a:endParaRPr lang="en-US"/>
           </a:p>
         </p:txBody>
       </p:sp>
@@ -591,7 +590,7 @@
           <a:p>
             <a:fld id="{AFC1B656-2EB8-4D0D-8B5B-7744D4E2552E}" type="datetimeFigureOut">
               <a:rPr lang="en-US" smtClean="0"/>
-              <a:t>5/6/2021</a:t>
+              <a:t>5/8/2021</a:t>
             </a:fld>
             <a:endParaRPr lang="en-US"/>
           </a:p>
@@ -685,10 +684,9 @@
           <a:lstStyle/>
           <a:p>
             <a:r>
-              <a:rPr lang="en-US" smtClean="0"/>
+              <a:rPr lang="en-US"/>
               <a:t>Click to edit Master title style</a:t>
             </a:r>
-            <a:endParaRPr lang="en-US"/>
           </a:p>
         </p:txBody>
       </p:sp>
@@ -709,38 +707,37 @@
           <a:p>
             <a:pPr lvl="0"/>
             <a:r>
-              <a:rPr lang="en-US" smtClean="0"/>
+              <a:rPr lang="en-US"/>
               <a:t>Edit Master text styles</a:t>
             </a:r>
           </a:p>
           <a:p>
             <a:pPr lvl="1"/>
             <a:r>
-              <a:rPr lang="en-US" smtClean="0"/>
+              <a:rPr lang="en-US"/>
               <a:t>Second level</a:t>
             </a:r>
           </a:p>
           <a:p>
             <a:pPr lvl="2"/>
             <a:r>
-              <a:rPr lang="en-US" smtClean="0"/>
+              <a:rPr lang="en-US"/>
               <a:t>Third level</a:t>
             </a:r>
           </a:p>
           <a:p>
             <a:pPr lvl="3"/>
             <a:r>
-              <a:rPr lang="en-US" smtClean="0"/>
+              <a:rPr lang="en-US"/>
               <a:t>Fourth level</a:t>
             </a:r>
           </a:p>
           <a:p>
             <a:pPr lvl="4"/>
             <a:r>
-              <a:rPr lang="en-US" smtClean="0"/>
+              <a:rPr lang="en-US"/>
               <a:t>Fifth level</a:t>
             </a:r>
-            <a:endParaRPr lang="en-US"/>
           </a:p>
         </p:txBody>
       </p:sp>
@@ -761,7 +758,7 @@
           <a:p>
             <a:fld id="{AFC1B656-2EB8-4D0D-8B5B-7744D4E2552E}" type="datetimeFigureOut">
               <a:rPr lang="en-US" smtClean="0"/>
-              <a:t>5/6/2021</a:t>
+              <a:t>5/8/2021</a:t>
             </a:fld>
             <a:endParaRPr lang="en-US"/>
           </a:p>
@@ -864,10 +861,9 @@
           </a:lstStyle>
           <a:p>
             <a:r>
-              <a:rPr lang="en-US" smtClean="0"/>
+              <a:rPr lang="en-US"/>
               <a:t>Click to edit Master title style</a:t>
             </a:r>
-            <a:endParaRPr lang="en-US"/>
           </a:p>
         </p:txBody>
       </p:sp>
@@ -984,7 +980,7 @@
           <a:p>
             <a:pPr lvl="0"/>
             <a:r>
-              <a:rPr lang="en-US" smtClean="0"/>
+              <a:rPr lang="en-US"/>
               <a:t>Edit Master text styles</a:t>
             </a:r>
           </a:p>
@@ -1007,7 +1003,7 @@
           <a:p>
             <a:fld id="{AFC1B656-2EB8-4D0D-8B5B-7744D4E2552E}" type="datetimeFigureOut">
               <a:rPr lang="en-US" smtClean="0"/>
-              <a:t>5/6/2021</a:t>
+              <a:t>5/8/2021</a:t>
             </a:fld>
             <a:endParaRPr lang="en-US"/>
           </a:p>
@@ -1101,10 +1097,9 @@
           <a:lstStyle/>
           <a:p>
             <a:r>
-              <a:rPr lang="en-US" smtClean="0"/>
+              <a:rPr lang="en-US"/>
               <a:t>Click to edit Master title style</a:t>
             </a:r>
-            <a:endParaRPr lang="en-US"/>
           </a:p>
         </p:txBody>
       </p:sp>
@@ -1130,38 +1125,37 @@
           <a:p>
             <a:pPr lvl="0"/>
             <a:r>
-              <a:rPr lang="en-US" smtClean="0"/>
+              <a:rPr lang="en-US"/>
               <a:t>Edit Master text styles</a:t>
             </a:r>
           </a:p>
           <a:p>
             <a:pPr lvl="1"/>
             <a:r>
-              <a:rPr lang="en-US" smtClean="0"/>
+              <a:rPr lang="en-US"/>
               <a:t>Second level</a:t>
             </a:r>
           </a:p>
           <a:p>
             <a:pPr lvl="2"/>
             <a:r>
-              <a:rPr lang="en-US" smtClean="0"/>
+              <a:rPr lang="en-US"/>
               <a:t>Third level</a:t>
             </a:r>
           </a:p>
           <a:p>
             <a:pPr lvl="3"/>
             <a:r>
-              <a:rPr lang="en-US" smtClean="0"/>
+              <a:rPr lang="en-US"/>
               <a:t>Fourth level</a:t>
             </a:r>
           </a:p>
           <a:p>
             <a:pPr lvl="4"/>
             <a:r>
-              <a:rPr lang="en-US" smtClean="0"/>
+              <a:rPr lang="en-US"/>
               <a:t>Fifth level</a:t>
             </a:r>
-            <a:endParaRPr lang="en-US"/>
           </a:p>
         </p:txBody>
       </p:sp>
@@ -1187,38 +1181,37 @@
           <a:p>
             <a:pPr lvl="0"/>
             <a:r>
-              <a:rPr lang="en-US" smtClean="0"/>
+              <a:rPr lang="en-US"/>
               <a:t>Edit Master text styles</a:t>
             </a:r>
           </a:p>
           <a:p>
             <a:pPr lvl="1"/>
             <a:r>
-              <a:rPr lang="en-US" smtClean="0"/>
+              <a:rPr lang="en-US"/>
               <a:t>Second level</a:t>
             </a:r>
           </a:p>
           <a:p>
             <a:pPr lvl="2"/>
             <a:r>
-              <a:rPr lang="en-US" smtClean="0"/>
+              <a:rPr lang="en-US"/>
               <a:t>Third level</a:t>
             </a:r>
           </a:p>
           <a:p>
             <a:pPr lvl="3"/>
             <a:r>
-              <a:rPr lang="en-US" smtClean="0"/>
+              <a:rPr lang="en-US"/>
               <a:t>Fourth level</a:t>
             </a:r>
           </a:p>
           <a:p>
             <a:pPr lvl="4"/>
             <a:r>
-              <a:rPr lang="en-US" smtClean="0"/>
+              <a:rPr lang="en-US"/>
               <a:t>Fifth level</a:t>
             </a:r>
-            <a:endParaRPr lang="en-US"/>
           </a:p>
         </p:txBody>
       </p:sp>
@@ -1239,7 +1232,7 @@
           <a:p>
             <a:fld id="{AFC1B656-2EB8-4D0D-8B5B-7744D4E2552E}" type="datetimeFigureOut">
               <a:rPr lang="en-US" smtClean="0"/>
-              <a:t>5/6/2021</a:t>
+              <a:t>5/8/2021</a:t>
             </a:fld>
             <a:endParaRPr lang="en-US"/>
           </a:p>
@@ -1338,10 +1331,9 @@
           <a:lstStyle/>
           <a:p>
             <a:r>
-              <a:rPr lang="en-US" smtClean="0"/>
+              <a:rPr lang="en-US"/>
               <a:t>Click to edit Master title style</a:t>
             </a:r>
-            <a:endParaRPr lang="en-US"/>
           </a:p>
         </p:txBody>
       </p:sp>
@@ -1404,7 +1396,7 @@
           <a:p>
             <a:pPr lvl="0"/>
             <a:r>
-              <a:rPr lang="en-US" smtClean="0"/>
+              <a:rPr lang="en-US"/>
               <a:t>Edit Master text styles</a:t>
             </a:r>
           </a:p>
@@ -1432,38 +1424,37 @@
           <a:p>
             <a:pPr lvl="0"/>
             <a:r>
-              <a:rPr lang="en-US" smtClean="0"/>
+              <a:rPr lang="en-US"/>
               <a:t>Edit Master text styles</a:t>
             </a:r>
           </a:p>
           <a:p>
             <a:pPr lvl="1"/>
             <a:r>
-              <a:rPr lang="en-US" smtClean="0"/>
+              <a:rPr lang="en-US"/>
               <a:t>Second level</a:t>
             </a:r>
           </a:p>
           <a:p>
             <a:pPr lvl="2"/>
             <a:r>
-              <a:rPr lang="en-US" smtClean="0"/>
+              <a:rPr lang="en-US"/>
               <a:t>Third level</a:t>
             </a:r>
           </a:p>
           <a:p>
             <a:pPr lvl="3"/>
             <a:r>
-              <a:rPr lang="en-US" smtClean="0"/>
+              <a:rPr lang="en-US"/>
               <a:t>Fourth level</a:t>
             </a:r>
           </a:p>
           <a:p>
             <a:pPr lvl="4"/>
             <a:r>
-              <a:rPr lang="en-US" smtClean="0"/>
+              <a:rPr lang="en-US"/>
               <a:t>Fifth level</a:t>
             </a:r>
-            <a:endParaRPr lang="en-US"/>
           </a:p>
         </p:txBody>
       </p:sp>
@@ -1526,7 +1517,7 @@
           <a:p>
             <a:pPr lvl="0"/>
             <a:r>
-              <a:rPr lang="en-US" smtClean="0"/>
+              <a:rPr lang="en-US"/>
               <a:t>Edit Master text styles</a:t>
             </a:r>
           </a:p>
@@ -1554,38 +1545,37 @@
           <a:p>
             <a:pPr lvl="0"/>
             <a:r>
-              <a:rPr lang="en-US" smtClean="0"/>
+              <a:rPr lang="en-US"/>
               <a:t>Edit Master text styles</a:t>
             </a:r>
           </a:p>
           <a:p>
             <a:pPr lvl="1"/>
             <a:r>
-              <a:rPr lang="en-US" smtClean="0"/>
+              <a:rPr lang="en-US"/>
               <a:t>Second level</a:t>
             </a:r>
           </a:p>
           <a:p>
             <a:pPr lvl="2"/>
             <a:r>
-              <a:rPr lang="en-US" smtClean="0"/>
+              <a:rPr lang="en-US"/>
               <a:t>Third level</a:t>
             </a:r>
           </a:p>
           <a:p>
             <a:pPr lvl="3"/>
             <a:r>
-              <a:rPr lang="en-US" smtClean="0"/>
+              <a:rPr lang="en-US"/>
               <a:t>Fourth level</a:t>
             </a:r>
           </a:p>
           <a:p>
             <a:pPr lvl="4"/>
             <a:r>
-              <a:rPr lang="en-US" smtClean="0"/>
+              <a:rPr lang="en-US"/>
               <a:t>Fifth level</a:t>
             </a:r>
-            <a:endParaRPr lang="en-US"/>
           </a:p>
         </p:txBody>
       </p:sp>
@@ -1606,7 +1596,7 @@
           <a:p>
             <a:fld id="{AFC1B656-2EB8-4D0D-8B5B-7744D4E2552E}" type="datetimeFigureOut">
               <a:rPr lang="en-US" smtClean="0"/>
-              <a:t>5/6/2021</a:t>
+              <a:t>5/8/2021</a:t>
             </a:fld>
             <a:endParaRPr lang="en-US"/>
           </a:p>
@@ -1700,10 +1690,9 @@
           <a:lstStyle/>
           <a:p>
             <a:r>
-              <a:rPr lang="en-US" smtClean="0"/>
+              <a:rPr lang="en-US"/>
               <a:t>Click to edit Master title style</a:t>
             </a:r>
-            <a:endParaRPr lang="en-US"/>
           </a:p>
         </p:txBody>
       </p:sp>
@@ -1724,7 +1713,7 @@
           <a:p>
             <a:fld id="{AFC1B656-2EB8-4D0D-8B5B-7744D4E2552E}" type="datetimeFigureOut">
               <a:rPr lang="en-US" smtClean="0"/>
-              <a:t>5/6/2021</a:t>
+              <a:t>5/8/2021</a:t>
             </a:fld>
             <a:endParaRPr lang="en-US"/>
           </a:p>
@@ -1819,7 +1808,7 @@
           <a:p>
             <a:fld id="{AFC1B656-2EB8-4D0D-8B5B-7744D4E2552E}" type="datetimeFigureOut">
               <a:rPr lang="en-US" smtClean="0"/>
-              <a:t>5/6/2021</a:t>
+              <a:t>5/8/2021</a:t>
             </a:fld>
             <a:endParaRPr lang="en-US"/>
           </a:p>
@@ -1922,10 +1911,9 @@
           </a:lstStyle>
           <a:p>
             <a:r>
-              <a:rPr lang="en-US" smtClean="0"/>
+              <a:rPr lang="en-US"/>
               <a:t>Click to edit Master title style</a:t>
             </a:r>
-            <a:endParaRPr lang="en-US"/>
           </a:p>
         </p:txBody>
       </p:sp>
@@ -1979,38 +1967,37 @@
           <a:p>
             <a:pPr lvl="0"/>
             <a:r>
-              <a:rPr lang="en-US" smtClean="0"/>
+              <a:rPr lang="en-US"/>
               <a:t>Edit Master text styles</a:t>
             </a:r>
           </a:p>
           <a:p>
             <a:pPr lvl="1"/>
             <a:r>
-              <a:rPr lang="en-US" smtClean="0"/>
+              <a:rPr lang="en-US"/>
               <a:t>Second level</a:t>
             </a:r>
           </a:p>
           <a:p>
             <a:pPr lvl="2"/>
             <a:r>
-              <a:rPr lang="en-US" smtClean="0"/>
+              <a:rPr lang="en-US"/>
               <a:t>Third level</a:t>
             </a:r>
           </a:p>
           <a:p>
             <a:pPr lvl="3"/>
             <a:r>
-              <a:rPr lang="en-US" smtClean="0"/>
+              <a:rPr lang="en-US"/>
               <a:t>Fourth level</a:t>
             </a:r>
           </a:p>
           <a:p>
             <a:pPr lvl="4"/>
             <a:r>
-              <a:rPr lang="en-US" smtClean="0"/>
+              <a:rPr lang="en-US"/>
               <a:t>Fifth level</a:t>
             </a:r>
-            <a:endParaRPr lang="en-US"/>
           </a:p>
         </p:txBody>
       </p:sp>
@@ -2073,7 +2060,7 @@
           <a:p>
             <a:pPr lvl="0"/>
             <a:r>
-              <a:rPr lang="en-US" smtClean="0"/>
+              <a:rPr lang="en-US"/>
               <a:t>Edit Master text styles</a:t>
             </a:r>
           </a:p>
@@ -2096,7 +2083,7 @@
           <a:p>
             <a:fld id="{AFC1B656-2EB8-4D0D-8B5B-7744D4E2552E}" type="datetimeFigureOut">
               <a:rPr lang="en-US" smtClean="0"/>
-              <a:t>5/6/2021</a:t>
+              <a:t>5/8/2021</a:t>
             </a:fld>
             <a:endParaRPr lang="en-US"/>
           </a:p>
@@ -2199,10 +2186,9 @@
           </a:lstStyle>
           <a:p>
             <a:r>
-              <a:rPr lang="en-US" smtClean="0"/>
+              <a:rPr lang="en-US"/>
               <a:t>Click to edit Master title style</a:t>
             </a:r>
-            <a:endParaRPr lang="en-US"/>
           </a:p>
         </p:txBody>
       </p:sp>
@@ -2326,7 +2312,7 @@
           <a:p>
             <a:pPr lvl="0"/>
             <a:r>
-              <a:rPr lang="en-US" smtClean="0"/>
+              <a:rPr lang="en-US"/>
               <a:t>Edit Master text styles</a:t>
             </a:r>
           </a:p>
@@ -2349,7 +2335,7 @@
           <a:p>
             <a:fld id="{AFC1B656-2EB8-4D0D-8B5B-7744D4E2552E}" type="datetimeFigureOut">
               <a:rPr lang="en-US" smtClean="0"/>
-              <a:t>5/6/2021</a:t>
+              <a:t>5/8/2021</a:t>
             </a:fld>
             <a:endParaRPr lang="en-US"/>
           </a:p>
@@ -2458,10 +2444,9 @@
           <a:lstStyle/>
           <a:p>
             <a:r>
-              <a:rPr lang="en-US" smtClean="0"/>
+              <a:rPr lang="en-US"/>
               <a:t>Click to edit Master title style</a:t>
             </a:r>
-            <a:endParaRPr lang="en-US"/>
           </a:p>
         </p:txBody>
       </p:sp>
@@ -2492,38 +2477,37 @@
           <a:p>
             <a:pPr lvl="0"/>
             <a:r>
-              <a:rPr lang="en-US" smtClean="0"/>
+              <a:rPr lang="en-US"/>
               <a:t>Edit Master text styles</a:t>
             </a:r>
           </a:p>
           <a:p>
             <a:pPr lvl="1"/>
             <a:r>
-              <a:rPr lang="en-US" smtClean="0"/>
+              <a:rPr lang="en-US"/>
               <a:t>Second level</a:t>
             </a:r>
           </a:p>
           <a:p>
             <a:pPr lvl="2"/>
             <a:r>
-              <a:rPr lang="en-US" smtClean="0"/>
+              <a:rPr lang="en-US"/>
               <a:t>Third level</a:t>
             </a:r>
           </a:p>
           <a:p>
             <a:pPr lvl="3"/>
             <a:r>
-              <a:rPr lang="en-US" smtClean="0"/>
+              <a:rPr lang="en-US"/>
               <a:t>Fourth level</a:t>
             </a:r>
           </a:p>
           <a:p>
             <a:pPr lvl="4"/>
             <a:r>
-              <a:rPr lang="en-US" smtClean="0"/>
+              <a:rPr lang="en-US"/>
               <a:t>Fifth level</a:t>
             </a:r>
-            <a:endParaRPr lang="en-US"/>
           </a:p>
         </p:txBody>
       </p:sp>
@@ -2562,7 +2546,7 @@
           <a:p>
             <a:fld id="{AFC1B656-2EB8-4D0D-8B5B-7744D4E2552E}" type="datetimeFigureOut">
               <a:rPr lang="en-US" smtClean="0"/>
-              <a:t>5/6/2021</a:t>
+              <a:t>5/8/2021</a:t>
             </a:fld>
             <a:endParaRPr lang="en-US"/>
           </a:p>
@@ -2983,7 +2967,7 @@
           <a:lstStyle/>
           <a:p>
             <a:r>
-              <a:rPr lang="ru-RU" dirty="0" smtClean="0"/>
+              <a:rPr lang="ru-RU" dirty="0"/>
               <a:t>Инициализация коллекций.</a:t>
             </a:r>
             <a:endParaRPr lang="en-US" dirty="0"/>
@@ -3006,7 +2990,7 @@
           <a:lstStyle/>
           <a:p>
             <a:r>
-              <a:rPr lang="ru-RU" dirty="0" smtClean="0"/>
+              <a:rPr lang="ru-RU" dirty="0"/>
               <a:t>Для инициализации листа используется:</a:t>
             </a:r>
           </a:p>
@@ -3014,19 +2998,19 @@
             <a:endParaRPr lang="ru-RU" dirty="0"/>
           </a:p>
           <a:p>
-            <a:endParaRPr lang="ru-RU" dirty="0" smtClean="0"/>
-          </a:p>
-          <a:p>
             <a:endParaRPr lang="ru-RU" dirty="0"/>
           </a:p>
           <a:p>
-            <a:endParaRPr lang="ru-RU" dirty="0" smtClean="0"/>
-          </a:p>
-          <a:p>
             <a:endParaRPr lang="ru-RU" dirty="0"/>
           </a:p>
           <a:p>
-            <a:endParaRPr lang="ru-RU" dirty="0" smtClean="0"/>
+            <a:endParaRPr lang="ru-RU" dirty="0"/>
+          </a:p>
+          <a:p>
+            <a:endParaRPr lang="ru-RU" dirty="0"/>
+          </a:p>
+          <a:p>
+            <a:endParaRPr lang="ru-RU" dirty="0"/>
           </a:p>
           <a:p>
             <a:endParaRPr lang="en-US" dirty="0"/>
@@ -3104,7 +3088,7 @@
               <a:tabLst/>
             </a:pPr>
             <a:r>
-              <a:rPr kumimoji="0" lang="en-US" altLang="en-US" sz="2000" b="0" i="0" u="none" strike="noStrike" cap="none" normalizeH="0" baseline="0" dirty="0" smtClean="0">
+              <a:rPr kumimoji="0" lang="en-US" altLang="en-US" sz="2000" b="0" i="0" u="none" strike="noStrike" cap="none" normalizeH="0" baseline="0" dirty="0">
                 <a:ln>
                   <a:noFill/>
                 </a:ln>
@@ -3117,7 +3101,7 @@
               <a:t>&lt;list&gt;</a:t>
             </a:r>
             <a:br>
-              <a:rPr kumimoji="0" lang="en-US" altLang="en-US" sz="2000" b="0" i="0" u="none" strike="noStrike" cap="none" normalizeH="0" baseline="0" dirty="0" smtClean="0">
+              <a:rPr kumimoji="0" lang="en-US" altLang="en-US" sz="2000" b="0" i="0" u="none" strike="noStrike" cap="none" normalizeH="0" baseline="0" dirty="0">
                 <a:ln>
                   <a:noFill/>
                 </a:ln>
@@ -3129,7 +3113,7 @@
               </a:rPr>
             </a:br>
             <a:r>
-              <a:rPr kumimoji="0" lang="en-US" altLang="en-US" sz="2000" b="0" i="0" u="none" strike="noStrike" cap="none" normalizeH="0" baseline="0" dirty="0" smtClean="0">
+              <a:rPr kumimoji="0" lang="en-US" altLang="en-US" sz="2000" b="0" i="0" u="none" strike="noStrike" cap="none" normalizeH="0" baseline="0" dirty="0">
                 <a:ln>
                   <a:noFill/>
                 </a:ln>
@@ -3142,7 +3126,7 @@
               <a:t>    &lt;value&gt;</a:t>
             </a:r>
             <a:r>
-              <a:rPr kumimoji="0" lang="en-US" altLang="en-US" sz="2000" b="0" i="0" u="none" strike="noStrike" cap="none" normalizeH="0" baseline="0" dirty="0" smtClean="0">
+              <a:rPr kumimoji="0" lang="en-US" altLang="en-US" sz="2000" b="0" i="0" u="none" strike="noStrike" cap="none" normalizeH="0" baseline="0" dirty="0">
                 <a:ln>
                   <a:noFill/>
                 </a:ln>
@@ -3155,7 +3139,7 @@
               <a:t>1</a:t>
             </a:r>
             <a:r>
-              <a:rPr kumimoji="0" lang="en-US" altLang="en-US" sz="2000" b="0" i="0" u="none" strike="noStrike" cap="none" normalizeH="0" baseline="0" dirty="0" smtClean="0">
+              <a:rPr kumimoji="0" lang="en-US" altLang="en-US" sz="2000" b="0" i="0" u="none" strike="noStrike" cap="none" normalizeH="0" baseline="0" dirty="0">
                 <a:ln>
                   <a:noFill/>
                 </a:ln>
@@ -3168,7 +3152,7 @@
               <a:t>&lt;/value&gt;</a:t>
             </a:r>
             <a:br>
-              <a:rPr kumimoji="0" lang="en-US" altLang="en-US" sz="2000" b="0" i="0" u="none" strike="noStrike" cap="none" normalizeH="0" baseline="0" dirty="0" smtClean="0">
+              <a:rPr kumimoji="0" lang="en-US" altLang="en-US" sz="2000" b="0" i="0" u="none" strike="noStrike" cap="none" normalizeH="0" baseline="0" dirty="0">
                 <a:ln>
                   <a:noFill/>
                 </a:ln>
@@ -3180,7 +3164,7 @@
               </a:rPr>
             </a:br>
             <a:r>
-              <a:rPr kumimoji="0" lang="en-US" altLang="en-US" sz="2000" b="0" i="0" u="none" strike="noStrike" cap="none" normalizeH="0" baseline="0" dirty="0" smtClean="0">
+              <a:rPr kumimoji="0" lang="en-US" altLang="en-US" sz="2000" b="0" i="0" u="none" strike="noStrike" cap="none" normalizeH="0" baseline="0" dirty="0">
                 <a:ln>
                   <a:noFill/>
                 </a:ln>
@@ -3193,7 +3177,7 @@
               <a:t>    &lt;ref </a:t>
             </a:r>
             <a:r>
-              <a:rPr kumimoji="0" lang="en-US" altLang="en-US" sz="2000" b="0" i="0" u="none" strike="noStrike" cap="none" normalizeH="0" baseline="0" dirty="0" smtClean="0">
+              <a:rPr kumimoji="0" lang="en-US" altLang="en-US" sz="2000" b="0" i="0" u="none" strike="noStrike" cap="none" normalizeH="0" baseline="0" dirty="0">
                 <a:ln>
                   <a:noFill/>
                 </a:ln>
@@ -3206,7 +3190,7 @@
               <a:t>bean</a:t>
             </a:r>
             <a:r>
-              <a:rPr kumimoji="0" lang="en-US" altLang="en-US" sz="2000" b="0" i="0" u="none" strike="noStrike" cap="none" normalizeH="0" baseline="0" dirty="0" smtClean="0">
+              <a:rPr kumimoji="0" lang="en-US" altLang="en-US" sz="2000" b="0" i="0" u="none" strike="noStrike" cap="none" normalizeH="0" baseline="0" dirty="0">
                 <a:ln>
                   <a:noFill/>
                 </a:ln>
@@ -3219,7 +3203,7 @@
               <a:t>="person" </a:t>
             </a:r>
             <a:r>
-              <a:rPr kumimoji="0" lang="en-US" altLang="en-US" sz="2000" b="0" i="0" u="none" strike="noStrike" cap="none" normalizeH="0" baseline="0" dirty="0" smtClean="0">
+              <a:rPr kumimoji="0" lang="en-US" altLang="en-US" sz="2000" b="0" i="0" u="none" strike="noStrike" cap="none" normalizeH="0" baseline="0" dirty="0">
                 <a:ln>
                   <a:noFill/>
                 </a:ln>
@@ -3232,7 +3216,7 @@
               <a:t>/&gt;</a:t>
             </a:r>
             <a:br>
-              <a:rPr kumimoji="0" lang="en-US" altLang="en-US" sz="2000" b="0" i="0" u="none" strike="noStrike" cap="none" normalizeH="0" baseline="0" dirty="0" smtClean="0">
+              <a:rPr kumimoji="0" lang="en-US" altLang="en-US" sz="2000" b="0" i="0" u="none" strike="noStrike" cap="none" normalizeH="0" baseline="0" dirty="0">
                 <a:ln>
                   <a:noFill/>
                 </a:ln>
@@ -3244,7 +3228,7 @@
               </a:rPr>
             </a:br>
             <a:r>
-              <a:rPr kumimoji="0" lang="en-US" altLang="en-US" sz="2000" b="0" i="0" u="none" strike="noStrike" cap="none" normalizeH="0" baseline="0" dirty="0" smtClean="0">
+              <a:rPr kumimoji="0" lang="en-US" altLang="en-US" sz="2000" b="0" i="0" u="none" strike="noStrike" cap="none" normalizeH="0" baseline="0" dirty="0">
                 <a:ln>
                   <a:noFill/>
                 </a:ln>
@@ -3257,7 +3241,7 @@
               <a:t>    &lt;bean </a:t>
             </a:r>
             <a:r>
-              <a:rPr kumimoji="0" lang="en-US" altLang="en-US" sz="2000" b="0" i="0" u="none" strike="noStrike" cap="none" normalizeH="0" baseline="0" dirty="0" smtClean="0">
+              <a:rPr kumimoji="0" lang="en-US" altLang="en-US" sz="2000" b="0" i="0" u="none" strike="noStrike" cap="none" normalizeH="0" baseline="0" dirty="0">
                 <a:ln>
                   <a:noFill/>
                 </a:ln>
@@ -3270,7 +3254,7 @@
               <a:t>class</a:t>
             </a:r>
             <a:r>
-              <a:rPr kumimoji="0" lang="en-US" altLang="en-US" sz="2000" b="0" i="0" u="none" strike="noStrike" cap="none" normalizeH="0" baseline="0" dirty="0" smtClean="0">
+              <a:rPr kumimoji="0" lang="en-US" altLang="en-US" sz="2000" b="0" i="0" u="none" strike="noStrike" cap="none" normalizeH="0" baseline="0" dirty="0">
                 <a:ln>
                   <a:noFill/>
                 </a:ln>
@@ -3283,7 +3267,7 @@
               <a:t>="com.volkov.IoC.example15.Person"</a:t>
             </a:r>
             <a:r>
-              <a:rPr kumimoji="0" lang="en-US" altLang="en-US" sz="2000" b="0" i="0" u="none" strike="noStrike" cap="none" normalizeH="0" baseline="0" dirty="0" smtClean="0">
+              <a:rPr kumimoji="0" lang="en-US" altLang="en-US" sz="2000" b="0" i="0" u="none" strike="noStrike" cap="none" normalizeH="0" baseline="0" dirty="0">
                 <a:ln>
                   <a:noFill/>
                 </a:ln>
@@ -3296,7 +3280,7 @@
               <a:t>&gt;</a:t>
             </a:r>
             <a:br>
-              <a:rPr kumimoji="0" lang="en-US" altLang="en-US" sz="2000" b="0" i="0" u="none" strike="noStrike" cap="none" normalizeH="0" baseline="0" dirty="0" smtClean="0">
+              <a:rPr kumimoji="0" lang="en-US" altLang="en-US" sz="2000" b="0" i="0" u="none" strike="noStrike" cap="none" normalizeH="0" baseline="0" dirty="0">
                 <a:ln>
                   <a:noFill/>
                 </a:ln>
@@ -3308,7 +3292,7 @@
               </a:rPr>
             </a:br>
             <a:r>
-              <a:rPr kumimoji="0" lang="en-US" altLang="en-US" sz="2000" b="0" i="0" u="none" strike="noStrike" cap="none" normalizeH="0" baseline="0" dirty="0" smtClean="0">
+              <a:rPr kumimoji="0" lang="en-US" altLang="en-US" sz="2000" b="0" i="0" u="none" strike="noStrike" cap="none" normalizeH="0" baseline="0" dirty="0">
                 <a:ln>
                   <a:noFill/>
                 </a:ln>
@@ -3321,7 +3305,7 @@
               <a:t>        &lt;property </a:t>
             </a:r>
             <a:r>
-              <a:rPr kumimoji="0" lang="en-US" altLang="en-US" sz="2000" b="0" i="0" u="none" strike="noStrike" cap="none" normalizeH="0" baseline="0" dirty="0" smtClean="0">
+              <a:rPr kumimoji="0" lang="en-US" altLang="en-US" sz="2000" b="0" i="0" u="none" strike="noStrike" cap="none" normalizeH="0" baseline="0" dirty="0">
                 <a:ln>
                   <a:noFill/>
                 </a:ln>
@@ -3334,7 +3318,7 @@
               <a:t>name</a:t>
             </a:r>
             <a:r>
-              <a:rPr kumimoji="0" lang="en-US" altLang="en-US" sz="2000" b="0" i="0" u="none" strike="noStrike" cap="none" normalizeH="0" baseline="0" dirty="0" smtClean="0">
+              <a:rPr kumimoji="0" lang="en-US" altLang="en-US" sz="2000" b="0" i="0" u="none" strike="noStrike" cap="none" normalizeH="0" baseline="0" dirty="0">
                 <a:ln>
                   <a:noFill/>
                 </a:ln>
@@ -3347,7 +3331,7 @@
               <a:t>="</a:t>
             </a:r>
             <a:r>
-              <a:rPr kumimoji="0" lang="en-US" altLang="en-US" sz="2000" b="0" i="0" u="none" strike="noStrike" cap="none" normalizeH="0" baseline="0" dirty="0" err="1" smtClean="0">
+              <a:rPr kumimoji="0" lang="en-US" altLang="en-US" sz="2000" b="0" i="0" u="none" strike="noStrike" cap="none" normalizeH="0" baseline="0" dirty="0" err="1">
                 <a:ln>
                   <a:noFill/>
                 </a:ln>
@@ -3360,7 +3344,7 @@
               <a:t>firstName</a:t>
             </a:r>
             <a:r>
-              <a:rPr kumimoji="0" lang="en-US" altLang="en-US" sz="2000" b="0" i="0" u="none" strike="noStrike" cap="none" normalizeH="0" baseline="0" dirty="0" smtClean="0">
+              <a:rPr kumimoji="0" lang="en-US" altLang="en-US" sz="2000" b="0" i="0" u="none" strike="noStrike" cap="none" normalizeH="0" baseline="0" dirty="0">
                 <a:ln>
                   <a:noFill/>
                 </a:ln>
@@ -3373,7 +3357,7 @@
               <a:t>" </a:t>
             </a:r>
             <a:r>
-              <a:rPr kumimoji="0" lang="en-US" altLang="en-US" sz="2000" b="0" i="0" u="none" strike="noStrike" cap="none" normalizeH="0" baseline="0" dirty="0" smtClean="0">
+              <a:rPr kumimoji="0" lang="en-US" altLang="en-US" sz="2000" b="0" i="0" u="none" strike="noStrike" cap="none" normalizeH="0" baseline="0" dirty="0">
                 <a:ln>
                   <a:noFill/>
                 </a:ln>
@@ -3386,7 +3370,7 @@
               <a:t>value</a:t>
             </a:r>
             <a:r>
-              <a:rPr kumimoji="0" lang="en-US" altLang="en-US" sz="2000" b="0" i="0" u="none" strike="noStrike" cap="none" normalizeH="0" baseline="0" dirty="0" smtClean="0">
+              <a:rPr kumimoji="0" lang="en-US" altLang="en-US" sz="2000" b="0" i="0" u="none" strike="noStrike" cap="none" normalizeH="0" baseline="0" dirty="0">
                 <a:ln>
                   <a:noFill/>
                 </a:ln>
@@ -3399,7 +3383,7 @@
               <a:t>="Ivan" </a:t>
             </a:r>
             <a:r>
-              <a:rPr kumimoji="0" lang="en-US" altLang="en-US" sz="2000" b="0" i="0" u="none" strike="noStrike" cap="none" normalizeH="0" baseline="0" dirty="0" smtClean="0">
+              <a:rPr kumimoji="0" lang="en-US" altLang="en-US" sz="2000" b="0" i="0" u="none" strike="noStrike" cap="none" normalizeH="0" baseline="0" dirty="0">
                 <a:ln>
                   <a:noFill/>
                 </a:ln>
@@ -3412,7 +3396,7 @@
               <a:t>/&gt;</a:t>
             </a:r>
             <a:br>
-              <a:rPr kumimoji="0" lang="en-US" altLang="en-US" sz="2000" b="0" i="0" u="none" strike="noStrike" cap="none" normalizeH="0" baseline="0" dirty="0" smtClean="0">
+              <a:rPr kumimoji="0" lang="en-US" altLang="en-US" sz="2000" b="0" i="0" u="none" strike="noStrike" cap="none" normalizeH="0" baseline="0" dirty="0">
                 <a:ln>
                   <a:noFill/>
                 </a:ln>
@@ -3424,7 +3408,7 @@
               </a:rPr>
             </a:br>
             <a:r>
-              <a:rPr kumimoji="0" lang="en-US" altLang="en-US" sz="2000" b="0" i="0" u="none" strike="noStrike" cap="none" normalizeH="0" baseline="0" dirty="0" smtClean="0">
+              <a:rPr kumimoji="0" lang="en-US" altLang="en-US" sz="2000" b="0" i="0" u="none" strike="noStrike" cap="none" normalizeH="0" baseline="0" dirty="0">
                 <a:ln>
                   <a:noFill/>
                 </a:ln>
@@ -3437,7 +3421,7 @@
               <a:t>        &lt;property </a:t>
             </a:r>
             <a:r>
-              <a:rPr kumimoji="0" lang="en-US" altLang="en-US" sz="2000" b="0" i="0" u="none" strike="noStrike" cap="none" normalizeH="0" baseline="0" dirty="0" smtClean="0">
+              <a:rPr kumimoji="0" lang="en-US" altLang="en-US" sz="2000" b="0" i="0" u="none" strike="noStrike" cap="none" normalizeH="0" baseline="0" dirty="0">
                 <a:ln>
                   <a:noFill/>
                 </a:ln>
@@ -3450,7 +3434,7 @@
               <a:t>name</a:t>
             </a:r>
             <a:r>
-              <a:rPr kumimoji="0" lang="en-US" altLang="en-US" sz="2000" b="0" i="0" u="none" strike="noStrike" cap="none" normalizeH="0" baseline="0" dirty="0" smtClean="0">
+              <a:rPr kumimoji="0" lang="en-US" altLang="en-US" sz="2000" b="0" i="0" u="none" strike="noStrike" cap="none" normalizeH="0" baseline="0" dirty="0">
                 <a:ln>
                   <a:noFill/>
                 </a:ln>
@@ -3463,7 +3447,7 @@
               <a:t>="surname" </a:t>
             </a:r>
             <a:r>
-              <a:rPr kumimoji="0" lang="en-US" altLang="en-US" sz="2000" b="0" i="0" u="none" strike="noStrike" cap="none" normalizeH="0" baseline="0" dirty="0" smtClean="0">
+              <a:rPr kumimoji="0" lang="en-US" altLang="en-US" sz="2000" b="0" i="0" u="none" strike="noStrike" cap="none" normalizeH="0" baseline="0" dirty="0">
                 <a:ln>
                   <a:noFill/>
                 </a:ln>
@@ -3476,7 +3460,7 @@
               <a:t>value</a:t>
             </a:r>
             <a:r>
-              <a:rPr kumimoji="0" lang="en-US" altLang="en-US" sz="2000" b="0" i="0" u="none" strike="noStrike" cap="none" normalizeH="0" baseline="0" dirty="0" smtClean="0">
+              <a:rPr kumimoji="0" lang="en-US" altLang="en-US" sz="2000" b="0" i="0" u="none" strike="noStrike" cap="none" normalizeH="0" baseline="0" dirty="0">
                 <a:ln>
                   <a:noFill/>
                 </a:ln>
@@ -3489,7 +3473,7 @@
               <a:t>="</a:t>
             </a:r>
             <a:r>
-              <a:rPr kumimoji="0" lang="en-US" altLang="en-US" sz="2000" b="0" i="0" u="none" strike="noStrike" cap="none" normalizeH="0" baseline="0" dirty="0" err="1" smtClean="0">
+              <a:rPr kumimoji="0" lang="en-US" altLang="en-US" sz="2000" b="0" i="0" u="none" strike="noStrike" cap="none" normalizeH="0" baseline="0" dirty="0" err="1">
                 <a:ln>
                   <a:noFill/>
                 </a:ln>
@@ -3502,7 +3486,7 @@
               <a:t>Ivanovich</a:t>
             </a:r>
             <a:r>
-              <a:rPr kumimoji="0" lang="en-US" altLang="en-US" sz="2000" b="0" i="0" u="none" strike="noStrike" cap="none" normalizeH="0" baseline="0" dirty="0" smtClean="0">
+              <a:rPr kumimoji="0" lang="en-US" altLang="en-US" sz="2000" b="0" i="0" u="none" strike="noStrike" cap="none" normalizeH="0" baseline="0" dirty="0">
                 <a:ln>
                   <a:noFill/>
                 </a:ln>
@@ -3515,7 +3499,7 @@
               <a:t>"</a:t>
             </a:r>
             <a:r>
-              <a:rPr kumimoji="0" lang="en-US" altLang="en-US" sz="2000" b="0" i="0" u="none" strike="noStrike" cap="none" normalizeH="0" baseline="0" dirty="0" smtClean="0">
+              <a:rPr kumimoji="0" lang="en-US" altLang="en-US" sz="2000" b="0" i="0" u="none" strike="noStrike" cap="none" normalizeH="0" baseline="0" dirty="0">
                 <a:ln>
                   <a:noFill/>
                 </a:ln>
@@ -3528,7 +3512,7 @@
               <a:t>/&gt;</a:t>
             </a:r>
             <a:br>
-              <a:rPr kumimoji="0" lang="en-US" altLang="en-US" sz="2000" b="0" i="0" u="none" strike="noStrike" cap="none" normalizeH="0" baseline="0" dirty="0" smtClean="0">
+              <a:rPr kumimoji="0" lang="en-US" altLang="en-US" sz="2000" b="0" i="0" u="none" strike="noStrike" cap="none" normalizeH="0" baseline="0" dirty="0">
                 <a:ln>
                   <a:noFill/>
                 </a:ln>
@@ -3540,7 +3524,7 @@
               </a:rPr>
             </a:br>
             <a:r>
-              <a:rPr kumimoji="0" lang="en-US" altLang="en-US" sz="2000" b="0" i="0" u="none" strike="noStrike" cap="none" normalizeH="0" baseline="0" dirty="0" smtClean="0">
+              <a:rPr kumimoji="0" lang="en-US" altLang="en-US" sz="2000" b="0" i="0" u="none" strike="noStrike" cap="none" normalizeH="0" baseline="0" dirty="0">
                 <a:ln>
                   <a:noFill/>
                 </a:ln>
@@ -3553,7 +3537,7 @@
               <a:t>        &lt;property </a:t>
             </a:r>
             <a:r>
-              <a:rPr kumimoji="0" lang="en-US" altLang="en-US" sz="2000" b="0" i="0" u="none" strike="noStrike" cap="none" normalizeH="0" baseline="0" dirty="0" smtClean="0">
+              <a:rPr kumimoji="0" lang="en-US" altLang="en-US" sz="2000" b="0" i="0" u="none" strike="noStrike" cap="none" normalizeH="0" baseline="0" dirty="0">
                 <a:ln>
                   <a:noFill/>
                 </a:ln>
@@ -3566,7 +3550,7 @@
               <a:t>name</a:t>
             </a:r>
             <a:r>
-              <a:rPr kumimoji="0" lang="en-US" altLang="en-US" sz="2000" b="0" i="0" u="none" strike="noStrike" cap="none" normalizeH="0" baseline="0" dirty="0" smtClean="0">
+              <a:rPr kumimoji="0" lang="en-US" altLang="en-US" sz="2000" b="0" i="0" u="none" strike="noStrike" cap="none" normalizeH="0" baseline="0" dirty="0">
                 <a:ln>
                   <a:noFill/>
                 </a:ln>
@@ -3579,7 +3563,7 @@
               <a:t>="age" </a:t>
             </a:r>
             <a:r>
-              <a:rPr kumimoji="0" lang="en-US" altLang="en-US" sz="2000" b="0" i="0" u="none" strike="noStrike" cap="none" normalizeH="0" baseline="0" dirty="0" smtClean="0">
+              <a:rPr kumimoji="0" lang="en-US" altLang="en-US" sz="2000" b="0" i="0" u="none" strike="noStrike" cap="none" normalizeH="0" baseline="0" dirty="0">
                 <a:ln>
                   <a:noFill/>
                 </a:ln>
@@ -3592,7 +3576,7 @@
               <a:t>value</a:t>
             </a:r>
             <a:r>
-              <a:rPr kumimoji="0" lang="en-US" altLang="en-US" sz="2000" b="0" i="0" u="none" strike="noStrike" cap="none" normalizeH="0" baseline="0" dirty="0" smtClean="0">
+              <a:rPr kumimoji="0" lang="en-US" altLang="en-US" sz="2000" b="0" i="0" u="none" strike="noStrike" cap="none" normalizeH="0" baseline="0" dirty="0">
                 <a:ln>
                   <a:noFill/>
                 </a:ln>
@@ -3605,7 +3589,7 @@
               <a:t>="29" </a:t>
             </a:r>
             <a:r>
-              <a:rPr kumimoji="0" lang="en-US" altLang="en-US" sz="2000" b="0" i="0" u="none" strike="noStrike" cap="none" normalizeH="0" baseline="0" dirty="0" smtClean="0">
+              <a:rPr kumimoji="0" lang="en-US" altLang="en-US" sz="2000" b="0" i="0" u="none" strike="noStrike" cap="none" normalizeH="0" baseline="0" dirty="0">
                 <a:ln>
                   <a:noFill/>
                 </a:ln>
@@ -3618,7 +3602,7 @@
               <a:t>/&gt;</a:t>
             </a:r>
             <a:br>
-              <a:rPr kumimoji="0" lang="en-US" altLang="en-US" sz="2000" b="0" i="0" u="none" strike="noStrike" cap="none" normalizeH="0" baseline="0" dirty="0" smtClean="0">
+              <a:rPr kumimoji="0" lang="en-US" altLang="en-US" sz="2000" b="0" i="0" u="none" strike="noStrike" cap="none" normalizeH="0" baseline="0" dirty="0">
                 <a:ln>
                   <a:noFill/>
                 </a:ln>
@@ -3630,7 +3614,7 @@
               </a:rPr>
             </a:br>
             <a:r>
-              <a:rPr kumimoji="0" lang="en-US" altLang="en-US" sz="2000" b="0" i="0" u="none" strike="noStrike" cap="none" normalizeH="0" baseline="0" dirty="0" smtClean="0">
+              <a:rPr kumimoji="0" lang="en-US" altLang="en-US" sz="2000" b="0" i="0" u="none" strike="noStrike" cap="none" normalizeH="0" baseline="0" dirty="0">
                 <a:ln>
                   <a:noFill/>
                 </a:ln>
@@ -3643,7 +3627,7 @@
               <a:t>    &lt;/bean&gt;</a:t>
             </a:r>
             <a:br>
-              <a:rPr kumimoji="0" lang="en-US" altLang="en-US" sz="2000" b="0" i="0" u="none" strike="noStrike" cap="none" normalizeH="0" baseline="0" dirty="0" smtClean="0">
+              <a:rPr kumimoji="0" lang="en-US" altLang="en-US" sz="2000" b="0" i="0" u="none" strike="noStrike" cap="none" normalizeH="0" baseline="0" dirty="0">
                 <a:ln>
                   <a:noFill/>
                 </a:ln>
@@ -3655,7 +3639,7 @@
               </a:rPr>
             </a:br>
             <a:r>
-              <a:rPr kumimoji="0" lang="en-US" altLang="en-US" sz="2000" b="0" i="0" u="none" strike="noStrike" cap="none" normalizeH="0" baseline="0" dirty="0" smtClean="0">
+              <a:rPr kumimoji="0" lang="en-US" altLang="en-US" sz="2000" b="0" i="0" u="none" strike="noStrike" cap="none" normalizeH="0" baseline="0" dirty="0">
                 <a:ln>
                   <a:noFill/>
                 </a:ln>
@@ -3667,7 +3651,7 @@
               </a:rPr>
               <a:t>&lt;/list&gt;</a:t>
             </a:r>
-            <a:endParaRPr kumimoji="0" lang="en-US" altLang="en-US" sz="2000" b="0" i="0" u="none" strike="noStrike" cap="none" normalizeH="0" baseline="0" dirty="0" smtClean="0">
+            <a:endParaRPr kumimoji="0" lang="en-US" altLang="en-US" sz="2000" b="0" i="0" u="none" strike="noStrike" cap="none" normalizeH="0" baseline="0" dirty="0">
               <a:ln>
                 <a:noFill/>
               </a:ln>
@@ -3734,54 +3718,54 @@
               <a:buNone/>
             </a:pPr>
             <a:r>
-              <a:rPr lang="ru-RU" dirty="0" smtClean="0"/>
+              <a:rPr lang="ru-RU" dirty="0"/>
               <a:t>Лист проинициализирован следующими значениями:</a:t>
             </a:r>
           </a:p>
           <a:p>
             <a:r>
-              <a:rPr lang="en-US" dirty="0" err="1" smtClean="0"/>
+              <a:rPr lang="en-US" dirty="0" err="1"/>
               <a:t>Int</a:t>
             </a:r>
             <a:r>
-              <a:rPr lang="en-US" dirty="0" smtClean="0"/>
+              <a:rPr lang="en-US" dirty="0"/>
               <a:t>’</a:t>
             </a:r>
             <a:r>
-              <a:rPr lang="ru-RU" dirty="0" smtClean="0"/>
+              <a:rPr lang="ru-RU" dirty="0"/>
               <a:t>ом 1</a:t>
             </a:r>
           </a:p>
           <a:p>
             <a:r>
-              <a:rPr lang="ru-RU" dirty="0" smtClean="0"/>
+              <a:rPr lang="ru-RU" dirty="0"/>
               <a:t>Ссылка на бин </a:t>
             </a:r>
             <a:r>
-              <a:rPr lang="en-US" dirty="0" smtClean="0"/>
+              <a:rPr lang="en-US" dirty="0"/>
               <a:t>“person”</a:t>
             </a:r>
             <a:r>
-              <a:rPr lang="ru-RU" dirty="0" smtClean="0"/>
+              <a:rPr lang="ru-RU" dirty="0"/>
               <a:t>, определенный выше в </a:t>
             </a:r>
             <a:r>
-              <a:rPr lang="en-US" dirty="0" smtClean="0"/>
+              <a:rPr lang="en-US" dirty="0"/>
               <a:t>XML</a:t>
             </a:r>
-            <a:endParaRPr lang="ru-RU" dirty="0" smtClean="0"/>
-          </a:p>
-          <a:p>
-            <a:r>
-              <a:rPr lang="ru-RU" dirty="0" smtClean="0"/>
+            <a:endParaRPr lang="ru-RU" dirty="0"/>
+          </a:p>
+          <a:p>
+            <a:r>
+              <a:rPr lang="ru-RU" dirty="0"/>
               <a:t>Другой бин класса </a:t>
             </a:r>
             <a:r>
-              <a:rPr lang="en-US" dirty="0" smtClean="0"/>
+              <a:rPr lang="en-US" dirty="0"/>
               <a:t>Person</a:t>
             </a:r>
             <a:r>
-              <a:rPr lang="ru-RU" dirty="0" smtClean="0"/>
+              <a:rPr lang="ru-RU" dirty="0"/>
               <a:t>.</a:t>
             </a:r>
           </a:p>
@@ -3838,7 +3822,7 @@
           <a:lstStyle/>
           <a:p>
             <a:r>
-              <a:rPr lang="ru-RU" dirty="0" smtClean="0"/>
+              <a:rPr lang="ru-RU" dirty="0"/>
               <a:t>Инициализация Сета</a:t>
             </a:r>
           </a:p>
@@ -3846,29 +3830,29 @@
             <a:endParaRPr lang="ru-RU" dirty="0"/>
           </a:p>
           <a:p>
-            <a:endParaRPr lang="ru-RU" dirty="0" smtClean="0"/>
-          </a:p>
-          <a:p>
             <a:endParaRPr lang="ru-RU" dirty="0"/>
           </a:p>
           <a:p>
-            <a:endParaRPr lang="ru-RU" dirty="0" smtClean="0"/>
-          </a:p>
-          <a:p>
             <a:endParaRPr lang="ru-RU" dirty="0"/>
           </a:p>
           <a:p>
-            <a:endParaRPr lang="ru-RU" dirty="0" smtClean="0"/>
-          </a:p>
-          <a:p>
             <a:endParaRPr lang="ru-RU" dirty="0"/>
           </a:p>
           <a:p>
+            <a:endParaRPr lang="ru-RU" dirty="0"/>
+          </a:p>
+          <a:p>
+            <a:endParaRPr lang="ru-RU" dirty="0"/>
+          </a:p>
+          <a:p>
+            <a:endParaRPr lang="ru-RU" dirty="0"/>
+          </a:p>
+          <a:p>
             <a:pPr marL="0" indent="0">
               <a:buNone/>
             </a:pPr>
             <a:r>
-              <a:rPr lang="ru-RU" dirty="0" smtClean="0"/>
+              <a:rPr lang="ru-RU" dirty="0"/>
               <a:t>Аналогично листу</a:t>
             </a:r>
             <a:endParaRPr lang="en-US" dirty="0"/>
@@ -3946,7 +3930,7 @@
               <a:tabLst/>
             </a:pPr>
             <a:r>
-              <a:rPr kumimoji="0" lang="en-US" altLang="en-US" sz="2000" b="0" i="0" u="none" strike="noStrike" cap="none" normalizeH="0" baseline="0" dirty="0" smtClean="0">
+              <a:rPr kumimoji="0" lang="en-US" altLang="en-US" sz="2000" b="0" i="0" u="none" strike="noStrike" cap="none" normalizeH="0" baseline="0" dirty="0">
                 <a:ln>
                   <a:noFill/>
                 </a:ln>
@@ -3959,7 +3943,7 @@
               <a:t>&lt;set&gt;</a:t>
             </a:r>
             <a:br>
-              <a:rPr kumimoji="0" lang="en-US" altLang="en-US" sz="2000" b="0" i="0" u="none" strike="noStrike" cap="none" normalizeH="0" baseline="0" dirty="0" smtClean="0">
+              <a:rPr kumimoji="0" lang="en-US" altLang="en-US" sz="2000" b="0" i="0" u="none" strike="noStrike" cap="none" normalizeH="0" baseline="0" dirty="0">
                 <a:ln>
                   <a:noFill/>
                 </a:ln>
@@ -3971,7 +3955,7 @@
               </a:rPr>
             </a:br>
             <a:r>
-              <a:rPr kumimoji="0" lang="en-US" altLang="en-US" sz="2000" b="0" i="0" u="none" strike="noStrike" cap="none" normalizeH="0" baseline="0" dirty="0" smtClean="0">
+              <a:rPr kumimoji="0" lang="en-US" altLang="en-US" sz="2000" b="0" i="0" u="none" strike="noStrike" cap="none" normalizeH="0" baseline="0" dirty="0">
                 <a:ln>
                   <a:noFill/>
                 </a:ln>
@@ -3984,7 +3968,7 @@
               <a:t>    &lt;value&gt;</a:t>
             </a:r>
             <a:r>
-              <a:rPr kumimoji="0" lang="en-US" altLang="en-US" sz="2000" b="0" i="0" u="none" strike="noStrike" cap="none" normalizeH="0" baseline="0" dirty="0" smtClean="0">
+              <a:rPr kumimoji="0" lang="en-US" altLang="en-US" sz="2000" b="0" i="0" u="none" strike="noStrike" cap="none" normalizeH="0" baseline="0" dirty="0">
                 <a:ln>
                   <a:noFill/>
                 </a:ln>
@@ -3997,7 +3981,7 @@
               <a:t>1</a:t>
             </a:r>
             <a:r>
-              <a:rPr kumimoji="0" lang="en-US" altLang="en-US" sz="2000" b="0" i="0" u="none" strike="noStrike" cap="none" normalizeH="0" baseline="0" dirty="0" smtClean="0">
+              <a:rPr kumimoji="0" lang="en-US" altLang="en-US" sz="2000" b="0" i="0" u="none" strike="noStrike" cap="none" normalizeH="0" baseline="0" dirty="0">
                 <a:ln>
                   <a:noFill/>
                 </a:ln>
@@ -4010,7 +3994,7 @@
               <a:t>&lt;/value&gt;</a:t>
             </a:r>
             <a:br>
-              <a:rPr kumimoji="0" lang="en-US" altLang="en-US" sz="2000" b="0" i="0" u="none" strike="noStrike" cap="none" normalizeH="0" baseline="0" dirty="0" smtClean="0">
+              <a:rPr kumimoji="0" lang="en-US" altLang="en-US" sz="2000" b="0" i="0" u="none" strike="noStrike" cap="none" normalizeH="0" baseline="0" dirty="0">
                 <a:ln>
                   <a:noFill/>
                 </a:ln>
@@ -4022,7 +4006,7 @@
               </a:rPr>
             </a:br>
             <a:r>
-              <a:rPr kumimoji="0" lang="en-US" altLang="en-US" sz="2000" b="0" i="0" u="none" strike="noStrike" cap="none" normalizeH="0" baseline="0" dirty="0" smtClean="0">
+              <a:rPr kumimoji="0" lang="en-US" altLang="en-US" sz="2000" b="0" i="0" u="none" strike="noStrike" cap="none" normalizeH="0" baseline="0" dirty="0">
                 <a:ln>
                   <a:noFill/>
                 </a:ln>
@@ -4035,7 +4019,7 @@
               <a:t>    &lt;ref </a:t>
             </a:r>
             <a:r>
-              <a:rPr kumimoji="0" lang="en-US" altLang="en-US" sz="2000" b="0" i="0" u="none" strike="noStrike" cap="none" normalizeH="0" baseline="0" dirty="0" smtClean="0">
+              <a:rPr kumimoji="0" lang="en-US" altLang="en-US" sz="2000" b="0" i="0" u="none" strike="noStrike" cap="none" normalizeH="0" baseline="0" dirty="0">
                 <a:ln>
                   <a:noFill/>
                 </a:ln>
@@ -4048,7 +4032,7 @@
               <a:t>bean</a:t>
             </a:r>
             <a:r>
-              <a:rPr kumimoji="0" lang="en-US" altLang="en-US" sz="2000" b="0" i="0" u="none" strike="noStrike" cap="none" normalizeH="0" baseline="0" dirty="0" smtClean="0">
+              <a:rPr kumimoji="0" lang="en-US" altLang="en-US" sz="2000" b="0" i="0" u="none" strike="noStrike" cap="none" normalizeH="0" baseline="0" dirty="0">
                 <a:ln>
                   <a:noFill/>
                 </a:ln>
@@ -4061,7 +4045,7 @@
               <a:t>="person" </a:t>
             </a:r>
             <a:r>
-              <a:rPr kumimoji="0" lang="en-US" altLang="en-US" sz="2000" b="0" i="0" u="none" strike="noStrike" cap="none" normalizeH="0" baseline="0" dirty="0" smtClean="0">
+              <a:rPr kumimoji="0" lang="en-US" altLang="en-US" sz="2000" b="0" i="0" u="none" strike="noStrike" cap="none" normalizeH="0" baseline="0" dirty="0">
                 <a:ln>
                   <a:noFill/>
                 </a:ln>
@@ -4074,7 +4058,7 @@
               <a:t>/&gt;</a:t>
             </a:r>
             <a:br>
-              <a:rPr kumimoji="0" lang="en-US" altLang="en-US" sz="2000" b="0" i="0" u="none" strike="noStrike" cap="none" normalizeH="0" baseline="0" dirty="0" smtClean="0">
+              <a:rPr kumimoji="0" lang="en-US" altLang="en-US" sz="2000" b="0" i="0" u="none" strike="noStrike" cap="none" normalizeH="0" baseline="0" dirty="0">
                 <a:ln>
                   <a:noFill/>
                 </a:ln>
@@ -4086,7 +4070,7 @@
               </a:rPr>
             </a:br>
             <a:r>
-              <a:rPr kumimoji="0" lang="en-US" altLang="en-US" sz="2000" b="0" i="0" u="none" strike="noStrike" cap="none" normalizeH="0" baseline="0" dirty="0" smtClean="0">
+              <a:rPr kumimoji="0" lang="en-US" altLang="en-US" sz="2000" b="0" i="0" u="none" strike="noStrike" cap="none" normalizeH="0" baseline="0" dirty="0">
                 <a:ln>
                   <a:noFill/>
                 </a:ln>
@@ -4099,7 +4083,7 @@
               <a:t>    &lt;bean </a:t>
             </a:r>
             <a:r>
-              <a:rPr kumimoji="0" lang="en-US" altLang="en-US" sz="2000" b="0" i="0" u="none" strike="noStrike" cap="none" normalizeH="0" baseline="0" dirty="0" smtClean="0">
+              <a:rPr kumimoji="0" lang="en-US" altLang="en-US" sz="2000" b="0" i="0" u="none" strike="noStrike" cap="none" normalizeH="0" baseline="0" dirty="0">
                 <a:ln>
                   <a:noFill/>
                 </a:ln>
@@ -4112,7 +4096,7 @@
               <a:t>class</a:t>
             </a:r>
             <a:r>
-              <a:rPr kumimoji="0" lang="en-US" altLang="en-US" sz="2000" b="0" i="0" u="none" strike="noStrike" cap="none" normalizeH="0" baseline="0" dirty="0" smtClean="0">
+              <a:rPr kumimoji="0" lang="en-US" altLang="en-US" sz="2000" b="0" i="0" u="none" strike="noStrike" cap="none" normalizeH="0" baseline="0" dirty="0">
                 <a:ln>
                   <a:noFill/>
                 </a:ln>
@@ -4125,7 +4109,7 @@
               <a:t>="com.volkov.IoC.example15.Person"</a:t>
             </a:r>
             <a:r>
-              <a:rPr kumimoji="0" lang="en-US" altLang="en-US" sz="2000" b="0" i="0" u="none" strike="noStrike" cap="none" normalizeH="0" baseline="0" dirty="0" smtClean="0">
+              <a:rPr kumimoji="0" lang="en-US" altLang="en-US" sz="2000" b="0" i="0" u="none" strike="noStrike" cap="none" normalizeH="0" baseline="0" dirty="0">
                 <a:ln>
                   <a:noFill/>
                 </a:ln>
@@ -4138,7 +4122,7 @@
               <a:t>&gt;</a:t>
             </a:r>
             <a:br>
-              <a:rPr kumimoji="0" lang="en-US" altLang="en-US" sz="2000" b="0" i="0" u="none" strike="noStrike" cap="none" normalizeH="0" baseline="0" dirty="0" smtClean="0">
+              <a:rPr kumimoji="0" lang="en-US" altLang="en-US" sz="2000" b="0" i="0" u="none" strike="noStrike" cap="none" normalizeH="0" baseline="0" dirty="0">
                 <a:ln>
                   <a:noFill/>
                 </a:ln>
@@ -4150,7 +4134,7 @@
               </a:rPr>
             </a:br>
             <a:r>
-              <a:rPr kumimoji="0" lang="en-US" altLang="en-US" sz="2000" b="0" i="0" u="none" strike="noStrike" cap="none" normalizeH="0" baseline="0" dirty="0" smtClean="0">
+              <a:rPr kumimoji="0" lang="en-US" altLang="en-US" sz="2000" b="0" i="0" u="none" strike="noStrike" cap="none" normalizeH="0" baseline="0" dirty="0">
                 <a:ln>
                   <a:noFill/>
                 </a:ln>
@@ -4163,7 +4147,7 @@
               <a:t>        &lt;property </a:t>
             </a:r>
             <a:r>
-              <a:rPr kumimoji="0" lang="en-US" altLang="en-US" sz="2000" b="0" i="0" u="none" strike="noStrike" cap="none" normalizeH="0" baseline="0" dirty="0" smtClean="0">
+              <a:rPr kumimoji="0" lang="en-US" altLang="en-US" sz="2000" b="0" i="0" u="none" strike="noStrike" cap="none" normalizeH="0" baseline="0" dirty="0">
                 <a:ln>
                   <a:noFill/>
                 </a:ln>
@@ -4176,7 +4160,7 @@
               <a:t>name</a:t>
             </a:r>
             <a:r>
-              <a:rPr kumimoji="0" lang="en-US" altLang="en-US" sz="2000" b="0" i="0" u="none" strike="noStrike" cap="none" normalizeH="0" baseline="0" dirty="0" smtClean="0">
+              <a:rPr kumimoji="0" lang="en-US" altLang="en-US" sz="2000" b="0" i="0" u="none" strike="noStrike" cap="none" normalizeH="0" baseline="0" dirty="0">
                 <a:ln>
                   <a:noFill/>
                 </a:ln>
@@ -4189,7 +4173,7 @@
               <a:t>="</a:t>
             </a:r>
             <a:r>
-              <a:rPr kumimoji="0" lang="en-US" altLang="en-US" sz="2000" b="0" i="0" u="none" strike="noStrike" cap="none" normalizeH="0" baseline="0" dirty="0" err="1" smtClean="0">
+              <a:rPr kumimoji="0" lang="en-US" altLang="en-US" sz="2000" b="0" i="0" u="none" strike="noStrike" cap="none" normalizeH="0" baseline="0" dirty="0" err="1">
                 <a:ln>
                   <a:noFill/>
                 </a:ln>
@@ -4202,7 +4186,7 @@
               <a:t>firstName</a:t>
             </a:r>
             <a:r>
-              <a:rPr kumimoji="0" lang="en-US" altLang="en-US" sz="2000" b="0" i="0" u="none" strike="noStrike" cap="none" normalizeH="0" baseline="0" dirty="0" smtClean="0">
+              <a:rPr kumimoji="0" lang="en-US" altLang="en-US" sz="2000" b="0" i="0" u="none" strike="noStrike" cap="none" normalizeH="0" baseline="0" dirty="0">
                 <a:ln>
                   <a:noFill/>
                 </a:ln>
@@ -4215,7 +4199,7 @@
               <a:t>" </a:t>
             </a:r>
             <a:r>
-              <a:rPr kumimoji="0" lang="en-US" altLang="en-US" sz="2000" b="0" i="0" u="none" strike="noStrike" cap="none" normalizeH="0" baseline="0" dirty="0" smtClean="0">
+              <a:rPr kumimoji="0" lang="en-US" altLang="en-US" sz="2000" b="0" i="0" u="none" strike="noStrike" cap="none" normalizeH="0" baseline="0" dirty="0">
                 <a:ln>
                   <a:noFill/>
                 </a:ln>
@@ -4228,7 +4212,7 @@
               <a:t>value</a:t>
             </a:r>
             <a:r>
-              <a:rPr kumimoji="0" lang="en-US" altLang="en-US" sz="2000" b="0" i="0" u="none" strike="noStrike" cap="none" normalizeH="0" baseline="0" dirty="0" smtClean="0">
+              <a:rPr kumimoji="0" lang="en-US" altLang="en-US" sz="2000" b="0" i="0" u="none" strike="noStrike" cap="none" normalizeH="0" baseline="0" dirty="0">
                 <a:ln>
                   <a:noFill/>
                 </a:ln>
@@ -4241,7 +4225,7 @@
               <a:t>="Ivan" </a:t>
             </a:r>
             <a:r>
-              <a:rPr kumimoji="0" lang="en-US" altLang="en-US" sz="2000" b="0" i="0" u="none" strike="noStrike" cap="none" normalizeH="0" baseline="0" dirty="0" smtClean="0">
+              <a:rPr kumimoji="0" lang="en-US" altLang="en-US" sz="2000" b="0" i="0" u="none" strike="noStrike" cap="none" normalizeH="0" baseline="0" dirty="0">
                 <a:ln>
                   <a:noFill/>
                 </a:ln>
@@ -4254,7 +4238,7 @@
               <a:t>/&gt;</a:t>
             </a:r>
             <a:br>
-              <a:rPr kumimoji="0" lang="en-US" altLang="en-US" sz="2000" b="0" i="0" u="none" strike="noStrike" cap="none" normalizeH="0" baseline="0" dirty="0" smtClean="0">
+              <a:rPr kumimoji="0" lang="en-US" altLang="en-US" sz="2000" b="0" i="0" u="none" strike="noStrike" cap="none" normalizeH="0" baseline="0" dirty="0">
                 <a:ln>
                   <a:noFill/>
                 </a:ln>
@@ -4266,7 +4250,7 @@
               </a:rPr>
             </a:br>
             <a:r>
-              <a:rPr kumimoji="0" lang="en-US" altLang="en-US" sz="2000" b="0" i="0" u="none" strike="noStrike" cap="none" normalizeH="0" baseline="0" dirty="0" smtClean="0">
+              <a:rPr kumimoji="0" lang="en-US" altLang="en-US" sz="2000" b="0" i="0" u="none" strike="noStrike" cap="none" normalizeH="0" baseline="0" dirty="0">
                 <a:ln>
                   <a:noFill/>
                 </a:ln>
@@ -4279,7 +4263,7 @@
               <a:t>        &lt;property </a:t>
             </a:r>
             <a:r>
-              <a:rPr kumimoji="0" lang="en-US" altLang="en-US" sz="2000" b="0" i="0" u="none" strike="noStrike" cap="none" normalizeH="0" baseline="0" dirty="0" smtClean="0">
+              <a:rPr kumimoji="0" lang="en-US" altLang="en-US" sz="2000" b="0" i="0" u="none" strike="noStrike" cap="none" normalizeH="0" baseline="0" dirty="0">
                 <a:ln>
                   <a:noFill/>
                 </a:ln>
@@ -4292,7 +4276,7 @@
               <a:t>name</a:t>
             </a:r>
             <a:r>
-              <a:rPr kumimoji="0" lang="en-US" altLang="en-US" sz="2000" b="0" i="0" u="none" strike="noStrike" cap="none" normalizeH="0" baseline="0" dirty="0" smtClean="0">
+              <a:rPr kumimoji="0" lang="en-US" altLang="en-US" sz="2000" b="0" i="0" u="none" strike="noStrike" cap="none" normalizeH="0" baseline="0" dirty="0">
                 <a:ln>
                   <a:noFill/>
                 </a:ln>
@@ -4305,7 +4289,7 @@
               <a:t>="surname" </a:t>
             </a:r>
             <a:r>
-              <a:rPr kumimoji="0" lang="en-US" altLang="en-US" sz="2000" b="0" i="0" u="none" strike="noStrike" cap="none" normalizeH="0" baseline="0" dirty="0" smtClean="0">
+              <a:rPr kumimoji="0" lang="en-US" altLang="en-US" sz="2000" b="0" i="0" u="none" strike="noStrike" cap="none" normalizeH="0" baseline="0" dirty="0">
                 <a:ln>
                   <a:noFill/>
                 </a:ln>
@@ -4318,7 +4302,7 @@
               <a:t>value</a:t>
             </a:r>
             <a:r>
-              <a:rPr kumimoji="0" lang="en-US" altLang="en-US" sz="2000" b="0" i="0" u="none" strike="noStrike" cap="none" normalizeH="0" baseline="0" dirty="0" smtClean="0">
+              <a:rPr kumimoji="0" lang="en-US" altLang="en-US" sz="2000" b="0" i="0" u="none" strike="noStrike" cap="none" normalizeH="0" baseline="0" dirty="0">
                 <a:ln>
                   <a:noFill/>
                 </a:ln>
@@ -4331,7 +4315,7 @@
               <a:t>="</a:t>
             </a:r>
             <a:r>
-              <a:rPr kumimoji="0" lang="en-US" altLang="en-US" sz="2000" b="0" i="0" u="none" strike="noStrike" cap="none" normalizeH="0" baseline="0" dirty="0" err="1" smtClean="0">
+              <a:rPr kumimoji="0" lang="en-US" altLang="en-US" sz="2000" b="0" i="0" u="none" strike="noStrike" cap="none" normalizeH="0" baseline="0" dirty="0" err="1">
                 <a:ln>
                   <a:noFill/>
                 </a:ln>
@@ -4344,7 +4328,7 @@
               <a:t>Ivanovich</a:t>
             </a:r>
             <a:r>
-              <a:rPr kumimoji="0" lang="en-US" altLang="en-US" sz="2000" b="0" i="0" u="none" strike="noStrike" cap="none" normalizeH="0" baseline="0" dirty="0" smtClean="0">
+              <a:rPr kumimoji="0" lang="en-US" altLang="en-US" sz="2000" b="0" i="0" u="none" strike="noStrike" cap="none" normalizeH="0" baseline="0" dirty="0">
                 <a:ln>
                   <a:noFill/>
                 </a:ln>
@@ -4357,7 +4341,7 @@
               <a:t>"</a:t>
             </a:r>
             <a:r>
-              <a:rPr kumimoji="0" lang="en-US" altLang="en-US" sz="2000" b="0" i="0" u="none" strike="noStrike" cap="none" normalizeH="0" baseline="0" dirty="0" smtClean="0">
+              <a:rPr kumimoji="0" lang="en-US" altLang="en-US" sz="2000" b="0" i="0" u="none" strike="noStrike" cap="none" normalizeH="0" baseline="0" dirty="0">
                 <a:ln>
                   <a:noFill/>
                 </a:ln>
@@ -4370,7 +4354,7 @@
               <a:t>/&gt;</a:t>
             </a:r>
             <a:br>
-              <a:rPr kumimoji="0" lang="en-US" altLang="en-US" sz="2000" b="0" i="0" u="none" strike="noStrike" cap="none" normalizeH="0" baseline="0" dirty="0" smtClean="0">
+              <a:rPr kumimoji="0" lang="en-US" altLang="en-US" sz="2000" b="0" i="0" u="none" strike="noStrike" cap="none" normalizeH="0" baseline="0" dirty="0">
                 <a:ln>
                   <a:noFill/>
                 </a:ln>
@@ -4382,7 +4366,7 @@
               </a:rPr>
             </a:br>
             <a:r>
-              <a:rPr kumimoji="0" lang="en-US" altLang="en-US" sz="2000" b="0" i="0" u="none" strike="noStrike" cap="none" normalizeH="0" baseline="0" dirty="0" smtClean="0">
+              <a:rPr kumimoji="0" lang="en-US" altLang="en-US" sz="2000" b="0" i="0" u="none" strike="noStrike" cap="none" normalizeH="0" baseline="0" dirty="0">
                 <a:ln>
                   <a:noFill/>
                 </a:ln>
@@ -4395,7 +4379,7 @@
               <a:t>        &lt;property </a:t>
             </a:r>
             <a:r>
-              <a:rPr kumimoji="0" lang="en-US" altLang="en-US" sz="2000" b="0" i="0" u="none" strike="noStrike" cap="none" normalizeH="0" baseline="0" dirty="0" smtClean="0">
+              <a:rPr kumimoji="0" lang="en-US" altLang="en-US" sz="2000" b="0" i="0" u="none" strike="noStrike" cap="none" normalizeH="0" baseline="0" dirty="0">
                 <a:ln>
                   <a:noFill/>
                 </a:ln>
@@ -4408,7 +4392,7 @@
               <a:t>name</a:t>
             </a:r>
             <a:r>
-              <a:rPr kumimoji="0" lang="en-US" altLang="en-US" sz="2000" b="0" i="0" u="none" strike="noStrike" cap="none" normalizeH="0" baseline="0" dirty="0" smtClean="0">
+              <a:rPr kumimoji="0" lang="en-US" altLang="en-US" sz="2000" b="0" i="0" u="none" strike="noStrike" cap="none" normalizeH="0" baseline="0" dirty="0">
                 <a:ln>
                   <a:noFill/>
                 </a:ln>
@@ -4421,7 +4405,7 @@
               <a:t>="age" </a:t>
             </a:r>
             <a:r>
-              <a:rPr kumimoji="0" lang="en-US" altLang="en-US" sz="2000" b="0" i="0" u="none" strike="noStrike" cap="none" normalizeH="0" baseline="0" dirty="0" smtClean="0">
+              <a:rPr kumimoji="0" lang="en-US" altLang="en-US" sz="2000" b="0" i="0" u="none" strike="noStrike" cap="none" normalizeH="0" baseline="0" dirty="0">
                 <a:ln>
                   <a:noFill/>
                 </a:ln>
@@ -4434,7 +4418,7 @@
               <a:t>value</a:t>
             </a:r>
             <a:r>
-              <a:rPr kumimoji="0" lang="en-US" altLang="en-US" sz="2000" b="0" i="0" u="none" strike="noStrike" cap="none" normalizeH="0" baseline="0" dirty="0" smtClean="0">
+              <a:rPr kumimoji="0" lang="en-US" altLang="en-US" sz="2000" b="0" i="0" u="none" strike="noStrike" cap="none" normalizeH="0" baseline="0" dirty="0">
                 <a:ln>
                   <a:noFill/>
                 </a:ln>
@@ -4447,7 +4431,7 @@
               <a:t>="29" </a:t>
             </a:r>
             <a:r>
-              <a:rPr kumimoji="0" lang="en-US" altLang="en-US" sz="2000" b="0" i="0" u="none" strike="noStrike" cap="none" normalizeH="0" baseline="0" dirty="0" smtClean="0">
+              <a:rPr kumimoji="0" lang="en-US" altLang="en-US" sz="2000" b="0" i="0" u="none" strike="noStrike" cap="none" normalizeH="0" baseline="0" dirty="0">
                 <a:ln>
                   <a:noFill/>
                 </a:ln>
@@ -4460,7 +4444,7 @@
               <a:t>/&gt;</a:t>
             </a:r>
             <a:br>
-              <a:rPr kumimoji="0" lang="en-US" altLang="en-US" sz="2000" b="0" i="0" u="none" strike="noStrike" cap="none" normalizeH="0" baseline="0" dirty="0" smtClean="0">
+              <a:rPr kumimoji="0" lang="en-US" altLang="en-US" sz="2000" b="0" i="0" u="none" strike="noStrike" cap="none" normalizeH="0" baseline="0" dirty="0">
                 <a:ln>
                   <a:noFill/>
                 </a:ln>
@@ -4472,7 +4456,7 @@
               </a:rPr>
             </a:br>
             <a:r>
-              <a:rPr kumimoji="0" lang="en-US" altLang="en-US" sz="2000" b="0" i="0" u="none" strike="noStrike" cap="none" normalizeH="0" baseline="0" dirty="0" smtClean="0">
+              <a:rPr kumimoji="0" lang="en-US" altLang="en-US" sz="2000" b="0" i="0" u="none" strike="noStrike" cap="none" normalizeH="0" baseline="0" dirty="0">
                 <a:ln>
                   <a:noFill/>
                 </a:ln>
@@ -4485,7 +4469,7 @@
               <a:t>    &lt;/bean&gt;</a:t>
             </a:r>
             <a:br>
-              <a:rPr kumimoji="0" lang="en-US" altLang="en-US" sz="2000" b="0" i="0" u="none" strike="noStrike" cap="none" normalizeH="0" baseline="0" dirty="0" smtClean="0">
+              <a:rPr kumimoji="0" lang="en-US" altLang="en-US" sz="2000" b="0" i="0" u="none" strike="noStrike" cap="none" normalizeH="0" baseline="0" dirty="0">
                 <a:ln>
                   <a:noFill/>
                 </a:ln>
@@ -4497,7 +4481,7 @@
               </a:rPr>
             </a:br>
             <a:r>
-              <a:rPr kumimoji="0" lang="en-US" altLang="en-US" sz="2000" b="0" i="0" u="none" strike="noStrike" cap="none" normalizeH="0" baseline="0" dirty="0" smtClean="0">
+              <a:rPr kumimoji="0" lang="en-US" altLang="en-US" sz="2000" b="0" i="0" u="none" strike="noStrike" cap="none" normalizeH="0" baseline="0" dirty="0">
                 <a:ln>
                   <a:noFill/>
                 </a:ln>
@@ -4509,7 +4493,7 @@
               </a:rPr>
               <a:t>&lt;/set&gt;</a:t>
             </a:r>
-            <a:endParaRPr kumimoji="0" lang="en-US" altLang="en-US" sz="2000" b="0" i="0" u="none" strike="noStrike" cap="none" normalizeH="0" baseline="0" dirty="0" smtClean="0">
+            <a:endParaRPr kumimoji="0" lang="en-US" altLang="en-US" sz="2000" b="0" i="0" u="none" strike="noStrike" cap="none" normalizeH="0" baseline="0" dirty="0">
               <a:ln>
                 <a:noFill/>
               </a:ln>
@@ -4573,41 +4557,41 @@
           <a:lstStyle/>
           <a:p>
             <a:r>
-              <a:rPr lang="ru-RU" dirty="0" smtClean="0"/>
+              <a:rPr lang="ru-RU" dirty="0"/>
               <a:t>Инициализация </a:t>
             </a:r>
             <a:r>
-              <a:rPr lang="en-US" dirty="0" smtClean="0"/>
+              <a:rPr lang="en-US" dirty="0"/>
               <a:t>map</a:t>
             </a:r>
-            <a:endParaRPr lang="ru-RU" dirty="0" smtClean="0"/>
-          </a:p>
-          <a:p>
             <a:endParaRPr lang="ru-RU" dirty="0"/>
           </a:p>
           <a:p>
-            <a:endParaRPr lang="ru-RU" dirty="0" smtClean="0"/>
-          </a:p>
-          <a:p>
             <a:endParaRPr lang="ru-RU" dirty="0"/>
           </a:p>
           <a:p>
+            <a:endParaRPr lang="ru-RU" dirty="0"/>
+          </a:p>
+          <a:p>
+            <a:endParaRPr lang="ru-RU" dirty="0"/>
+          </a:p>
+          <a:p>
             <a:pPr marL="0" indent="0">
               <a:buNone/>
             </a:pPr>
             <a:r>
-              <a:rPr lang="ru-RU" dirty="0" smtClean="0"/>
+              <a:rPr lang="ru-RU" dirty="0"/>
               <a:t>Указывается ключ и соответствующее ему значение.</a:t>
             </a:r>
-            <a:endParaRPr lang="en-US" dirty="0" smtClean="0"/>
-          </a:p>
-          <a:p>
-            <a:r>
-              <a:rPr lang="ru-RU" dirty="0" smtClean="0"/>
+            <a:endParaRPr lang="en-US" dirty="0"/>
+          </a:p>
+          <a:p>
+            <a:r>
+              <a:rPr lang="ru-RU" dirty="0"/>
               <a:t>Инициализация </a:t>
             </a:r>
             <a:r>
-              <a:rPr lang="en-US" dirty="0" smtClean="0"/>
+              <a:rPr lang="en-US" dirty="0"/>
               <a:t>properties</a:t>
             </a:r>
           </a:p>
@@ -4615,21 +4599,21 @@
             <a:endParaRPr lang="en-US" dirty="0"/>
           </a:p>
           <a:p>
-            <a:endParaRPr lang="en-US" dirty="0" smtClean="0"/>
-          </a:p>
-          <a:p>
             <a:endParaRPr lang="en-US" dirty="0"/>
           </a:p>
           <a:p>
+            <a:endParaRPr lang="en-US" dirty="0"/>
+          </a:p>
+          <a:p>
             <a:pPr marL="0" indent="0">
               <a:buNone/>
             </a:pPr>
             <a:r>
-              <a:rPr lang="ru-RU" dirty="0" smtClean="0"/>
+              <a:rPr lang="ru-RU" dirty="0"/>
               <a:t>Аналогично </a:t>
             </a:r>
             <a:r>
-              <a:rPr lang="en-US" dirty="0" smtClean="0"/>
+              <a:rPr lang="en-US" dirty="0"/>
               <a:t>map</a:t>
             </a:r>
           </a:p>
@@ -4709,7 +4693,7 @@
               <a:tabLst/>
             </a:pPr>
             <a:r>
-              <a:rPr kumimoji="0" lang="en-US" altLang="en-US" sz="2000" b="0" i="0" u="none" strike="noStrike" cap="none" normalizeH="0" baseline="0" dirty="0" smtClean="0">
+              <a:rPr kumimoji="0" lang="en-US" altLang="en-US" sz="2000" b="0" i="0" u="none" strike="noStrike" cap="none" normalizeH="0" baseline="0" dirty="0">
                 <a:ln>
                   <a:noFill/>
                 </a:ln>
@@ -4722,7 +4706,7 @@
               <a:t>&lt;map&gt;</a:t>
             </a:r>
             <a:br>
-              <a:rPr kumimoji="0" lang="en-US" altLang="en-US" sz="2000" b="0" i="0" u="none" strike="noStrike" cap="none" normalizeH="0" baseline="0" dirty="0" smtClean="0">
+              <a:rPr kumimoji="0" lang="en-US" altLang="en-US" sz="2000" b="0" i="0" u="none" strike="noStrike" cap="none" normalizeH="0" baseline="0" dirty="0">
                 <a:ln>
                   <a:noFill/>
                 </a:ln>
@@ -4734,7 +4718,7 @@
               </a:rPr>
             </a:br>
             <a:r>
-              <a:rPr kumimoji="0" lang="en-US" altLang="en-US" sz="2000" b="0" i="0" u="none" strike="noStrike" cap="none" normalizeH="0" baseline="0" dirty="0" smtClean="0">
+              <a:rPr kumimoji="0" lang="en-US" altLang="en-US" sz="2000" b="0" i="0" u="none" strike="noStrike" cap="none" normalizeH="0" baseline="0" dirty="0">
                 <a:ln>
                   <a:noFill/>
                 </a:ln>
@@ -4747,7 +4731,7 @@
               <a:t>    &lt;entry </a:t>
             </a:r>
             <a:r>
-              <a:rPr kumimoji="0" lang="en-US" altLang="en-US" sz="2000" b="0" i="0" u="none" strike="noStrike" cap="none" normalizeH="0" baseline="0" dirty="0" smtClean="0">
+              <a:rPr kumimoji="0" lang="en-US" altLang="en-US" sz="2000" b="0" i="0" u="none" strike="noStrike" cap="none" normalizeH="0" baseline="0" dirty="0">
                 <a:ln>
                   <a:noFill/>
                 </a:ln>
@@ -4760,7 +4744,7 @@
               <a:t>key</a:t>
             </a:r>
             <a:r>
-              <a:rPr kumimoji="0" lang="en-US" altLang="en-US" sz="2000" b="0" i="0" u="none" strike="noStrike" cap="none" normalizeH="0" baseline="0" dirty="0" smtClean="0">
+              <a:rPr kumimoji="0" lang="en-US" altLang="en-US" sz="2000" b="0" i="0" u="none" strike="noStrike" cap="none" normalizeH="0" baseline="0" dirty="0">
                 <a:ln>
                   <a:noFill/>
                 </a:ln>
@@ -4773,7 +4757,7 @@
               <a:t>="key1" </a:t>
             </a:r>
             <a:r>
-              <a:rPr kumimoji="0" lang="en-US" altLang="en-US" sz="2000" b="0" i="0" u="none" strike="noStrike" cap="none" normalizeH="0" baseline="0" dirty="0" smtClean="0">
+              <a:rPr kumimoji="0" lang="en-US" altLang="en-US" sz="2000" b="0" i="0" u="none" strike="noStrike" cap="none" normalizeH="0" baseline="0" dirty="0">
                 <a:ln>
                   <a:noFill/>
                 </a:ln>
@@ -4786,7 +4770,7 @@
               <a:t>value</a:t>
             </a:r>
             <a:r>
-              <a:rPr kumimoji="0" lang="en-US" altLang="en-US" sz="2000" b="0" i="0" u="none" strike="noStrike" cap="none" normalizeH="0" baseline="0" dirty="0" smtClean="0">
+              <a:rPr kumimoji="0" lang="en-US" altLang="en-US" sz="2000" b="0" i="0" u="none" strike="noStrike" cap="none" normalizeH="0" baseline="0" dirty="0">
                 <a:ln>
                   <a:noFill/>
                 </a:ln>
@@ -4799,7 +4783,7 @@
               <a:t>="1" </a:t>
             </a:r>
             <a:r>
-              <a:rPr kumimoji="0" lang="en-US" altLang="en-US" sz="2000" b="0" i="0" u="none" strike="noStrike" cap="none" normalizeH="0" baseline="0" dirty="0" smtClean="0">
+              <a:rPr kumimoji="0" lang="en-US" altLang="en-US" sz="2000" b="0" i="0" u="none" strike="noStrike" cap="none" normalizeH="0" baseline="0" dirty="0">
                 <a:ln>
                   <a:noFill/>
                 </a:ln>
@@ -4812,7 +4796,7 @@
               <a:t>/&gt;</a:t>
             </a:r>
             <a:br>
-              <a:rPr kumimoji="0" lang="en-US" altLang="en-US" sz="2000" b="0" i="0" u="none" strike="noStrike" cap="none" normalizeH="0" baseline="0" dirty="0" smtClean="0">
+              <a:rPr kumimoji="0" lang="en-US" altLang="en-US" sz="2000" b="0" i="0" u="none" strike="noStrike" cap="none" normalizeH="0" baseline="0" dirty="0">
                 <a:ln>
                   <a:noFill/>
                 </a:ln>
@@ -4824,7 +4808,7 @@
               </a:rPr>
             </a:br>
             <a:r>
-              <a:rPr kumimoji="0" lang="en-US" altLang="en-US" sz="2000" b="0" i="0" u="none" strike="noStrike" cap="none" normalizeH="0" baseline="0" dirty="0" smtClean="0">
+              <a:rPr kumimoji="0" lang="en-US" altLang="en-US" sz="2000" b="0" i="0" u="none" strike="noStrike" cap="none" normalizeH="0" baseline="0" dirty="0">
                 <a:ln>
                   <a:noFill/>
                 </a:ln>
@@ -4837,7 +4821,7 @@
               <a:t>    &lt;entry </a:t>
             </a:r>
             <a:r>
-              <a:rPr kumimoji="0" lang="en-US" altLang="en-US" sz="2000" b="0" i="0" u="none" strike="noStrike" cap="none" normalizeH="0" baseline="0" dirty="0" smtClean="0">
+              <a:rPr kumimoji="0" lang="en-US" altLang="en-US" sz="2000" b="0" i="0" u="none" strike="noStrike" cap="none" normalizeH="0" baseline="0" dirty="0">
                 <a:ln>
                   <a:noFill/>
                 </a:ln>
@@ -4850,7 +4834,7 @@
               <a:t>key</a:t>
             </a:r>
             <a:r>
-              <a:rPr kumimoji="0" lang="en-US" altLang="en-US" sz="2000" b="0" i="0" u="none" strike="noStrike" cap="none" normalizeH="0" baseline="0" dirty="0" smtClean="0">
+              <a:rPr kumimoji="0" lang="en-US" altLang="en-US" sz="2000" b="0" i="0" u="none" strike="noStrike" cap="none" normalizeH="0" baseline="0" dirty="0">
                 <a:ln>
                   <a:noFill/>
                 </a:ln>
@@ -4863,7 +4847,7 @@
               <a:t>="key2" </a:t>
             </a:r>
             <a:r>
-              <a:rPr kumimoji="0" lang="en-US" altLang="en-US" sz="2000" b="0" i="0" u="none" strike="noStrike" cap="none" normalizeH="0" baseline="0" dirty="0" smtClean="0">
+              <a:rPr kumimoji="0" lang="en-US" altLang="en-US" sz="2000" b="0" i="0" u="none" strike="noStrike" cap="none" normalizeH="0" baseline="0" dirty="0">
                 <a:ln>
                   <a:noFill/>
                 </a:ln>
@@ -4876,7 +4860,7 @@
               <a:t>value-ref</a:t>
             </a:r>
             <a:r>
-              <a:rPr kumimoji="0" lang="en-US" altLang="en-US" sz="2000" b="0" i="0" u="none" strike="noStrike" cap="none" normalizeH="0" baseline="0" dirty="0" smtClean="0">
+              <a:rPr kumimoji="0" lang="en-US" altLang="en-US" sz="2000" b="0" i="0" u="none" strike="noStrike" cap="none" normalizeH="0" baseline="0" dirty="0">
                 <a:ln>
                   <a:noFill/>
                 </a:ln>
@@ -4889,7 +4873,7 @@
               <a:t>="person"</a:t>
             </a:r>
             <a:r>
-              <a:rPr kumimoji="0" lang="en-US" altLang="en-US" sz="2000" b="0" i="0" u="none" strike="noStrike" cap="none" normalizeH="0" baseline="0" dirty="0" smtClean="0">
+              <a:rPr kumimoji="0" lang="en-US" altLang="en-US" sz="2000" b="0" i="0" u="none" strike="noStrike" cap="none" normalizeH="0" baseline="0" dirty="0">
                 <a:ln>
                   <a:noFill/>
                 </a:ln>
@@ -4902,7 +4886,7 @@
               <a:t>/&gt;</a:t>
             </a:r>
             <a:br>
-              <a:rPr kumimoji="0" lang="en-US" altLang="en-US" sz="2000" b="0" i="0" u="none" strike="noStrike" cap="none" normalizeH="0" baseline="0" dirty="0" smtClean="0">
+              <a:rPr kumimoji="0" lang="en-US" altLang="en-US" sz="2000" b="0" i="0" u="none" strike="noStrike" cap="none" normalizeH="0" baseline="0" dirty="0">
                 <a:ln>
                   <a:noFill/>
                 </a:ln>
@@ -4914,7 +4898,7 @@
               </a:rPr>
             </a:br>
             <a:r>
-              <a:rPr kumimoji="0" lang="en-US" altLang="en-US" sz="2000" b="0" i="0" u="none" strike="noStrike" cap="none" normalizeH="0" baseline="0" dirty="0" smtClean="0">
+              <a:rPr kumimoji="0" lang="en-US" altLang="en-US" sz="2000" b="0" i="0" u="none" strike="noStrike" cap="none" normalizeH="0" baseline="0" dirty="0">
                 <a:ln>
                   <a:noFill/>
                 </a:ln>
@@ -4926,7 +4910,7 @@
               </a:rPr>
               <a:t>&lt;/map&gt;</a:t>
             </a:r>
-            <a:endParaRPr kumimoji="0" lang="en-US" altLang="en-US" sz="2000" b="0" i="0" u="none" strike="noStrike" cap="none" normalizeH="0" baseline="0" dirty="0" smtClean="0">
+            <a:endParaRPr kumimoji="0" lang="en-US" altLang="en-US" sz="2000" b="0" i="0" u="none" strike="noStrike" cap="none" normalizeH="0" baseline="0" dirty="0">
               <a:ln>
                 <a:noFill/>
               </a:ln>
@@ -5010,7 +4994,7 @@
               <a:tabLst/>
             </a:pPr>
             <a:r>
-              <a:rPr kumimoji="0" lang="en-US" altLang="en-US" sz="2000" b="0" i="0" u="none" strike="noStrike" cap="none" normalizeH="0" baseline="0" dirty="0" smtClean="0">
+              <a:rPr kumimoji="0" lang="en-US" altLang="en-US" sz="2000" b="0" i="0" u="none" strike="noStrike" cap="none" normalizeH="0" baseline="0" dirty="0">
                 <a:ln>
                   <a:noFill/>
                 </a:ln>
@@ -5023,7 +5007,7 @@
               <a:t>&lt;props&gt;</a:t>
             </a:r>
             <a:br>
-              <a:rPr kumimoji="0" lang="en-US" altLang="en-US" sz="2000" b="0" i="0" u="none" strike="noStrike" cap="none" normalizeH="0" baseline="0" dirty="0" smtClean="0">
+              <a:rPr kumimoji="0" lang="en-US" altLang="en-US" sz="2000" b="0" i="0" u="none" strike="noStrike" cap="none" normalizeH="0" baseline="0" dirty="0">
                 <a:ln>
                   <a:noFill/>
                 </a:ln>
@@ -5035,7 +5019,7 @@
               </a:rPr>
             </a:br>
             <a:r>
-              <a:rPr kumimoji="0" lang="en-US" altLang="en-US" sz="2000" b="0" i="0" u="none" strike="noStrike" cap="none" normalizeH="0" baseline="0" dirty="0" smtClean="0">
+              <a:rPr kumimoji="0" lang="en-US" altLang="en-US" sz="2000" b="0" i="0" u="none" strike="noStrike" cap="none" normalizeH="0" baseline="0" dirty="0">
                 <a:ln>
                   <a:noFill/>
                 </a:ln>
@@ -5048,7 +5032,7 @@
               <a:t>    &lt;prop </a:t>
             </a:r>
             <a:r>
-              <a:rPr kumimoji="0" lang="en-US" altLang="en-US" sz="2000" b="0" i="0" u="none" strike="noStrike" cap="none" normalizeH="0" baseline="0" dirty="0" smtClean="0">
+              <a:rPr kumimoji="0" lang="en-US" altLang="en-US" sz="2000" b="0" i="0" u="none" strike="noStrike" cap="none" normalizeH="0" baseline="0" dirty="0">
                 <a:ln>
                   <a:noFill/>
                 </a:ln>
@@ -5061,7 +5045,7 @@
               <a:t>key</a:t>
             </a:r>
             <a:r>
-              <a:rPr kumimoji="0" lang="en-US" altLang="en-US" sz="2000" b="0" i="0" u="none" strike="noStrike" cap="none" normalizeH="0" baseline="0" dirty="0" smtClean="0">
+              <a:rPr kumimoji="0" lang="en-US" altLang="en-US" sz="2000" b="0" i="0" u="none" strike="noStrike" cap="none" normalizeH="0" baseline="0" dirty="0">
                 <a:ln>
                   <a:noFill/>
                 </a:ln>
@@ -5074,7 +5058,7 @@
               <a:t>="name"</a:t>
             </a:r>
             <a:r>
-              <a:rPr kumimoji="0" lang="en-US" altLang="en-US" sz="2000" b="0" i="0" u="none" strike="noStrike" cap="none" normalizeH="0" baseline="0" dirty="0" smtClean="0">
+              <a:rPr kumimoji="0" lang="en-US" altLang="en-US" sz="2000" b="0" i="0" u="none" strike="noStrike" cap="none" normalizeH="0" baseline="0" dirty="0">
                 <a:ln>
                   <a:noFill/>
                 </a:ln>
@@ -5087,7 +5071,7 @@
               <a:t>&gt;</a:t>
             </a:r>
             <a:r>
-              <a:rPr kumimoji="0" lang="en-US" altLang="en-US" sz="2000" b="0" i="0" u="none" strike="noStrike" cap="none" normalizeH="0" baseline="0" dirty="0" smtClean="0">
+              <a:rPr kumimoji="0" lang="en-US" altLang="en-US" sz="2000" b="0" i="0" u="none" strike="noStrike" cap="none" normalizeH="0" baseline="0" dirty="0">
                 <a:ln>
                   <a:noFill/>
                 </a:ln>
@@ -5100,7 +5084,7 @@
               <a:t>Ivan</a:t>
             </a:r>
             <a:r>
-              <a:rPr kumimoji="0" lang="en-US" altLang="en-US" sz="2000" b="0" i="0" u="none" strike="noStrike" cap="none" normalizeH="0" baseline="0" dirty="0" smtClean="0">
+              <a:rPr kumimoji="0" lang="en-US" altLang="en-US" sz="2000" b="0" i="0" u="none" strike="noStrike" cap="none" normalizeH="0" baseline="0" dirty="0">
                 <a:ln>
                   <a:noFill/>
                 </a:ln>
@@ -5113,7 +5097,7 @@
               <a:t>&lt;/prop&gt;</a:t>
             </a:r>
             <a:br>
-              <a:rPr kumimoji="0" lang="en-US" altLang="en-US" sz="2000" b="0" i="0" u="none" strike="noStrike" cap="none" normalizeH="0" baseline="0" dirty="0" smtClean="0">
+              <a:rPr kumimoji="0" lang="en-US" altLang="en-US" sz="2000" b="0" i="0" u="none" strike="noStrike" cap="none" normalizeH="0" baseline="0" dirty="0">
                 <a:ln>
                   <a:noFill/>
                 </a:ln>
@@ -5125,7 +5109,7 @@
               </a:rPr>
             </a:br>
             <a:r>
-              <a:rPr kumimoji="0" lang="en-US" altLang="en-US" sz="2000" b="0" i="0" u="none" strike="noStrike" cap="none" normalizeH="0" baseline="0" dirty="0" smtClean="0">
+              <a:rPr kumimoji="0" lang="en-US" altLang="en-US" sz="2000" b="0" i="0" u="none" strike="noStrike" cap="none" normalizeH="0" baseline="0" dirty="0">
                 <a:ln>
                   <a:noFill/>
                 </a:ln>
@@ -5138,7 +5122,7 @@
               <a:t>    &lt;prop </a:t>
             </a:r>
             <a:r>
-              <a:rPr kumimoji="0" lang="en-US" altLang="en-US" sz="2000" b="0" i="0" u="none" strike="noStrike" cap="none" normalizeH="0" baseline="0" dirty="0" smtClean="0">
+              <a:rPr kumimoji="0" lang="en-US" altLang="en-US" sz="2000" b="0" i="0" u="none" strike="noStrike" cap="none" normalizeH="0" baseline="0" dirty="0">
                 <a:ln>
                   <a:noFill/>
                 </a:ln>
@@ -5151,7 +5135,7 @@
               <a:t>key</a:t>
             </a:r>
             <a:r>
-              <a:rPr kumimoji="0" lang="en-US" altLang="en-US" sz="2000" b="0" i="0" u="none" strike="noStrike" cap="none" normalizeH="0" baseline="0" dirty="0" smtClean="0">
+              <a:rPr kumimoji="0" lang="en-US" altLang="en-US" sz="2000" b="0" i="0" u="none" strike="noStrike" cap="none" normalizeH="0" baseline="0" dirty="0">
                 <a:ln>
                   <a:noFill/>
                 </a:ln>
@@ -5164,7 +5148,7 @@
               <a:t>="age"</a:t>
             </a:r>
             <a:r>
-              <a:rPr kumimoji="0" lang="en-US" altLang="en-US" sz="2000" b="0" i="0" u="none" strike="noStrike" cap="none" normalizeH="0" baseline="0" dirty="0" smtClean="0">
+              <a:rPr kumimoji="0" lang="en-US" altLang="en-US" sz="2000" b="0" i="0" u="none" strike="noStrike" cap="none" normalizeH="0" baseline="0" dirty="0">
                 <a:ln>
                   <a:noFill/>
                 </a:ln>
@@ -5177,7 +5161,7 @@
               <a:t>&gt;</a:t>
             </a:r>
             <a:r>
-              <a:rPr kumimoji="0" lang="en-US" altLang="en-US" sz="2000" b="0" i="0" u="none" strike="noStrike" cap="none" normalizeH="0" baseline="0" dirty="0" smtClean="0">
+              <a:rPr kumimoji="0" lang="en-US" altLang="en-US" sz="2000" b="0" i="0" u="none" strike="noStrike" cap="none" normalizeH="0" baseline="0" dirty="0">
                 <a:ln>
                   <a:noFill/>
                 </a:ln>
@@ -5190,7 +5174,7 @@
               <a:t>29</a:t>
             </a:r>
             <a:r>
-              <a:rPr kumimoji="0" lang="en-US" altLang="en-US" sz="2000" b="0" i="0" u="none" strike="noStrike" cap="none" normalizeH="0" baseline="0" dirty="0" smtClean="0">
+              <a:rPr kumimoji="0" lang="en-US" altLang="en-US" sz="2000" b="0" i="0" u="none" strike="noStrike" cap="none" normalizeH="0" baseline="0" dirty="0">
                 <a:ln>
                   <a:noFill/>
                 </a:ln>
@@ -5203,7 +5187,7 @@
               <a:t>&lt;/prop&gt;</a:t>
             </a:r>
             <a:br>
-              <a:rPr kumimoji="0" lang="en-US" altLang="en-US" sz="2000" b="0" i="0" u="none" strike="noStrike" cap="none" normalizeH="0" baseline="0" dirty="0" smtClean="0">
+              <a:rPr kumimoji="0" lang="en-US" altLang="en-US" sz="2000" b="0" i="0" u="none" strike="noStrike" cap="none" normalizeH="0" baseline="0" dirty="0">
                 <a:ln>
                   <a:noFill/>
                 </a:ln>
@@ -5215,7 +5199,7 @@
               </a:rPr>
             </a:br>
             <a:r>
-              <a:rPr kumimoji="0" lang="en-US" altLang="en-US" sz="2000" b="0" i="0" u="none" strike="noStrike" cap="none" normalizeH="0" baseline="0" dirty="0" smtClean="0">
+              <a:rPr kumimoji="0" lang="en-US" altLang="en-US" sz="2000" b="0" i="0" u="none" strike="noStrike" cap="none" normalizeH="0" baseline="0" dirty="0">
                 <a:ln>
                   <a:noFill/>
                 </a:ln>
@@ -5227,7 +5211,7 @@
               </a:rPr>
               <a:t>&lt;/props&gt;</a:t>
             </a:r>
-            <a:endParaRPr kumimoji="0" lang="en-US" altLang="en-US" sz="2000" b="0" i="0" u="none" strike="noStrike" cap="none" normalizeH="0" baseline="0" dirty="0" smtClean="0">
+            <a:endParaRPr kumimoji="0" lang="en-US" altLang="en-US" sz="2000" b="0" i="0" u="none" strike="noStrike" cap="none" normalizeH="0" baseline="0" dirty="0">
               <a:ln>
                 <a:noFill/>
               </a:ln>
@@ -5237,6 +5221,49 @@
               <a:effectLst/>
               <a:latin typeface="Arial" panose="020B0604020202020204" pitchFamily="34" charset="0"/>
             </a:endParaRPr>
+          </a:p>
+        </p:txBody>
+      </p:sp>
+      <p:sp>
+        <p:nvSpPr>
+          <p:cNvPr id="2" name="TextBox 1">
+            <a:extLst>
+              <a:ext uri="{FF2B5EF4-FFF2-40B4-BE49-F238E27FC236}">
+                <a16:creationId xmlns:a16="http://schemas.microsoft.com/office/drawing/2014/main" id="{3421B90C-D461-40DC-9755-D9ACEFABD4D0}"/>
+              </a:ext>
+            </a:extLst>
+          </p:cNvPr>
+          <p:cNvSpPr txBox="1"/>
+          <p:nvPr/>
+        </p:nvSpPr>
+        <p:spPr>
+          <a:xfrm>
+            <a:off x="897467" y="5992297"/>
+            <a:ext cx="2006062" cy="369332"/>
+          </a:xfrm>
+          <a:prstGeom prst="rect">
+            <a:avLst/>
+          </a:prstGeom>
+          <a:noFill/>
+        </p:spPr>
+        <p:txBody>
+          <a:bodyPr wrap="none" rtlCol="0">
+            <a:spAutoFit/>
+          </a:bodyPr>
+          <a:lstStyle/>
+          <a:p>
+            <a:r>
+              <a:rPr lang="ru-RU" dirty="0"/>
+              <a:t>(</a:t>
+            </a:r>
+            <a:r>
+              <a:rPr lang="en-CA" dirty="0"/>
+              <a:t>Properties </a:t>
+            </a:r>
+            <a:r>
+              <a:rPr lang="ru-RU" dirty="0"/>
+              <a:t>убрать)</a:t>
+            </a:r>
           </a:p>
         </p:txBody>
       </p:sp>

--- a/presentations/example15.pptx
+++ b/presentations/example15.pptx
@@ -244,7 +244,7 @@
           <a:p>
             <a:fld id="{AFC1B656-2EB8-4D0D-8B5B-7744D4E2552E}" type="datetimeFigureOut">
               <a:rPr lang="en-US" smtClean="0"/>
-              <a:t>5/8/2021</a:t>
+              <a:t>5/10/2021</a:t>
             </a:fld>
             <a:endParaRPr lang="en-US"/>
           </a:p>
@@ -412,7 +412,7 @@
           <a:p>
             <a:fld id="{AFC1B656-2EB8-4D0D-8B5B-7744D4E2552E}" type="datetimeFigureOut">
               <a:rPr lang="en-US" smtClean="0"/>
-              <a:t>5/8/2021</a:t>
+              <a:t>5/10/2021</a:t>
             </a:fld>
             <a:endParaRPr lang="en-US"/>
           </a:p>
@@ -590,7 +590,7 @@
           <a:p>
             <a:fld id="{AFC1B656-2EB8-4D0D-8B5B-7744D4E2552E}" type="datetimeFigureOut">
               <a:rPr lang="en-US" smtClean="0"/>
-              <a:t>5/8/2021</a:t>
+              <a:t>5/10/2021</a:t>
             </a:fld>
             <a:endParaRPr lang="en-US"/>
           </a:p>
@@ -758,7 +758,7 @@
           <a:p>
             <a:fld id="{AFC1B656-2EB8-4D0D-8B5B-7744D4E2552E}" type="datetimeFigureOut">
               <a:rPr lang="en-US" smtClean="0"/>
-              <a:t>5/8/2021</a:t>
+              <a:t>5/10/2021</a:t>
             </a:fld>
             <a:endParaRPr lang="en-US"/>
           </a:p>
@@ -1003,7 +1003,7 @@
           <a:p>
             <a:fld id="{AFC1B656-2EB8-4D0D-8B5B-7744D4E2552E}" type="datetimeFigureOut">
               <a:rPr lang="en-US" smtClean="0"/>
-              <a:t>5/8/2021</a:t>
+              <a:t>5/10/2021</a:t>
             </a:fld>
             <a:endParaRPr lang="en-US"/>
           </a:p>
@@ -1232,7 +1232,7 @@
           <a:p>
             <a:fld id="{AFC1B656-2EB8-4D0D-8B5B-7744D4E2552E}" type="datetimeFigureOut">
               <a:rPr lang="en-US" smtClean="0"/>
-              <a:t>5/8/2021</a:t>
+              <a:t>5/10/2021</a:t>
             </a:fld>
             <a:endParaRPr lang="en-US"/>
           </a:p>
@@ -1596,7 +1596,7 @@
           <a:p>
             <a:fld id="{AFC1B656-2EB8-4D0D-8B5B-7744D4E2552E}" type="datetimeFigureOut">
               <a:rPr lang="en-US" smtClean="0"/>
-              <a:t>5/8/2021</a:t>
+              <a:t>5/10/2021</a:t>
             </a:fld>
             <a:endParaRPr lang="en-US"/>
           </a:p>
@@ -1713,7 +1713,7 @@
           <a:p>
             <a:fld id="{AFC1B656-2EB8-4D0D-8B5B-7744D4E2552E}" type="datetimeFigureOut">
               <a:rPr lang="en-US" smtClean="0"/>
-              <a:t>5/8/2021</a:t>
+              <a:t>5/10/2021</a:t>
             </a:fld>
             <a:endParaRPr lang="en-US"/>
           </a:p>
@@ -1808,7 +1808,7 @@
           <a:p>
             <a:fld id="{AFC1B656-2EB8-4D0D-8B5B-7744D4E2552E}" type="datetimeFigureOut">
               <a:rPr lang="en-US" smtClean="0"/>
-              <a:t>5/8/2021</a:t>
+              <a:t>5/10/2021</a:t>
             </a:fld>
             <a:endParaRPr lang="en-US"/>
           </a:p>
@@ -2083,7 +2083,7 @@
           <a:p>
             <a:fld id="{AFC1B656-2EB8-4D0D-8B5B-7744D4E2552E}" type="datetimeFigureOut">
               <a:rPr lang="en-US" smtClean="0"/>
-              <a:t>5/8/2021</a:t>
+              <a:t>5/10/2021</a:t>
             </a:fld>
             <a:endParaRPr lang="en-US"/>
           </a:p>
@@ -2335,7 +2335,7 @@
           <a:p>
             <a:fld id="{AFC1B656-2EB8-4D0D-8B5B-7744D4E2552E}" type="datetimeFigureOut">
               <a:rPr lang="en-US" smtClean="0"/>
-              <a:t>5/8/2021</a:t>
+              <a:t>5/10/2021</a:t>
             </a:fld>
             <a:endParaRPr lang="en-US"/>
           </a:p>
@@ -2546,7 +2546,7 @@
           <a:p>
             <a:fld id="{AFC1B656-2EB8-4D0D-8B5B-7744D4E2552E}" type="datetimeFigureOut">
               <a:rPr lang="en-US" smtClean="0"/>
-              <a:t>5/8/2021</a:t>
+              <a:t>5/10/2021</a:t>
             </a:fld>
             <a:endParaRPr lang="en-US"/>
           </a:p>
@@ -4586,38 +4586,6 @@
             <a:endParaRPr lang="en-US" dirty="0"/>
           </a:p>
           <a:p>
-            <a:r>
-              <a:rPr lang="ru-RU" dirty="0"/>
-              <a:t>Инициализация </a:t>
-            </a:r>
-            <a:r>
-              <a:rPr lang="en-US" dirty="0"/>
-              <a:t>properties</a:t>
-            </a:r>
-          </a:p>
-          <a:p>
-            <a:endParaRPr lang="en-US" dirty="0"/>
-          </a:p>
-          <a:p>
-            <a:endParaRPr lang="en-US" dirty="0"/>
-          </a:p>
-          <a:p>
-            <a:endParaRPr lang="en-US" dirty="0"/>
-          </a:p>
-          <a:p>
-            <a:pPr marL="0" indent="0">
-              <a:buNone/>
-            </a:pPr>
-            <a:r>
-              <a:rPr lang="ru-RU" dirty="0"/>
-              <a:t>Аналогично </a:t>
-            </a:r>
-            <a:r>
-              <a:rPr lang="en-US" dirty="0"/>
-              <a:t>map</a:t>
-            </a:r>
-          </a:p>
-          <a:p>
             <a:endParaRPr lang="en-US" dirty="0"/>
           </a:p>
         </p:txBody>
@@ -4920,350 +4888,6 @@
               <a:effectLst/>
               <a:latin typeface="Arial" panose="020B0604020202020204" pitchFamily="34" charset="0"/>
             </a:endParaRPr>
-          </a:p>
-        </p:txBody>
-      </p:sp>
-      <p:sp>
-        <p:nvSpPr>
-          <p:cNvPr id="6" name="Rectangle 2"/>
-          <p:cNvSpPr>
-            <a:spLocks noChangeArrowheads="1"/>
-          </p:cNvSpPr>
-          <p:nvPr/>
-        </p:nvSpPr>
-        <p:spPr bwMode="auto">
-          <a:xfrm>
-            <a:off x="838201" y="3617880"/>
-            <a:ext cx="10515600" cy="1323439"/>
-          </a:xfrm>
-          <a:prstGeom prst="rect">
-            <a:avLst/>
-          </a:prstGeom>
-          <a:solidFill>
-            <a:srgbClr val="2B2B2B"/>
-          </a:solidFill>
-          <a:ln>
-            <a:noFill/>
-          </a:ln>
-          <a:effectLst/>
-          <a:extLst>
-            <a:ext uri="{91240B29-F687-4F45-9708-019B960494DF}">
-              <a14:hiddenLine xmlns:a14="http://schemas.microsoft.com/office/drawing/2010/main" w="9525">
-                <a:solidFill>
-                  <a:schemeClr val="tx1"/>
-                </a:solidFill>
-                <a:miter lim="800000"/>
-                <a:headEnd/>
-                <a:tailEnd/>
-              </a14:hiddenLine>
-            </a:ext>
-            <a:ext uri="{AF507438-7753-43E0-B8FC-AC1667EBCBE1}">
-              <a14:hiddenEffects xmlns:a14="http://schemas.microsoft.com/office/drawing/2010/main">
-                <a:effectLst>
-                  <a:outerShdw dist="35921" dir="2700000" algn="ctr" rotWithShape="0">
-                    <a:schemeClr val="bg2"/>
-                  </a:outerShdw>
-                </a:effectLst>
-              </a14:hiddenEffects>
-            </a:ext>
-          </a:extLst>
-        </p:spPr>
-        <p:txBody>
-          <a:bodyPr vert="horz" wrap="square" lIns="91440" tIns="45720" rIns="91440" bIns="45720" numCol="1" anchor="ctr" anchorCtr="0" compatLnSpc="1">
-            <a:prstTxWarp prst="textNoShape">
-              <a:avLst/>
-            </a:prstTxWarp>
-            <a:spAutoFit/>
-          </a:bodyPr>
-          <a:lstStyle/>
-          <a:p>
-            <a:pPr marL="0" marR="0" lvl="0" indent="0" algn="l" defTabSz="914400" rtl="0" eaLnBrk="0" fontAlgn="base" latinLnBrk="0" hangingPunct="0">
-              <a:lnSpc>
-                <a:spcPct val="100000"/>
-              </a:lnSpc>
-              <a:spcBef>
-                <a:spcPct val="0"/>
-              </a:spcBef>
-              <a:spcAft>
-                <a:spcPct val="0"/>
-              </a:spcAft>
-              <a:buClrTx/>
-              <a:buSzTx/>
-              <a:buFontTx/>
-              <a:buNone/>
-              <a:tabLst/>
-            </a:pPr>
-            <a:r>
-              <a:rPr kumimoji="0" lang="en-US" altLang="en-US" sz="2000" b="0" i="0" u="none" strike="noStrike" cap="none" normalizeH="0" baseline="0" dirty="0">
-                <a:ln>
-                  <a:noFill/>
-                </a:ln>
-                <a:solidFill>
-                  <a:srgbClr val="E8BF6A"/>
-                </a:solidFill>
-                <a:effectLst/>
-                <a:latin typeface="JetBrains Mono"/>
-              </a:rPr>
-              <a:t>&lt;props&gt;</a:t>
-            </a:r>
-            <a:br>
-              <a:rPr kumimoji="0" lang="en-US" altLang="en-US" sz="2000" b="0" i="0" u="none" strike="noStrike" cap="none" normalizeH="0" baseline="0" dirty="0">
-                <a:ln>
-                  <a:noFill/>
-                </a:ln>
-                <a:solidFill>
-                  <a:srgbClr val="E8BF6A"/>
-                </a:solidFill>
-                <a:effectLst/>
-                <a:latin typeface="JetBrains Mono"/>
-              </a:rPr>
-            </a:br>
-            <a:r>
-              <a:rPr kumimoji="0" lang="en-US" altLang="en-US" sz="2000" b="0" i="0" u="none" strike="noStrike" cap="none" normalizeH="0" baseline="0" dirty="0">
-                <a:ln>
-                  <a:noFill/>
-                </a:ln>
-                <a:solidFill>
-                  <a:srgbClr val="E8BF6A"/>
-                </a:solidFill>
-                <a:effectLst/>
-                <a:latin typeface="JetBrains Mono"/>
-              </a:rPr>
-              <a:t>    &lt;prop </a:t>
-            </a:r>
-            <a:r>
-              <a:rPr kumimoji="0" lang="en-US" altLang="en-US" sz="2000" b="0" i="0" u="none" strike="noStrike" cap="none" normalizeH="0" baseline="0" dirty="0">
-                <a:ln>
-                  <a:noFill/>
-                </a:ln>
-                <a:solidFill>
-                  <a:srgbClr val="BABABA"/>
-                </a:solidFill>
-                <a:effectLst/>
-                <a:latin typeface="JetBrains Mono"/>
-              </a:rPr>
-              <a:t>key</a:t>
-            </a:r>
-            <a:r>
-              <a:rPr kumimoji="0" lang="en-US" altLang="en-US" sz="2000" b="0" i="0" u="none" strike="noStrike" cap="none" normalizeH="0" baseline="0" dirty="0">
-                <a:ln>
-                  <a:noFill/>
-                </a:ln>
-                <a:solidFill>
-                  <a:srgbClr val="6A8759"/>
-                </a:solidFill>
-                <a:effectLst/>
-                <a:latin typeface="JetBrains Mono"/>
-              </a:rPr>
-              <a:t>="name"</a:t>
-            </a:r>
-            <a:r>
-              <a:rPr kumimoji="0" lang="en-US" altLang="en-US" sz="2000" b="0" i="0" u="none" strike="noStrike" cap="none" normalizeH="0" baseline="0" dirty="0">
-                <a:ln>
-                  <a:noFill/>
-                </a:ln>
-                <a:solidFill>
-                  <a:srgbClr val="E8BF6A"/>
-                </a:solidFill>
-                <a:effectLst/>
-                <a:latin typeface="JetBrains Mono"/>
-              </a:rPr>
-              <a:t>&gt;</a:t>
-            </a:r>
-            <a:r>
-              <a:rPr kumimoji="0" lang="en-US" altLang="en-US" sz="2000" b="0" i="0" u="none" strike="noStrike" cap="none" normalizeH="0" baseline="0" dirty="0">
-                <a:ln>
-                  <a:noFill/>
-                </a:ln>
-                <a:solidFill>
-                  <a:srgbClr val="A9B7C6"/>
-                </a:solidFill>
-                <a:effectLst/>
-                <a:latin typeface="JetBrains Mono"/>
-              </a:rPr>
-              <a:t>Ivan</a:t>
-            </a:r>
-            <a:r>
-              <a:rPr kumimoji="0" lang="en-US" altLang="en-US" sz="2000" b="0" i="0" u="none" strike="noStrike" cap="none" normalizeH="0" baseline="0" dirty="0">
-                <a:ln>
-                  <a:noFill/>
-                </a:ln>
-                <a:solidFill>
-                  <a:srgbClr val="E8BF6A"/>
-                </a:solidFill>
-                <a:effectLst/>
-                <a:latin typeface="JetBrains Mono"/>
-              </a:rPr>
-              <a:t>&lt;/prop&gt;</a:t>
-            </a:r>
-            <a:br>
-              <a:rPr kumimoji="0" lang="en-US" altLang="en-US" sz="2000" b="0" i="0" u="none" strike="noStrike" cap="none" normalizeH="0" baseline="0" dirty="0">
-                <a:ln>
-                  <a:noFill/>
-                </a:ln>
-                <a:solidFill>
-                  <a:srgbClr val="E8BF6A"/>
-                </a:solidFill>
-                <a:effectLst/>
-                <a:latin typeface="JetBrains Mono"/>
-              </a:rPr>
-            </a:br>
-            <a:r>
-              <a:rPr kumimoji="0" lang="en-US" altLang="en-US" sz="2000" b="0" i="0" u="none" strike="noStrike" cap="none" normalizeH="0" baseline="0" dirty="0">
-                <a:ln>
-                  <a:noFill/>
-                </a:ln>
-                <a:solidFill>
-                  <a:srgbClr val="E8BF6A"/>
-                </a:solidFill>
-                <a:effectLst/>
-                <a:latin typeface="JetBrains Mono"/>
-              </a:rPr>
-              <a:t>    &lt;prop </a:t>
-            </a:r>
-            <a:r>
-              <a:rPr kumimoji="0" lang="en-US" altLang="en-US" sz="2000" b="0" i="0" u="none" strike="noStrike" cap="none" normalizeH="0" baseline="0" dirty="0">
-                <a:ln>
-                  <a:noFill/>
-                </a:ln>
-                <a:solidFill>
-                  <a:srgbClr val="BABABA"/>
-                </a:solidFill>
-                <a:effectLst/>
-                <a:latin typeface="JetBrains Mono"/>
-              </a:rPr>
-              <a:t>key</a:t>
-            </a:r>
-            <a:r>
-              <a:rPr kumimoji="0" lang="en-US" altLang="en-US" sz="2000" b="0" i="0" u="none" strike="noStrike" cap="none" normalizeH="0" baseline="0" dirty="0">
-                <a:ln>
-                  <a:noFill/>
-                </a:ln>
-                <a:solidFill>
-                  <a:srgbClr val="6A8759"/>
-                </a:solidFill>
-                <a:effectLst/>
-                <a:latin typeface="JetBrains Mono"/>
-              </a:rPr>
-              <a:t>="age"</a:t>
-            </a:r>
-            <a:r>
-              <a:rPr kumimoji="0" lang="en-US" altLang="en-US" sz="2000" b="0" i="0" u="none" strike="noStrike" cap="none" normalizeH="0" baseline="0" dirty="0">
-                <a:ln>
-                  <a:noFill/>
-                </a:ln>
-                <a:solidFill>
-                  <a:srgbClr val="E8BF6A"/>
-                </a:solidFill>
-                <a:effectLst/>
-                <a:latin typeface="JetBrains Mono"/>
-              </a:rPr>
-              <a:t>&gt;</a:t>
-            </a:r>
-            <a:r>
-              <a:rPr kumimoji="0" lang="en-US" altLang="en-US" sz="2000" b="0" i="0" u="none" strike="noStrike" cap="none" normalizeH="0" baseline="0" dirty="0">
-                <a:ln>
-                  <a:noFill/>
-                </a:ln>
-                <a:solidFill>
-                  <a:srgbClr val="A9B7C6"/>
-                </a:solidFill>
-                <a:effectLst/>
-                <a:latin typeface="JetBrains Mono"/>
-              </a:rPr>
-              <a:t>29</a:t>
-            </a:r>
-            <a:r>
-              <a:rPr kumimoji="0" lang="en-US" altLang="en-US" sz="2000" b="0" i="0" u="none" strike="noStrike" cap="none" normalizeH="0" baseline="0" dirty="0">
-                <a:ln>
-                  <a:noFill/>
-                </a:ln>
-                <a:solidFill>
-                  <a:srgbClr val="E8BF6A"/>
-                </a:solidFill>
-                <a:effectLst/>
-                <a:latin typeface="JetBrains Mono"/>
-              </a:rPr>
-              <a:t>&lt;/prop&gt;</a:t>
-            </a:r>
-            <a:br>
-              <a:rPr kumimoji="0" lang="en-US" altLang="en-US" sz="2000" b="0" i="0" u="none" strike="noStrike" cap="none" normalizeH="0" baseline="0" dirty="0">
-                <a:ln>
-                  <a:noFill/>
-                </a:ln>
-                <a:solidFill>
-                  <a:srgbClr val="E8BF6A"/>
-                </a:solidFill>
-                <a:effectLst/>
-                <a:latin typeface="JetBrains Mono"/>
-              </a:rPr>
-            </a:br>
-            <a:r>
-              <a:rPr kumimoji="0" lang="en-US" altLang="en-US" sz="2000" b="0" i="0" u="none" strike="noStrike" cap="none" normalizeH="0" baseline="0" dirty="0">
-                <a:ln>
-                  <a:noFill/>
-                </a:ln>
-                <a:solidFill>
-                  <a:srgbClr val="E8BF6A"/>
-                </a:solidFill>
-                <a:effectLst/>
-                <a:latin typeface="JetBrains Mono"/>
-              </a:rPr>
-              <a:t>&lt;/props&gt;</a:t>
-            </a:r>
-            <a:endParaRPr kumimoji="0" lang="en-US" altLang="en-US" sz="2000" b="0" i="0" u="none" strike="noStrike" cap="none" normalizeH="0" baseline="0" dirty="0">
-              <a:ln>
-                <a:noFill/>
-              </a:ln>
-              <a:solidFill>
-                <a:schemeClr val="tx1"/>
-              </a:solidFill>
-              <a:effectLst/>
-              <a:latin typeface="Arial" panose="020B0604020202020204" pitchFamily="34" charset="0"/>
-            </a:endParaRPr>
-          </a:p>
-        </p:txBody>
-      </p:sp>
-      <p:sp>
-        <p:nvSpPr>
-          <p:cNvPr id="2" name="TextBox 1">
-            <a:extLst>
-              <a:ext uri="{FF2B5EF4-FFF2-40B4-BE49-F238E27FC236}">
-                <a16:creationId xmlns:a16="http://schemas.microsoft.com/office/drawing/2014/main" id="{3421B90C-D461-40DC-9755-D9ACEFABD4D0}"/>
-              </a:ext>
-            </a:extLst>
-          </p:cNvPr>
-          <p:cNvSpPr txBox="1"/>
-          <p:nvPr/>
-        </p:nvSpPr>
-        <p:spPr>
-          <a:xfrm>
-            <a:off x="897467" y="5992297"/>
-            <a:ext cx="2006062" cy="369332"/>
-          </a:xfrm>
-          <a:prstGeom prst="rect">
-            <a:avLst/>
-          </a:prstGeom>
-          <a:noFill/>
-        </p:spPr>
-        <p:txBody>
-          <a:bodyPr wrap="none" rtlCol="0">
-            <a:spAutoFit/>
-          </a:bodyPr>
-          <a:lstStyle/>
-          <a:p>
-            <a:r>
-              <a:rPr lang="ru-RU" dirty="0"/>
-              <a:t>(</a:t>
-            </a:r>
-            <a:r>
-              <a:rPr lang="en-CA" dirty="0"/>
-              <a:t>Properties </a:t>
-            </a:r>
-            <a:r>
-              <a:rPr lang="ru-RU" dirty="0"/>
-              <a:t>убрать)</a:t>
-            </a:r>
           </a:p>
         </p:txBody>
       </p:sp>

--- a/presentations/example15.pptx
+++ b/presentations/example15.pptx
@@ -9,6 +9,7 @@
     <p:sldId id="258" r:id="rId3"/>
     <p:sldId id="259" r:id="rId4"/>
     <p:sldId id="260" r:id="rId5"/>
+    <p:sldId id="261" r:id="rId6"/>
   </p:sldIdLst>
   <p:sldSz cx="12192000" cy="6858000"/>
   <p:notesSz cx="6858000" cy="9144000"/>
@@ -242,9 +243,9 @@
           <a:bodyPr/>
           <a:lstStyle/>
           <a:p>
-            <a:fld id="{AFC1B656-2EB8-4D0D-8B5B-7744D4E2552E}" type="datetimeFigureOut">
+            <a:fld id="{35A03DB7-35F4-49F8-9F7C-F9A34C2BA1DF}" type="datetimeFigureOut">
               <a:rPr lang="en-US" smtClean="0"/>
-              <a:t>5/10/2021</a:t>
+              <a:t>5/8/2021</a:t>
             </a:fld>
             <a:endParaRPr lang="en-US"/>
           </a:p>
@@ -284,7 +285,7 @@
           <a:bodyPr/>
           <a:lstStyle/>
           <a:p>
-            <a:fld id="{64663F31-8098-4A79-8EA1-8D27ADC0A586}" type="slidenum">
+            <a:fld id="{D718C13C-2FCA-438E-AB88-9C4AF87605E1}" type="slidenum">
               <a:rPr lang="en-US" smtClean="0"/>
               <a:t>‹#›</a:t>
             </a:fld>
@@ -295,7 +296,7 @@
     </p:spTree>
     <p:extLst>
       <p:ext uri="{BB962C8B-B14F-4D97-AF65-F5344CB8AC3E}">
-        <p14:creationId xmlns:p14="http://schemas.microsoft.com/office/powerpoint/2010/main" val="3110348864"/>
+        <p14:creationId xmlns:p14="http://schemas.microsoft.com/office/powerpoint/2010/main" val="2440484190"/>
       </p:ext>
     </p:extLst>
   </p:cSld>
@@ -410,9 +411,9 @@
           <a:bodyPr/>
           <a:lstStyle/>
           <a:p>
-            <a:fld id="{AFC1B656-2EB8-4D0D-8B5B-7744D4E2552E}" type="datetimeFigureOut">
+            <a:fld id="{35A03DB7-35F4-49F8-9F7C-F9A34C2BA1DF}" type="datetimeFigureOut">
               <a:rPr lang="en-US" smtClean="0"/>
-              <a:t>5/10/2021</a:t>
+              <a:t>5/8/2021</a:t>
             </a:fld>
             <a:endParaRPr lang="en-US"/>
           </a:p>
@@ -452,7 +453,7 @@
           <a:bodyPr/>
           <a:lstStyle/>
           <a:p>
-            <a:fld id="{64663F31-8098-4A79-8EA1-8D27ADC0A586}" type="slidenum">
+            <a:fld id="{D718C13C-2FCA-438E-AB88-9C4AF87605E1}" type="slidenum">
               <a:rPr lang="en-US" smtClean="0"/>
               <a:t>‹#›</a:t>
             </a:fld>
@@ -463,7 +464,7 @@
     </p:spTree>
     <p:extLst>
       <p:ext uri="{BB962C8B-B14F-4D97-AF65-F5344CB8AC3E}">
-        <p14:creationId xmlns:p14="http://schemas.microsoft.com/office/powerpoint/2010/main" val="3177809486"/>
+        <p14:creationId xmlns:p14="http://schemas.microsoft.com/office/powerpoint/2010/main" val="4104771279"/>
       </p:ext>
     </p:extLst>
   </p:cSld>
@@ -588,9 +589,9 @@
           <a:bodyPr/>
           <a:lstStyle/>
           <a:p>
-            <a:fld id="{AFC1B656-2EB8-4D0D-8B5B-7744D4E2552E}" type="datetimeFigureOut">
+            <a:fld id="{35A03DB7-35F4-49F8-9F7C-F9A34C2BA1DF}" type="datetimeFigureOut">
               <a:rPr lang="en-US" smtClean="0"/>
-              <a:t>5/10/2021</a:t>
+              <a:t>5/8/2021</a:t>
             </a:fld>
             <a:endParaRPr lang="en-US"/>
           </a:p>
@@ -630,7 +631,7 @@
           <a:bodyPr/>
           <a:lstStyle/>
           <a:p>
-            <a:fld id="{64663F31-8098-4A79-8EA1-8D27ADC0A586}" type="slidenum">
+            <a:fld id="{D718C13C-2FCA-438E-AB88-9C4AF87605E1}" type="slidenum">
               <a:rPr lang="en-US" smtClean="0"/>
               <a:t>‹#›</a:t>
             </a:fld>
@@ -641,7 +642,7 @@
     </p:spTree>
     <p:extLst>
       <p:ext uri="{BB962C8B-B14F-4D97-AF65-F5344CB8AC3E}">
-        <p14:creationId xmlns:p14="http://schemas.microsoft.com/office/powerpoint/2010/main" val="2853804534"/>
+        <p14:creationId xmlns:p14="http://schemas.microsoft.com/office/powerpoint/2010/main" val="2940352008"/>
       </p:ext>
     </p:extLst>
   </p:cSld>
@@ -756,9 +757,9 @@
           <a:bodyPr/>
           <a:lstStyle/>
           <a:p>
-            <a:fld id="{AFC1B656-2EB8-4D0D-8B5B-7744D4E2552E}" type="datetimeFigureOut">
+            <a:fld id="{35A03DB7-35F4-49F8-9F7C-F9A34C2BA1DF}" type="datetimeFigureOut">
               <a:rPr lang="en-US" smtClean="0"/>
-              <a:t>5/10/2021</a:t>
+              <a:t>5/8/2021</a:t>
             </a:fld>
             <a:endParaRPr lang="en-US"/>
           </a:p>
@@ -798,7 +799,7 @@
           <a:bodyPr/>
           <a:lstStyle/>
           <a:p>
-            <a:fld id="{64663F31-8098-4A79-8EA1-8D27ADC0A586}" type="slidenum">
+            <a:fld id="{D718C13C-2FCA-438E-AB88-9C4AF87605E1}" type="slidenum">
               <a:rPr lang="en-US" smtClean="0"/>
               <a:t>‹#›</a:t>
             </a:fld>
@@ -809,7 +810,7 @@
     </p:spTree>
     <p:extLst>
       <p:ext uri="{BB962C8B-B14F-4D97-AF65-F5344CB8AC3E}">
-        <p14:creationId xmlns:p14="http://schemas.microsoft.com/office/powerpoint/2010/main" val="2202653044"/>
+        <p14:creationId xmlns:p14="http://schemas.microsoft.com/office/powerpoint/2010/main" val="3559995163"/>
       </p:ext>
     </p:extLst>
   </p:cSld>
@@ -1001,9 +1002,9 @@
           <a:bodyPr/>
           <a:lstStyle/>
           <a:p>
-            <a:fld id="{AFC1B656-2EB8-4D0D-8B5B-7744D4E2552E}" type="datetimeFigureOut">
+            <a:fld id="{35A03DB7-35F4-49F8-9F7C-F9A34C2BA1DF}" type="datetimeFigureOut">
               <a:rPr lang="en-US" smtClean="0"/>
-              <a:t>5/10/2021</a:t>
+              <a:t>5/8/2021</a:t>
             </a:fld>
             <a:endParaRPr lang="en-US"/>
           </a:p>
@@ -1043,7 +1044,7 @@
           <a:bodyPr/>
           <a:lstStyle/>
           <a:p>
-            <a:fld id="{64663F31-8098-4A79-8EA1-8D27ADC0A586}" type="slidenum">
+            <a:fld id="{D718C13C-2FCA-438E-AB88-9C4AF87605E1}" type="slidenum">
               <a:rPr lang="en-US" smtClean="0"/>
               <a:t>‹#›</a:t>
             </a:fld>
@@ -1054,7 +1055,7 @@
     </p:spTree>
     <p:extLst>
       <p:ext uri="{BB962C8B-B14F-4D97-AF65-F5344CB8AC3E}">
-        <p14:creationId xmlns:p14="http://schemas.microsoft.com/office/powerpoint/2010/main" val="396519672"/>
+        <p14:creationId xmlns:p14="http://schemas.microsoft.com/office/powerpoint/2010/main" val="2215324357"/>
       </p:ext>
     </p:extLst>
   </p:cSld>
@@ -1230,9 +1231,9 @@
           <a:bodyPr/>
           <a:lstStyle/>
           <a:p>
-            <a:fld id="{AFC1B656-2EB8-4D0D-8B5B-7744D4E2552E}" type="datetimeFigureOut">
+            <a:fld id="{35A03DB7-35F4-49F8-9F7C-F9A34C2BA1DF}" type="datetimeFigureOut">
               <a:rPr lang="en-US" smtClean="0"/>
-              <a:t>5/10/2021</a:t>
+              <a:t>5/8/2021</a:t>
             </a:fld>
             <a:endParaRPr lang="en-US"/>
           </a:p>
@@ -1272,7 +1273,7 @@
           <a:bodyPr/>
           <a:lstStyle/>
           <a:p>
-            <a:fld id="{64663F31-8098-4A79-8EA1-8D27ADC0A586}" type="slidenum">
+            <a:fld id="{D718C13C-2FCA-438E-AB88-9C4AF87605E1}" type="slidenum">
               <a:rPr lang="en-US" smtClean="0"/>
               <a:t>‹#›</a:t>
             </a:fld>
@@ -1283,7 +1284,7 @@
     </p:spTree>
     <p:extLst>
       <p:ext uri="{BB962C8B-B14F-4D97-AF65-F5344CB8AC3E}">
-        <p14:creationId xmlns:p14="http://schemas.microsoft.com/office/powerpoint/2010/main" val="2212756683"/>
+        <p14:creationId xmlns:p14="http://schemas.microsoft.com/office/powerpoint/2010/main" val="2689033837"/>
       </p:ext>
     </p:extLst>
   </p:cSld>
@@ -1594,9 +1595,9 @@
           <a:bodyPr/>
           <a:lstStyle/>
           <a:p>
-            <a:fld id="{AFC1B656-2EB8-4D0D-8B5B-7744D4E2552E}" type="datetimeFigureOut">
+            <a:fld id="{35A03DB7-35F4-49F8-9F7C-F9A34C2BA1DF}" type="datetimeFigureOut">
               <a:rPr lang="en-US" smtClean="0"/>
-              <a:t>5/10/2021</a:t>
+              <a:t>5/8/2021</a:t>
             </a:fld>
             <a:endParaRPr lang="en-US"/>
           </a:p>
@@ -1636,7 +1637,7 @@
           <a:bodyPr/>
           <a:lstStyle/>
           <a:p>
-            <a:fld id="{64663F31-8098-4A79-8EA1-8D27ADC0A586}" type="slidenum">
+            <a:fld id="{D718C13C-2FCA-438E-AB88-9C4AF87605E1}" type="slidenum">
               <a:rPr lang="en-US" smtClean="0"/>
               <a:t>‹#›</a:t>
             </a:fld>
@@ -1647,7 +1648,7 @@
     </p:spTree>
     <p:extLst>
       <p:ext uri="{BB962C8B-B14F-4D97-AF65-F5344CB8AC3E}">
-        <p14:creationId xmlns:p14="http://schemas.microsoft.com/office/powerpoint/2010/main" val="355951890"/>
+        <p14:creationId xmlns:p14="http://schemas.microsoft.com/office/powerpoint/2010/main" val="1448489639"/>
       </p:ext>
     </p:extLst>
   </p:cSld>
@@ -1711,9 +1712,9 @@
           <a:bodyPr/>
           <a:lstStyle/>
           <a:p>
-            <a:fld id="{AFC1B656-2EB8-4D0D-8B5B-7744D4E2552E}" type="datetimeFigureOut">
+            <a:fld id="{35A03DB7-35F4-49F8-9F7C-F9A34C2BA1DF}" type="datetimeFigureOut">
               <a:rPr lang="en-US" smtClean="0"/>
-              <a:t>5/10/2021</a:t>
+              <a:t>5/8/2021</a:t>
             </a:fld>
             <a:endParaRPr lang="en-US"/>
           </a:p>
@@ -1753,7 +1754,7 @@
           <a:bodyPr/>
           <a:lstStyle/>
           <a:p>
-            <a:fld id="{64663F31-8098-4A79-8EA1-8D27ADC0A586}" type="slidenum">
+            <a:fld id="{D718C13C-2FCA-438E-AB88-9C4AF87605E1}" type="slidenum">
               <a:rPr lang="en-US" smtClean="0"/>
               <a:t>‹#›</a:t>
             </a:fld>
@@ -1764,7 +1765,7 @@
     </p:spTree>
     <p:extLst>
       <p:ext uri="{BB962C8B-B14F-4D97-AF65-F5344CB8AC3E}">
-        <p14:creationId xmlns:p14="http://schemas.microsoft.com/office/powerpoint/2010/main" val="3939285646"/>
+        <p14:creationId xmlns:p14="http://schemas.microsoft.com/office/powerpoint/2010/main" val="1951012256"/>
       </p:ext>
     </p:extLst>
   </p:cSld>
@@ -1806,9 +1807,9 @@
           <a:bodyPr/>
           <a:lstStyle/>
           <a:p>
-            <a:fld id="{AFC1B656-2EB8-4D0D-8B5B-7744D4E2552E}" type="datetimeFigureOut">
+            <a:fld id="{35A03DB7-35F4-49F8-9F7C-F9A34C2BA1DF}" type="datetimeFigureOut">
               <a:rPr lang="en-US" smtClean="0"/>
-              <a:t>5/10/2021</a:t>
+              <a:t>5/8/2021</a:t>
             </a:fld>
             <a:endParaRPr lang="en-US"/>
           </a:p>
@@ -1848,7 +1849,7 @@
           <a:bodyPr/>
           <a:lstStyle/>
           <a:p>
-            <a:fld id="{64663F31-8098-4A79-8EA1-8D27ADC0A586}" type="slidenum">
+            <a:fld id="{D718C13C-2FCA-438E-AB88-9C4AF87605E1}" type="slidenum">
               <a:rPr lang="en-US" smtClean="0"/>
               <a:t>‹#›</a:t>
             </a:fld>
@@ -1859,7 +1860,7 @@
     </p:spTree>
     <p:extLst>
       <p:ext uri="{BB962C8B-B14F-4D97-AF65-F5344CB8AC3E}">
-        <p14:creationId xmlns:p14="http://schemas.microsoft.com/office/powerpoint/2010/main" val="3501102078"/>
+        <p14:creationId xmlns:p14="http://schemas.microsoft.com/office/powerpoint/2010/main" val="4029905385"/>
       </p:ext>
     </p:extLst>
   </p:cSld>
@@ -2081,9 +2082,9 @@
           <a:bodyPr/>
           <a:lstStyle/>
           <a:p>
-            <a:fld id="{AFC1B656-2EB8-4D0D-8B5B-7744D4E2552E}" type="datetimeFigureOut">
+            <a:fld id="{35A03DB7-35F4-49F8-9F7C-F9A34C2BA1DF}" type="datetimeFigureOut">
               <a:rPr lang="en-US" smtClean="0"/>
-              <a:t>5/10/2021</a:t>
+              <a:t>5/8/2021</a:t>
             </a:fld>
             <a:endParaRPr lang="en-US"/>
           </a:p>
@@ -2123,7 +2124,7 @@
           <a:bodyPr/>
           <a:lstStyle/>
           <a:p>
-            <a:fld id="{64663F31-8098-4A79-8EA1-8D27ADC0A586}" type="slidenum">
+            <a:fld id="{D718C13C-2FCA-438E-AB88-9C4AF87605E1}" type="slidenum">
               <a:rPr lang="en-US" smtClean="0"/>
               <a:t>‹#›</a:t>
             </a:fld>
@@ -2134,7 +2135,7 @@
     </p:spTree>
     <p:extLst>
       <p:ext uri="{BB962C8B-B14F-4D97-AF65-F5344CB8AC3E}">
-        <p14:creationId xmlns:p14="http://schemas.microsoft.com/office/powerpoint/2010/main" val="2369703778"/>
+        <p14:creationId xmlns:p14="http://schemas.microsoft.com/office/powerpoint/2010/main" val="1323363860"/>
       </p:ext>
     </p:extLst>
   </p:cSld>
@@ -2333,9 +2334,9 @@
           <a:bodyPr/>
           <a:lstStyle/>
           <a:p>
-            <a:fld id="{AFC1B656-2EB8-4D0D-8B5B-7744D4E2552E}" type="datetimeFigureOut">
+            <a:fld id="{35A03DB7-35F4-49F8-9F7C-F9A34C2BA1DF}" type="datetimeFigureOut">
               <a:rPr lang="en-US" smtClean="0"/>
-              <a:t>5/10/2021</a:t>
+              <a:t>5/8/2021</a:t>
             </a:fld>
             <a:endParaRPr lang="en-US"/>
           </a:p>
@@ -2375,7 +2376,7 @@
           <a:bodyPr/>
           <a:lstStyle/>
           <a:p>
-            <a:fld id="{64663F31-8098-4A79-8EA1-8D27ADC0A586}" type="slidenum">
+            <a:fld id="{D718C13C-2FCA-438E-AB88-9C4AF87605E1}" type="slidenum">
               <a:rPr lang="en-US" smtClean="0"/>
               <a:t>‹#›</a:t>
             </a:fld>
@@ -2386,7 +2387,7 @@
     </p:spTree>
     <p:extLst>
       <p:ext uri="{BB962C8B-B14F-4D97-AF65-F5344CB8AC3E}">
-        <p14:creationId xmlns:p14="http://schemas.microsoft.com/office/powerpoint/2010/main" val="4219814047"/>
+        <p14:creationId xmlns:p14="http://schemas.microsoft.com/office/powerpoint/2010/main" val="4171670261"/>
       </p:ext>
     </p:extLst>
   </p:cSld>
@@ -2544,9 +2545,9 @@
             </a:lvl1pPr>
           </a:lstStyle>
           <a:p>
-            <a:fld id="{AFC1B656-2EB8-4D0D-8B5B-7744D4E2552E}" type="datetimeFigureOut">
+            <a:fld id="{35A03DB7-35F4-49F8-9F7C-F9A34C2BA1DF}" type="datetimeFigureOut">
               <a:rPr lang="en-US" smtClean="0"/>
-              <a:t>5/10/2021</a:t>
+              <a:t>5/8/2021</a:t>
             </a:fld>
             <a:endParaRPr lang="en-US"/>
           </a:p>
@@ -2622,7 +2623,7 @@
             </a:lvl1pPr>
           </a:lstStyle>
           <a:p>
-            <a:fld id="{64663F31-8098-4A79-8EA1-8D27ADC0A586}" type="slidenum">
+            <a:fld id="{D718C13C-2FCA-438E-AB88-9C4AF87605E1}" type="slidenum">
               <a:rPr lang="en-US" smtClean="0"/>
               <a:t>‹#›</a:t>
             </a:fld>
@@ -2633,7 +2634,7 @@
     </p:spTree>
     <p:extLst>
       <p:ext uri="{BB962C8B-B14F-4D97-AF65-F5344CB8AC3E}">
-        <p14:creationId xmlns:p14="http://schemas.microsoft.com/office/powerpoint/2010/main" val="3392212591"/>
+        <p14:creationId xmlns:p14="http://schemas.microsoft.com/office/powerpoint/2010/main" val="1882419158"/>
       </p:ext>
     </p:extLst>
   </p:cSld>
@@ -2967,8 +2968,20 @@
           <a:lstStyle/>
           <a:p>
             <a:r>
+              <a:rPr lang="en-US" dirty="0"/>
+              <a:t>Bean scopes. </a:t>
+            </a:r>
+            <a:r>
               <a:rPr lang="ru-RU" dirty="0"/>
-              <a:t>Инициализация коллекций.</a:t>
+              <a:t>Области видимости/применения </a:t>
+            </a:r>
+            <a:r>
+              <a:rPr lang="ru-RU" dirty="0" err="1"/>
+              <a:t>бинов</a:t>
+            </a:r>
+            <a:r>
+              <a:rPr lang="ru-RU" dirty="0"/>
+              <a:t>.</a:t>
             </a:r>
             <a:endParaRPr lang="en-US" dirty="0"/>
           </a:p>
@@ -2990,684 +3003,135 @@
           <a:lstStyle/>
           <a:p>
             <a:r>
+              <a:rPr lang="en-US" dirty="0"/>
+              <a:t>Spring beans scopes </a:t>
+            </a:r>
+            <a:r>
               <a:rPr lang="ru-RU" dirty="0"/>
-              <a:t>Для инициализации листа используется:</a:t>
-            </a:r>
-          </a:p>
-          <a:p>
-            <a:endParaRPr lang="ru-RU" dirty="0"/>
-          </a:p>
-          <a:p>
-            <a:endParaRPr lang="ru-RU" dirty="0"/>
-          </a:p>
-          <a:p>
-            <a:endParaRPr lang="ru-RU" dirty="0"/>
-          </a:p>
-          <a:p>
-            <a:endParaRPr lang="ru-RU" dirty="0"/>
-          </a:p>
-          <a:p>
-            <a:endParaRPr lang="ru-RU" dirty="0"/>
-          </a:p>
-          <a:p>
-            <a:endParaRPr lang="ru-RU" dirty="0"/>
+              <a:t>указывают </a:t>
+            </a:r>
+            <a:r>
+              <a:rPr lang="en-US" dirty="0" err="1"/>
+              <a:t>Sping</a:t>
+            </a:r>
+            <a:r>
+              <a:rPr lang="en-US" dirty="0"/>
+              <a:t>, </a:t>
+            </a:r>
+            <a:r>
+              <a:rPr lang="ru-RU" dirty="0"/>
+              <a:t>как ему управлять жизненным циклом </a:t>
+            </a:r>
+            <a:r>
+              <a:rPr lang="ru-RU" dirty="0" err="1"/>
+              <a:t>бина</a:t>
+            </a:r>
+            <a:r>
+              <a:rPr lang="ru-RU" dirty="0"/>
+              <a:t>.</a:t>
+            </a:r>
+          </a:p>
+          <a:p>
+            <a:r>
+              <a:rPr lang="ru-RU" dirty="0"/>
+              <a:t>Два базовых </a:t>
+            </a:r>
+            <a:r>
+              <a:rPr lang="ru-RU" dirty="0" err="1"/>
+              <a:t>скоупа</a:t>
+            </a:r>
+            <a:r>
+              <a:rPr lang="ru-RU" dirty="0"/>
+              <a:t>: </a:t>
+            </a:r>
+            <a:r>
+              <a:rPr lang="en-US" b="1" dirty="0"/>
+              <a:t>Singleton </a:t>
+            </a:r>
+            <a:r>
+              <a:rPr lang="ru-RU" dirty="0"/>
+              <a:t>и </a:t>
+            </a:r>
+            <a:r>
+              <a:rPr lang="en-US" b="1" dirty="0"/>
+              <a:t>Prototype</a:t>
+            </a:r>
+            <a:r>
+              <a:rPr lang="en-US" dirty="0"/>
+              <a:t>.</a:t>
+            </a:r>
+          </a:p>
+          <a:p>
+            <a:r>
+              <a:rPr lang="ru-RU" dirty="0"/>
+              <a:t>Три </a:t>
+            </a:r>
+            <a:r>
+              <a:rPr lang="ru-RU" dirty="0" err="1"/>
+              <a:t>допольнительных</a:t>
+            </a:r>
+            <a:r>
+              <a:rPr lang="ru-RU" dirty="0"/>
+              <a:t> </a:t>
+            </a:r>
+            <a:r>
+              <a:rPr lang="ru-RU" dirty="0" err="1"/>
+              <a:t>скоупа</a:t>
+            </a:r>
+            <a:r>
+              <a:rPr lang="ru-RU" dirty="0"/>
+              <a:t>, которые используются в </a:t>
+            </a:r>
+            <a:r>
+              <a:rPr lang="en-CA" dirty="0"/>
+              <a:t>web </a:t>
+            </a:r>
+            <a:r>
+              <a:rPr lang="ru-RU" dirty="0"/>
+              <a:t>приложениях</a:t>
+            </a:r>
+            <a:r>
+              <a:rPr lang="en-CA" dirty="0"/>
+              <a:t>:</a:t>
+            </a:r>
+            <a:r>
+              <a:rPr lang="ru-RU" dirty="0"/>
+              <a:t> </a:t>
+            </a:r>
+            <a:r>
+              <a:rPr lang="en-US" b="1" dirty="0"/>
+              <a:t>Request</a:t>
+            </a:r>
+            <a:r>
+              <a:rPr lang="en-US" dirty="0"/>
+              <a:t>, </a:t>
+            </a:r>
+            <a:r>
+              <a:rPr lang="en-US" b="1" dirty="0"/>
+              <a:t>Session </a:t>
+            </a:r>
+            <a:r>
+              <a:rPr lang="ru-RU" dirty="0"/>
+              <a:t>и </a:t>
+            </a:r>
+            <a:r>
+              <a:rPr lang="en-US" b="1" dirty="0" err="1"/>
+              <a:t>GlobalSession</a:t>
+            </a:r>
+            <a:r>
+              <a:rPr lang="en-US" dirty="0"/>
+              <a:t>.</a:t>
+            </a:r>
           </a:p>
           <a:p>
             <a:endParaRPr lang="en-US" dirty="0"/>
-          </a:p>
-        </p:txBody>
-      </p:sp>
-      <p:sp>
-        <p:nvSpPr>
-          <p:cNvPr id="4" name="Rectangle 1"/>
-          <p:cNvSpPr>
-            <a:spLocks noChangeArrowheads="1"/>
-          </p:cNvSpPr>
-          <p:nvPr/>
-        </p:nvSpPr>
-        <p:spPr bwMode="auto">
-          <a:xfrm>
-            <a:off x="838200" y="2570133"/>
-            <a:ext cx="10515600" cy="2862322"/>
-          </a:xfrm>
-          <a:prstGeom prst="rect">
-            <a:avLst/>
-          </a:prstGeom>
-          <a:solidFill>
-            <a:srgbClr val="2B2B2B"/>
-          </a:solidFill>
-          <a:ln>
-            <a:noFill/>
-          </a:ln>
-          <a:effectLst/>
-          <a:extLst>
-            <a:ext uri="{91240B29-F687-4F45-9708-019B960494DF}">
-              <a14:hiddenLine xmlns:a14="http://schemas.microsoft.com/office/drawing/2010/main" w="9525">
-                <a:solidFill>
-                  <a:schemeClr val="tx1"/>
-                </a:solidFill>
-                <a:miter lim="800000"/>
-                <a:headEnd/>
-                <a:tailEnd/>
-              </a14:hiddenLine>
-            </a:ext>
-            <a:ext uri="{AF507438-7753-43E0-B8FC-AC1667EBCBE1}">
-              <a14:hiddenEffects xmlns:a14="http://schemas.microsoft.com/office/drawing/2010/main">
-                <a:effectLst>
-                  <a:outerShdw dist="35921" dir="2700000" algn="ctr" rotWithShape="0">
-                    <a:schemeClr val="bg2"/>
-                  </a:outerShdw>
-                </a:effectLst>
-              </a14:hiddenEffects>
-            </a:ext>
-          </a:extLst>
-        </p:spPr>
-        <p:txBody>
-          <a:bodyPr vert="horz" wrap="square" lIns="91440" tIns="45720" rIns="91440" bIns="45720" numCol="1" anchor="ctr" anchorCtr="0" compatLnSpc="1">
-            <a:prstTxWarp prst="textNoShape">
-              <a:avLst/>
-            </a:prstTxWarp>
-            <a:spAutoFit/>
-          </a:bodyPr>
-          <a:lstStyle/>
-          <a:p>
-            <a:pPr marL="0" marR="0" lvl="0" indent="0" algn="l" defTabSz="914400" rtl="0" eaLnBrk="0" fontAlgn="base" latinLnBrk="0" hangingPunct="0">
-              <a:lnSpc>
-                <a:spcPct val="100000"/>
-              </a:lnSpc>
-              <a:spcBef>
-                <a:spcPct val="0"/>
-              </a:spcBef>
-              <a:spcAft>
-                <a:spcPct val="0"/>
-              </a:spcAft>
-              <a:buClrTx/>
-              <a:buSzTx/>
-              <a:buFontTx/>
-              <a:buNone/>
-              <a:tabLst/>
-            </a:pPr>
-            <a:r>
-              <a:rPr kumimoji="0" lang="en-US" altLang="en-US" sz="2000" b="0" i="0" u="none" strike="noStrike" cap="none" normalizeH="0" baseline="0" dirty="0">
-                <a:ln>
-                  <a:noFill/>
-                </a:ln>
-                <a:solidFill>
-                  <a:srgbClr val="E8BF6A"/>
-                </a:solidFill>
-                <a:effectLst/>
-                <a:latin typeface="JetBrains Mono"/>
-              </a:rPr>
-              <a:t>&lt;list&gt;</a:t>
-            </a:r>
-            <a:br>
-              <a:rPr kumimoji="0" lang="en-US" altLang="en-US" sz="2000" b="0" i="0" u="none" strike="noStrike" cap="none" normalizeH="0" baseline="0" dirty="0">
-                <a:ln>
-                  <a:noFill/>
-                </a:ln>
-                <a:solidFill>
-                  <a:srgbClr val="E8BF6A"/>
-                </a:solidFill>
-                <a:effectLst/>
-                <a:latin typeface="JetBrains Mono"/>
-              </a:rPr>
-            </a:br>
-            <a:r>
-              <a:rPr kumimoji="0" lang="en-US" altLang="en-US" sz="2000" b="0" i="0" u="none" strike="noStrike" cap="none" normalizeH="0" baseline="0" dirty="0">
-                <a:ln>
-                  <a:noFill/>
-                </a:ln>
-                <a:solidFill>
-                  <a:srgbClr val="E8BF6A"/>
-                </a:solidFill>
-                <a:effectLst/>
-                <a:latin typeface="JetBrains Mono"/>
-              </a:rPr>
-              <a:t>    &lt;value&gt;</a:t>
-            </a:r>
-            <a:r>
-              <a:rPr kumimoji="0" lang="en-US" altLang="en-US" sz="2000" b="0" i="0" u="none" strike="noStrike" cap="none" normalizeH="0" baseline="0" dirty="0">
-                <a:ln>
-                  <a:noFill/>
-                </a:ln>
-                <a:solidFill>
-                  <a:srgbClr val="A9B7C6"/>
-                </a:solidFill>
-                <a:effectLst/>
-                <a:latin typeface="JetBrains Mono"/>
-              </a:rPr>
-              <a:t>1</a:t>
-            </a:r>
-            <a:r>
-              <a:rPr kumimoji="0" lang="en-US" altLang="en-US" sz="2000" b="0" i="0" u="none" strike="noStrike" cap="none" normalizeH="0" baseline="0" dirty="0">
-                <a:ln>
-                  <a:noFill/>
-                </a:ln>
-                <a:solidFill>
-                  <a:srgbClr val="E8BF6A"/>
-                </a:solidFill>
-                <a:effectLst/>
-                <a:latin typeface="JetBrains Mono"/>
-              </a:rPr>
-              <a:t>&lt;/value&gt;</a:t>
-            </a:r>
-            <a:br>
-              <a:rPr kumimoji="0" lang="en-US" altLang="en-US" sz="2000" b="0" i="0" u="none" strike="noStrike" cap="none" normalizeH="0" baseline="0" dirty="0">
-                <a:ln>
-                  <a:noFill/>
-                </a:ln>
-                <a:solidFill>
-                  <a:srgbClr val="E8BF6A"/>
-                </a:solidFill>
-                <a:effectLst/>
-                <a:latin typeface="JetBrains Mono"/>
-              </a:rPr>
-            </a:br>
-            <a:r>
-              <a:rPr kumimoji="0" lang="en-US" altLang="en-US" sz="2000" b="0" i="0" u="none" strike="noStrike" cap="none" normalizeH="0" baseline="0" dirty="0">
-                <a:ln>
-                  <a:noFill/>
-                </a:ln>
-                <a:solidFill>
-                  <a:srgbClr val="E8BF6A"/>
-                </a:solidFill>
-                <a:effectLst/>
-                <a:latin typeface="JetBrains Mono"/>
-              </a:rPr>
-              <a:t>    &lt;ref </a:t>
-            </a:r>
-            <a:r>
-              <a:rPr kumimoji="0" lang="en-US" altLang="en-US" sz="2000" b="0" i="0" u="none" strike="noStrike" cap="none" normalizeH="0" baseline="0" dirty="0">
-                <a:ln>
-                  <a:noFill/>
-                </a:ln>
-                <a:solidFill>
-                  <a:srgbClr val="BABABA"/>
-                </a:solidFill>
-                <a:effectLst/>
-                <a:latin typeface="JetBrains Mono"/>
-              </a:rPr>
-              <a:t>bean</a:t>
-            </a:r>
-            <a:r>
-              <a:rPr kumimoji="0" lang="en-US" altLang="en-US" sz="2000" b="0" i="0" u="none" strike="noStrike" cap="none" normalizeH="0" baseline="0" dirty="0">
-                <a:ln>
-                  <a:noFill/>
-                </a:ln>
-                <a:solidFill>
-                  <a:srgbClr val="6A8759"/>
-                </a:solidFill>
-                <a:effectLst/>
-                <a:latin typeface="JetBrains Mono"/>
-              </a:rPr>
-              <a:t>="person" </a:t>
-            </a:r>
-            <a:r>
-              <a:rPr kumimoji="0" lang="en-US" altLang="en-US" sz="2000" b="0" i="0" u="none" strike="noStrike" cap="none" normalizeH="0" baseline="0" dirty="0">
-                <a:ln>
-                  <a:noFill/>
-                </a:ln>
-                <a:solidFill>
-                  <a:srgbClr val="E8BF6A"/>
-                </a:solidFill>
-                <a:effectLst/>
-                <a:latin typeface="JetBrains Mono"/>
-              </a:rPr>
-              <a:t>/&gt;</a:t>
-            </a:r>
-            <a:br>
-              <a:rPr kumimoji="0" lang="en-US" altLang="en-US" sz="2000" b="0" i="0" u="none" strike="noStrike" cap="none" normalizeH="0" baseline="0" dirty="0">
-                <a:ln>
-                  <a:noFill/>
-                </a:ln>
-                <a:solidFill>
-                  <a:srgbClr val="E8BF6A"/>
-                </a:solidFill>
-                <a:effectLst/>
-                <a:latin typeface="JetBrains Mono"/>
-              </a:rPr>
-            </a:br>
-            <a:r>
-              <a:rPr kumimoji="0" lang="en-US" altLang="en-US" sz="2000" b="0" i="0" u="none" strike="noStrike" cap="none" normalizeH="0" baseline="0" dirty="0">
-                <a:ln>
-                  <a:noFill/>
-                </a:ln>
-                <a:solidFill>
-                  <a:srgbClr val="E8BF6A"/>
-                </a:solidFill>
-                <a:effectLst/>
-                <a:latin typeface="JetBrains Mono"/>
-              </a:rPr>
-              <a:t>    &lt;bean </a:t>
-            </a:r>
-            <a:r>
-              <a:rPr kumimoji="0" lang="en-US" altLang="en-US" sz="2000" b="0" i="0" u="none" strike="noStrike" cap="none" normalizeH="0" baseline="0" dirty="0">
-                <a:ln>
-                  <a:noFill/>
-                </a:ln>
-                <a:solidFill>
-                  <a:srgbClr val="BABABA"/>
-                </a:solidFill>
-                <a:effectLst/>
-                <a:latin typeface="JetBrains Mono"/>
-              </a:rPr>
-              <a:t>class</a:t>
-            </a:r>
-            <a:r>
-              <a:rPr kumimoji="0" lang="en-US" altLang="en-US" sz="2000" b="0" i="0" u="none" strike="noStrike" cap="none" normalizeH="0" baseline="0" dirty="0">
-                <a:ln>
-                  <a:noFill/>
-                </a:ln>
-                <a:solidFill>
-                  <a:srgbClr val="6A8759"/>
-                </a:solidFill>
-                <a:effectLst/>
-                <a:latin typeface="JetBrains Mono"/>
-              </a:rPr>
-              <a:t>="com.volkov.IoC.example15.Person"</a:t>
-            </a:r>
-            <a:r>
-              <a:rPr kumimoji="0" lang="en-US" altLang="en-US" sz="2000" b="0" i="0" u="none" strike="noStrike" cap="none" normalizeH="0" baseline="0" dirty="0">
-                <a:ln>
-                  <a:noFill/>
-                </a:ln>
-                <a:solidFill>
-                  <a:srgbClr val="E8BF6A"/>
-                </a:solidFill>
-                <a:effectLst/>
-                <a:latin typeface="JetBrains Mono"/>
-              </a:rPr>
-              <a:t>&gt;</a:t>
-            </a:r>
-            <a:br>
-              <a:rPr kumimoji="0" lang="en-US" altLang="en-US" sz="2000" b="0" i="0" u="none" strike="noStrike" cap="none" normalizeH="0" baseline="0" dirty="0">
-                <a:ln>
-                  <a:noFill/>
-                </a:ln>
-                <a:solidFill>
-                  <a:srgbClr val="E8BF6A"/>
-                </a:solidFill>
-                <a:effectLst/>
-                <a:latin typeface="JetBrains Mono"/>
-              </a:rPr>
-            </a:br>
-            <a:r>
-              <a:rPr kumimoji="0" lang="en-US" altLang="en-US" sz="2000" b="0" i="0" u="none" strike="noStrike" cap="none" normalizeH="0" baseline="0" dirty="0">
-                <a:ln>
-                  <a:noFill/>
-                </a:ln>
-                <a:solidFill>
-                  <a:srgbClr val="E8BF6A"/>
-                </a:solidFill>
-                <a:effectLst/>
-                <a:latin typeface="JetBrains Mono"/>
-              </a:rPr>
-              <a:t>        &lt;property </a:t>
-            </a:r>
-            <a:r>
-              <a:rPr kumimoji="0" lang="en-US" altLang="en-US" sz="2000" b="0" i="0" u="none" strike="noStrike" cap="none" normalizeH="0" baseline="0" dirty="0">
-                <a:ln>
-                  <a:noFill/>
-                </a:ln>
-                <a:solidFill>
-                  <a:srgbClr val="BABABA"/>
-                </a:solidFill>
-                <a:effectLst/>
-                <a:latin typeface="JetBrains Mono"/>
-              </a:rPr>
-              <a:t>name</a:t>
-            </a:r>
-            <a:r>
-              <a:rPr kumimoji="0" lang="en-US" altLang="en-US" sz="2000" b="0" i="0" u="none" strike="noStrike" cap="none" normalizeH="0" baseline="0" dirty="0">
-                <a:ln>
-                  <a:noFill/>
-                </a:ln>
-                <a:solidFill>
-                  <a:srgbClr val="6A8759"/>
-                </a:solidFill>
-                <a:effectLst/>
-                <a:latin typeface="JetBrains Mono"/>
-              </a:rPr>
-              <a:t>="</a:t>
-            </a:r>
-            <a:r>
-              <a:rPr kumimoji="0" lang="en-US" altLang="en-US" sz="2000" b="0" i="0" u="none" strike="noStrike" cap="none" normalizeH="0" baseline="0" dirty="0" err="1">
-                <a:ln>
-                  <a:noFill/>
-                </a:ln>
-                <a:solidFill>
-                  <a:srgbClr val="6A8759"/>
-                </a:solidFill>
-                <a:effectLst/>
-                <a:latin typeface="JetBrains Mono"/>
-              </a:rPr>
-              <a:t>firstName</a:t>
-            </a:r>
-            <a:r>
-              <a:rPr kumimoji="0" lang="en-US" altLang="en-US" sz="2000" b="0" i="0" u="none" strike="noStrike" cap="none" normalizeH="0" baseline="0" dirty="0">
-                <a:ln>
-                  <a:noFill/>
-                </a:ln>
-                <a:solidFill>
-                  <a:srgbClr val="6A8759"/>
-                </a:solidFill>
-                <a:effectLst/>
-                <a:latin typeface="JetBrains Mono"/>
-              </a:rPr>
-              <a:t>" </a:t>
-            </a:r>
-            <a:r>
-              <a:rPr kumimoji="0" lang="en-US" altLang="en-US" sz="2000" b="0" i="0" u="none" strike="noStrike" cap="none" normalizeH="0" baseline="0" dirty="0">
-                <a:ln>
-                  <a:noFill/>
-                </a:ln>
-                <a:solidFill>
-                  <a:srgbClr val="BABABA"/>
-                </a:solidFill>
-                <a:effectLst/>
-                <a:latin typeface="JetBrains Mono"/>
-              </a:rPr>
-              <a:t>value</a:t>
-            </a:r>
-            <a:r>
-              <a:rPr kumimoji="0" lang="en-US" altLang="en-US" sz="2000" b="0" i="0" u="none" strike="noStrike" cap="none" normalizeH="0" baseline="0" dirty="0">
-                <a:ln>
-                  <a:noFill/>
-                </a:ln>
-                <a:solidFill>
-                  <a:srgbClr val="6A8759"/>
-                </a:solidFill>
-                <a:effectLst/>
-                <a:latin typeface="JetBrains Mono"/>
-              </a:rPr>
-              <a:t>="Ivan" </a:t>
-            </a:r>
-            <a:r>
-              <a:rPr kumimoji="0" lang="en-US" altLang="en-US" sz="2000" b="0" i="0" u="none" strike="noStrike" cap="none" normalizeH="0" baseline="0" dirty="0">
-                <a:ln>
-                  <a:noFill/>
-                </a:ln>
-                <a:solidFill>
-                  <a:srgbClr val="E8BF6A"/>
-                </a:solidFill>
-                <a:effectLst/>
-                <a:latin typeface="JetBrains Mono"/>
-              </a:rPr>
-              <a:t>/&gt;</a:t>
-            </a:r>
-            <a:br>
-              <a:rPr kumimoji="0" lang="en-US" altLang="en-US" sz="2000" b="0" i="0" u="none" strike="noStrike" cap="none" normalizeH="0" baseline="0" dirty="0">
-                <a:ln>
-                  <a:noFill/>
-                </a:ln>
-                <a:solidFill>
-                  <a:srgbClr val="E8BF6A"/>
-                </a:solidFill>
-                <a:effectLst/>
-                <a:latin typeface="JetBrains Mono"/>
-              </a:rPr>
-            </a:br>
-            <a:r>
-              <a:rPr kumimoji="0" lang="en-US" altLang="en-US" sz="2000" b="0" i="0" u="none" strike="noStrike" cap="none" normalizeH="0" baseline="0" dirty="0">
-                <a:ln>
-                  <a:noFill/>
-                </a:ln>
-                <a:solidFill>
-                  <a:srgbClr val="E8BF6A"/>
-                </a:solidFill>
-                <a:effectLst/>
-                <a:latin typeface="JetBrains Mono"/>
-              </a:rPr>
-              <a:t>        &lt;property </a:t>
-            </a:r>
-            <a:r>
-              <a:rPr kumimoji="0" lang="en-US" altLang="en-US" sz="2000" b="0" i="0" u="none" strike="noStrike" cap="none" normalizeH="0" baseline="0" dirty="0">
-                <a:ln>
-                  <a:noFill/>
-                </a:ln>
-                <a:solidFill>
-                  <a:srgbClr val="BABABA"/>
-                </a:solidFill>
-                <a:effectLst/>
-                <a:latin typeface="JetBrains Mono"/>
-              </a:rPr>
-              <a:t>name</a:t>
-            </a:r>
-            <a:r>
-              <a:rPr kumimoji="0" lang="en-US" altLang="en-US" sz="2000" b="0" i="0" u="none" strike="noStrike" cap="none" normalizeH="0" baseline="0" dirty="0">
-                <a:ln>
-                  <a:noFill/>
-                </a:ln>
-                <a:solidFill>
-                  <a:srgbClr val="6A8759"/>
-                </a:solidFill>
-                <a:effectLst/>
-                <a:latin typeface="JetBrains Mono"/>
-              </a:rPr>
-              <a:t>="surname" </a:t>
-            </a:r>
-            <a:r>
-              <a:rPr kumimoji="0" lang="en-US" altLang="en-US" sz="2000" b="0" i="0" u="none" strike="noStrike" cap="none" normalizeH="0" baseline="0" dirty="0">
-                <a:ln>
-                  <a:noFill/>
-                </a:ln>
-                <a:solidFill>
-                  <a:srgbClr val="BABABA"/>
-                </a:solidFill>
-                <a:effectLst/>
-                <a:latin typeface="JetBrains Mono"/>
-              </a:rPr>
-              <a:t>value</a:t>
-            </a:r>
-            <a:r>
-              <a:rPr kumimoji="0" lang="en-US" altLang="en-US" sz="2000" b="0" i="0" u="none" strike="noStrike" cap="none" normalizeH="0" baseline="0" dirty="0">
-                <a:ln>
-                  <a:noFill/>
-                </a:ln>
-                <a:solidFill>
-                  <a:srgbClr val="6A8759"/>
-                </a:solidFill>
-                <a:effectLst/>
-                <a:latin typeface="JetBrains Mono"/>
-              </a:rPr>
-              <a:t>="</a:t>
-            </a:r>
-            <a:r>
-              <a:rPr kumimoji="0" lang="en-US" altLang="en-US" sz="2000" b="0" i="0" u="none" strike="noStrike" cap="none" normalizeH="0" baseline="0" dirty="0" err="1">
-                <a:ln>
-                  <a:noFill/>
-                </a:ln>
-                <a:solidFill>
-                  <a:srgbClr val="6A8759"/>
-                </a:solidFill>
-                <a:effectLst/>
-                <a:latin typeface="JetBrains Mono"/>
-              </a:rPr>
-              <a:t>Ivanovich</a:t>
-            </a:r>
-            <a:r>
-              <a:rPr kumimoji="0" lang="en-US" altLang="en-US" sz="2000" b="0" i="0" u="none" strike="noStrike" cap="none" normalizeH="0" baseline="0" dirty="0">
-                <a:ln>
-                  <a:noFill/>
-                </a:ln>
-                <a:solidFill>
-                  <a:srgbClr val="6A8759"/>
-                </a:solidFill>
-                <a:effectLst/>
-                <a:latin typeface="JetBrains Mono"/>
-              </a:rPr>
-              <a:t>"</a:t>
-            </a:r>
-            <a:r>
-              <a:rPr kumimoji="0" lang="en-US" altLang="en-US" sz="2000" b="0" i="0" u="none" strike="noStrike" cap="none" normalizeH="0" baseline="0" dirty="0">
-                <a:ln>
-                  <a:noFill/>
-                </a:ln>
-                <a:solidFill>
-                  <a:srgbClr val="E8BF6A"/>
-                </a:solidFill>
-                <a:effectLst/>
-                <a:latin typeface="JetBrains Mono"/>
-              </a:rPr>
-              <a:t>/&gt;</a:t>
-            </a:r>
-            <a:br>
-              <a:rPr kumimoji="0" lang="en-US" altLang="en-US" sz="2000" b="0" i="0" u="none" strike="noStrike" cap="none" normalizeH="0" baseline="0" dirty="0">
-                <a:ln>
-                  <a:noFill/>
-                </a:ln>
-                <a:solidFill>
-                  <a:srgbClr val="E8BF6A"/>
-                </a:solidFill>
-                <a:effectLst/>
-                <a:latin typeface="JetBrains Mono"/>
-              </a:rPr>
-            </a:br>
-            <a:r>
-              <a:rPr kumimoji="0" lang="en-US" altLang="en-US" sz="2000" b="0" i="0" u="none" strike="noStrike" cap="none" normalizeH="0" baseline="0" dirty="0">
-                <a:ln>
-                  <a:noFill/>
-                </a:ln>
-                <a:solidFill>
-                  <a:srgbClr val="E8BF6A"/>
-                </a:solidFill>
-                <a:effectLst/>
-                <a:latin typeface="JetBrains Mono"/>
-              </a:rPr>
-              <a:t>        &lt;property </a:t>
-            </a:r>
-            <a:r>
-              <a:rPr kumimoji="0" lang="en-US" altLang="en-US" sz="2000" b="0" i="0" u="none" strike="noStrike" cap="none" normalizeH="0" baseline="0" dirty="0">
-                <a:ln>
-                  <a:noFill/>
-                </a:ln>
-                <a:solidFill>
-                  <a:srgbClr val="BABABA"/>
-                </a:solidFill>
-                <a:effectLst/>
-                <a:latin typeface="JetBrains Mono"/>
-              </a:rPr>
-              <a:t>name</a:t>
-            </a:r>
-            <a:r>
-              <a:rPr kumimoji="0" lang="en-US" altLang="en-US" sz="2000" b="0" i="0" u="none" strike="noStrike" cap="none" normalizeH="0" baseline="0" dirty="0">
-                <a:ln>
-                  <a:noFill/>
-                </a:ln>
-                <a:solidFill>
-                  <a:srgbClr val="6A8759"/>
-                </a:solidFill>
-                <a:effectLst/>
-                <a:latin typeface="JetBrains Mono"/>
-              </a:rPr>
-              <a:t>="age" </a:t>
-            </a:r>
-            <a:r>
-              <a:rPr kumimoji="0" lang="en-US" altLang="en-US" sz="2000" b="0" i="0" u="none" strike="noStrike" cap="none" normalizeH="0" baseline="0" dirty="0">
-                <a:ln>
-                  <a:noFill/>
-                </a:ln>
-                <a:solidFill>
-                  <a:srgbClr val="BABABA"/>
-                </a:solidFill>
-                <a:effectLst/>
-                <a:latin typeface="JetBrains Mono"/>
-              </a:rPr>
-              <a:t>value</a:t>
-            </a:r>
-            <a:r>
-              <a:rPr kumimoji="0" lang="en-US" altLang="en-US" sz="2000" b="0" i="0" u="none" strike="noStrike" cap="none" normalizeH="0" baseline="0" dirty="0">
-                <a:ln>
-                  <a:noFill/>
-                </a:ln>
-                <a:solidFill>
-                  <a:srgbClr val="6A8759"/>
-                </a:solidFill>
-                <a:effectLst/>
-                <a:latin typeface="JetBrains Mono"/>
-              </a:rPr>
-              <a:t>="29" </a:t>
-            </a:r>
-            <a:r>
-              <a:rPr kumimoji="0" lang="en-US" altLang="en-US" sz="2000" b="0" i="0" u="none" strike="noStrike" cap="none" normalizeH="0" baseline="0" dirty="0">
-                <a:ln>
-                  <a:noFill/>
-                </a:ln>
-                <a:solidFill>
-                  <a:srgbClr val="E8BF6A"/>
-                </a:solidFill>
-                <a:effectLst/>
-                <a:latin typeface="JetBrains Mono"/>
-              </a:rPr>
-              <a:t>/&gt;</a:t>
-            </a:r>
-            <a:br>
-              <a:rPr kumimoji="0" lang="en-US" altLang="en-US" sz="2000" b="0" i="0" u="none" strike="noStrike" cap="none" normalizeH="0" baseline="0" dirty="0">
-                <a:ln>
-                  <a:noFill/>
-                </a:ln>
-                <a:solidFill>
-                  <a:srgbClr val="E8BF6A"/>
-                </a:solidFill>
-                <a:effectLst/>
-                <a:latin typeface="JetBrains Mono"/>
-              </a:rPr>
-            </a:br>
-            <a:r>
-              <a:rPr kumimoji="0" lang="en-US" altLang="en-US" sz="2000" b="0" i="0" u="none" strike="noStrike" cap="none" normalizeH="0" baseline="0" dirty="0">
-                <a:ln>
-                  <a:noFill/>
-                </a:ln>
-                <a:solidFill>
-                  <a:srgbClr val="E8BF6A"/>
-                </a:solidFill>
-                <a:effectLst/>
-                <a:latin typeface="JetBrains Mono"/>
-              </a:rPr>
-              <a:t>    &lt;/bean&gt;</a:t>
-            </a:r>
-            <a:br>
-              <a:rPr kumimoji="0" lang="en-US" altLang="en-US" sz="2000" b="0" i="0" u="none" strike="noStrike" cap="none" normalizeH="0" baseline="0" dirty="0">
-                <a:ln>
-                  <a:noFill/>
-                </a:ln>
-                <a:solidFill>
-                  <a:srgbClr val="E8BF6A"/>
-                </a:solidFill>
-                <a:effectLst/>
-                <a:latin typeface="JetBrains Mono"/>
-              </a:rPr>
-            </a:br>
-            <a:r>
-              <a:rPr kumimoji="0" lang="en-US" altLang="en-US" sz="2000" b="0" i="0" u="none" strike="noStrike" cap="none" normalizeH="0" baseline="0" dirty="0">
-                <a:ln>
-                  <a:noFill/>
-                </a:ln>
-                <a:solidFill>
-                  <a:srgbClr val="E8BF6A"/>
-                </a:solidFill>
-                <a:effectLst/>
-                <a:latin typeface="JetBrains Mono"/>
-              </a:rPr>
-              <a:t>&lt;/list&gt;</a:t>
-            </a:r>
-            <a:endParaRPr kumimoji="0" lang="en-US" altLang="en-US" sz="2000" b="0" i="0" u="none" strike="noStrike" cap="none" normalizeH="0" baseline="0" dirty="0">
-              <a:ln>
-                <a:noFill/>
-              </a:ln>
-              <a:solidFill>
-                <a:schemeClr val="tx1"/>
-              </a:solidFill>
-              <a:effectLst/>
-              <a:latin typeface="Arial" panose="020B0604020202020204" pitchFamily="34" charset="0"/>
-            </a:endParaRPr>
           </a:p>
         </p:txBody>
       </p:sp>
     </p:spTree>
     <p:extLst>
       <p:ext uri="{BB962C8B-B14F-4D97-AF65-F5344CB8AC3E}">
-        <p14:creationId xmlns:p14="http://schemas.microsoft.com/office/powerpoint/2010/main" val="158756921"/>
+        <p14:creationId xmlns:p14="http://schemas.microsoft.com/office/powerpoint/2010/main" val="775258832"/>
       </p:ext>
     </p:extLst>
   </p:cSld>
@@ -3706,8 +3170,8 @@
         </p:nvSpPr>
         <p:spPr>
           <a:xfrm>
-            <a:off x="838200" y="593558"/>
-            <a:ext cx="10515600" cy="5583405"/>
+            <a:off x="838200" y="577516"/>
+            <a:ext cx="10515600" cy="5599447"/>
           </a:xfrm>
         </p:spPr>
         <p:txBody>
@@ -3718,63 +3182,92 @@
               <a:buNone/>
             </a:pPr>
             <a:r>
+              <a:rPr lang="ru-RU" b="1" dirty="0" err="1"/>
+              <a:t>Singleton</a:t>
+            </a:r>
+            <a:endParaRPr lang="ru-RU" b="1" dirty="0"/>
+          </a:p>
+          <a:p>
+            <a:r>
               <a:rPr lang="ru-RU" dirty="0"/>
-              <a:t>Лист проинициализирован следующими значениями:</a:t>
-            </a:r>
-          </a:p>
-          <a:p>
-            <a:r>
-              <a:rPr lang="en-US" dirty="0" err="1"/>
-              <a:t>Int</a:t>
-            </a:r>
-            <a:r>
-              <a:rPr lang="en-US" dirty="0"/>
-              <a:t>’</a:t>
+              <a:t>Значение всех </a:t>
+            </a:r>
+            <a:r>
+              <a:rPr lang="ru-RU" dirty="0" err="1"/>
+              <a:t>бинов</a:t>
             </a:r>
             <a:r>
               <a:rPr lang="ru-RU" dirty="0"/>
-              <a:t>ом 1</a:t>
-            </a:r>
-          </a:p>
-          <a:p>
+              <a:t> по умолчанию </a:t>
+            </a:r>
+            <a:r>
+              <a:rPr lang="ru-RU" dirty="0" err="1"/>
+              <a:t>Singleton</a:t>
+            </a:r>
+            <a:r>
+              <a:rPr lang="en-CA" dirty="0"/>
+              <a:t>.</a:t>
+            </a:r>
             <a:r>
               <a:rPr lang="ru-RU" dirty="0"/>
-              <a:t>Ссылка на бин </a:t>
-            </a:r>
-            <a:r>
-              <a:rPr lang="en-US" dirty="0"/>
-              <a:t>“person”</a:t>
+              <a:t> </a:t>
+            </a:r>
+            <a:r>
+              <a:rPr lang="ru-RU" dirty="0" err="1"/>
+              <a:t>bean</a:t>
             </a:r>
             <a:r>
               <a:rPr lang="ru-RU" dirty="0"/>
-              <a:t>, определенный выше в </a:t>
-            </a:r>
-            <a:r>
-              <a:rPr lang="en-US" dirty="0"/>
-              <a:t>XML</a:t>
-            </a:r>
-            <a:endParaRPr lang="ru-RU" dirty="0"/>
-          </a:p>
-          <a:p>
+              <a:t> создаётся в единственном экземпляре на весь контекст и ссылка на этот экземпляр передаётся каждому другому </a:t>
+            </a:r>
+            <a:r>
+              <a:rPr lang="ru-RU" dirty="0" err="1"/>
+              <a:t>бину</a:t>
+            </a:r>
             <a:r>
               <a:rPr lang="ru-RU" dirty="0"/>
-              <a:t>Другой бин класса </a:t>
-            </a:r>
-            <a:r>
-              <a:rPr lang="en-US" dirty="0"/>
-              <a:t>Person</a:t>
-            </a:r>
-            <a:r>
-              <a:rPr lang="ru-RU" dirty="0"/>
-              <a:t>.</a:t>
-            </a:r>
-          </a:p>
-        </p:txBody>
-      </p:sp>
+              <a:t>, который просит эту зависимость.</a:t>
+            </a:r>
+          </a:p>
+          <a:p>
+            <a:endParaRPr lang="en-US" dirty="0"/>
+          </a:p>
+        </p:txBody>
+      </p:sp>
+      <p:pic>
+        <p:nvPicPr>
+          <p:cNvPr id="5" name="Picture 4"/>
+          <p:cNvPicPr>
+            <a:picLocks noChangeAspect="1"/>
+          </p:cNvPicPr>
+          <p:nvPr/>
+        </p:nvPicPr>
+        <p:blipFill>
+          <a:blip r:embed="rId2">
+            <a:extLst>
+              <a:ext uri="{28A0092B-C50C-407E-A947-70E740481C1C}">
+                <a14:useLocalDpi xmlns:a14="http://schemas.microsoft.com/office/drawing/2010/main" val="0"/>
+              </a:ext>
+            </a:extLst>
+          </a:blip>
+          <a:stretch>
+            <a:fillRect/>
+          </a:stretch>
+        </p:blipFill>
+        <p:spPr>
+          <a:xfrm>
+            <a:off x="838200" y="2659109"/>
+            <a:ext cx="10515600" cy="3863547"/>
+          </a:xfrm>
+          <a:prstGeom prst="rect">
+            <a:avLst/>
+          </a:prstGeom>
+        </p:spPr>
+      </p:pic>
     </p:spTree>
     <p:extLst>
       <p:ext uri="{BB962C8B-B14F-4D97-AF65-F5344CB8AC3E}">
-        <p14:creationId xmlns:p14="http://schemas.microsoft.com/office/powerpoint/2010/main" val="484763989"/>
+        <p14:creationId xmlns:p14="http://schemas.microsoft.com/office/powerpoint/2010/main" val="2071538291"/>
       </p:ext>
     </p:extLst>
   </p:cSld>
@@ -3813,703 +3306,84 @@
         </p:nvSpPr>
         <p:spPr>
           <a:xfrm>
-            <a:off x="838200" y="449179"/>
-            <a:ext cx="10515600" cy="5727784"/>
+            <a:off x="838200" y="523875"/>
+            <a:ext cx="10515600" cy="5653088"/>
           </a:xfrm>
         </p:spPr>
         <p:txBody>
           <a:bodyPr/>
           <a:lstStyle/>
           <a:p>
+            <a:pPr marL="0" indent="0">
+              <a:buNone/>
+            </a:pPr>
+            <a:r>
+              <a:rPr lang="ru-RU" b="1" dirty="0" err="1"/>
+              <a:t>Prototype</a:t>
+            </a:r>
+            <a:endParaRPr lang="ru-RU" b="1" dirty="0"/>
+          </a:p>
+          <a:p>
             <a:r>
               <a:rPr lang="ru-RU" dirty="0"/>
-              <a:t>Инициализация Сета</a:t>
-            </a:r>
-          </a:p>
-          <a:p>
-            <a:endParaRPr lang="ru-RU" dirty="0"/>
-          </a:p>
-          <a:p>
-            <a:endParaRPr lang="ru-RU" dirty="0"/>
-          </a:p>
-          <a:p>
-            <a:endParaRPr lang="ru-RU" dirty="0"/>
-          </a:p>
-          <a:p>
-            <a:endParaRPr lang="ru-RU" dirty="0"/>
-          </a:p>
-          <a:p>
-            <a:endParaRPr lang="ru-RU" dirty="0"/>
-          </a:p>
-          <a:p>
-            <a:endParaRPr lang="ru-RU" dirty="0"/>
-          </a:p>
-          <a:p>
-            <a:endParaRPr lang="ru-RU" dirty="0"/>
-          </a:p>
-          <a:p>
-            <a:pPr marL="0" indent="0">
-              <a:buNone/>
-            </a:pPr>
+              <a:t>Создаётся отдельный новый объект для каждого </a:t>
+            </a:r>
+            <a:r>
+              <a:rPr lang="ru-RU" dirty="0" err="1"/>
+              <a:t>бина</a:t>
+            </a:r>
             <a:r>
               <a:rPr lang="ru-RU" dirty="0"/>
-              <a:t>Аналогично листу</a:t>
-            </a:r>
+              <a:t>, который просит его в зависимость или при вызове через </a:t>
+            </a:r>
+            <a:r>
+              <a:rPr lang="ru-RU" dirty="0" err="1"/>
+              <a:t>getBean</a:t>
+            </a:r>
+            <a:r>
+              <a:rPr lang="ru-RU" dirty="0"/>
+              <a:t>().</a:t>
+            </a:r>
+          </a:p>
+          <a:p>
             <a:endParaRPr lang="en-US" dirty="0"/>
           </a:p>
         </p:txBody>
       </p:sp>
-      <p:sp>
-        <p:nvSpPr>
-          <p:cNvPr id="4" name="Rectangle 1"/>
-          <p:cNvSpPr>
-            <a:spLocks noChangeArrowheads="1"/>
-          </p:cNvSpPr>
+      <p:pic>
+        <p:nvPicPr>
+          <p:cNvPr id="4" name="Picture 3"/>
+          <p:cNvPicPr>
+            <a:picLocks noChangeAspect="1"/>
+          </p:cNvPicPr>
           <p:nvPr/>
-        </p:nvSpPr>
-        <p:spPr bwMode="auto">
+        </p:nvPicPr>
+        <p:blipFill>
+          <a:blip r:embed="rId2">
+            <a:extLst>
+              <a:ext uri="{28A0092B-C50C-407E-A947-70E740481C1C}">
+                <a14:useLocalDpi xmlns:a14="http://schemas.microsoft.com/office/drawing/2010/main" val="0"/>
+              </a:ext>
+            </a:extLst>
+          </a:blip>
+          <a:stretch>
+            <a:fillRect/>
+          </a:stretch>
+        </p:blipFill>
+        <p:spPr>
           <a:xfrm>
-            <a:off x="838200" y="1235839"/>
-            <a:ext cx="10515600" cy="2862322"/>
+            <a:off x="838200" y="2037888"/>
+            <a:ext cx="10515600" cy="4610206"/>
           </a:xfrm>
           <a:prstGeom prst="rect">
             <a:avLst/>
           </a:prstGeom>
-          <a:solidFill>
-            <a:srgbClr val="2B2B2B"/>
-          </a:solidFill>
-          <a:ln>
-            <a:noFill/>
-          </a:ln>
-          <a:effectLst/>
-          <a:extLst>
-            <a:ext uri="{91240B29-F687-4F45-9708-019B960494DF}">
-              <a14:hiddenLine xmlns:a14="http://schemas.microsoft.com/office/drawing/2010/main" w="9525">
-                <a:solidFill>
-                  <a:schemeClr val="tx1"/>
-                </a:solidFill>
-                <a:miter lim="800000"/>
-                <a:headEnd/>
-                <a:tailEnd/>
-              </a14:hiddenLine>
-            </a:ext>
-            <a:ext uri="{AF507438-7753-43E0-B8FC-AC1667EBCBE1}">
-              <a14:hiddenEffects xmlns:a14="http://schemas.microsoft.com/office/drawing/2010/main">
-                <a:effectLst>
-                  <a:outerShdw dist="35921" dir="2700000" algn="ctr" rotWithShape="0">
-                    <a:schemeClr val="bg2"/>
-                  </a:outerShdw>
-                </a:effectLst>
-              </a14:hiddenEffects>
-            </a:ext>
-          </a:extLst>
         </p:spPr>
-        <p:txBody>
-          <a:bodyPr vert="horz" wrap="square" lIns="91440" tIns="45720" rIns="91440" bIns="45720" numCol="1" anchor="ctr" anchorCtr="0" compatLnSpc="1">
-            <a:prstTxWarp prst="textNoShape">
-              <a:avLst/>
-            </a:prstTxWarp>
-            <a:spAutoFit/>
-          </a:bodyPr>
-          <a:lstStyle/>
-          <a:p>
-            <a:pPr marL="0" marR="0" lvl="0" indent="0" algn="l" defTabSz="914400" rtl="0" eaLnBrk="0" fontAlgn="base" latinLnBrk="0" hangingPunct="0">
-              <a:lnSpc>
-                <a:spcPct val="100000"/>
-              </a:lnSpc>
-              <a:spcBef>
-                <a:spcPct val="0"/>
-              </a:spcBef>
-              <a:spcAft>
-                <a:spcPct val="0"/>
-              </a:spcAft>
-              <a:buClrTx/>
-              <a:buSzTx/>
-              <a:buFontTx/>
-              <a:buNone/>
-              <a:tabLst/>
-            </a:pPr>
-            <a:r>
-              <a:rPr kumimoji="0" lang="en-US" altLang="en-US" sz="2000" b="0" i="0" u="none" strike="noStrike" cap="none" normalizeH="0" baseline="0" dirty="0">
-                <a:ln>
-                  <a:noFill/>
-                </a:ln>
-                <a:solidFill>
-                  <a:srgbClr val="E8BF6A"/>
-                </a:solidFill>
-                <a:effectLst/>
-                <a:latin typeface="JetBrains Mono"/>
-              </a:rPr>
-              <a:t>&lt;set&gt;</a:t>
-            </a:r>
-            <a:br>
-              <a:rPr kumimoji="0" lang="en-US" altLang="en-US" sz="2000" b="0" i="0" u="none" strike="noStrike" cap="none" normalizeH="0" baseline="0" dirty="0">
-                <a:ln>
-                  <a:noFill/>
-                </a:ln>
-                <a:solidFill>
-                  <a:srgbClr val="E8BF6A"/>
-                </a:solidFill>
-                <a:effectLst/>
-                <a:latin typeface="JetBrains Mono"/>
-              </a:rPr>
-            </a:br>
-            <a:r>
-              <a:rPr kumimoji="0" lang="en-US" altLang="en-US" sz="2000" b="0" i="0" u="none" strike="noStrike" cap="none" normalizeH="0" baseline="0" dirty="0">
-                <a:ln>
-                  <a:noFill/>
-                </a:ln>
-                <a:solidFill>
-                  <a:srgbClr val="E8BF6A"/>
-                </a:solidFill>
-                <a:effectLst/>
-                <a:latin typeface="JetBrains Mono"/>
-              </a:rPr>
-              <a:t>    &lt;value&gt;</a:t>
-            </a:r>
-            <a:r>
-              <a:rPr kumimoji="0" lang="en-US" altLang="en-US" sz="2000" b="0" i="0" u="none" strike="noStrike" cap="none" normalizeH="0" baseline="0" dirty="0">
-                <a:ln>
-                  <a:noFill/>
-                </a:ln>
-                <a:solidFill>
-                  <a:srgbClr val="A9B7C6"/>
-                </a:solidFill>
-                <a:effectLst/>
-                <a:latin typeface="JetBrains Mono"/>
-              </a:rPr>
-              <a:t>1</a:t>
-            </a:r>
-            <a:r>
-              <a:rPr kumimoji="0" lang="en-US" altLang="en-US" sz="2000" b="0" i="0" u="none" strike="noStrike" cap="none" normalizeH="0" baseline="0" dirty="0">
-                <a:ln>
-                  <a:noFill/>
-                </a:ln>
-                <a:solidFill>
-                  <a:srgbClr val="E8BF6A"/>
-                </a:solidFill>
-                <a:effectLst/>
-                <a:latin typeface="JetBrains Mono"/>
-              </a:rPr>
-              <a:t>&lt;/value&gt;</a:t>
-            </a:r>
-            <a:br>
-              <a:rPr kumimoji="0" lang="en-US" altLang="en-US" sz="2000" b="0" i="0" u="none" strike="noStrike" cap="none" normalizeH="0" baseline="0" dirty="0">
-                <a:ln>
-                  <a:noFill/>
-                </a:ln>
-                <a:solidFill>
-                  <a:srgbClr val="E8BF6A"/>
-                </a:solidFill>
-                <a:effectLst/>
-                <a:latin typeface="JetBrains Mono"/>
-              </a:rPr>
-            </a:br>
-            <a:r>
-              <a:rPr kumimoji="0" lang="en-US" altLang="en-US" sz="2000" b="0" i="0" u="none" strike="noStrike" cap="none" normalizeH="0" baseline="0" dirty="0">
-                <a:ln>
-                  <a:noFill/>
-                </a:ln>
-                <a:solidFill>
-                  <a:srgbClr val="E8BF6A"/>
-                </a:solidFill>
-                <a:effectLst/>
-                <a:latin typeface="JetBrains Mono"/>
-              </a:rPr>
-              <a:t>    &lt;ref </a:t>
-            </a:r>
-            <a:r>
-              <a:rPr kumimoji="0" lang="en-US" altLang="en-US" sz="2000" b="0" i="0" u="none" strike="noStrike" cap="none" normalizeH="0" baseline="0" dirty="0">
-                <a:ln>
-                  <a:noFill/>
-                </a:ln>
-                <a:solidFill>
-                  <a:srgbClr val="BABABA"/>
-                </a:solidFill>
-                <a:effectLst/>
-                <a:latin typeface="JetBrains Mono"/>
-              </a:rPr>
-              <a:t>bean</a:t>
-            </a:r>
-            <a:r>
-              <a:rPr kumimoji="0" lang="en-US" altLang="en-US" sz="2000" b="0" i="0" u="none" strike="noStrike" cap="none" normalizeH="0" baseline="0" dirty="0">
-                <a:ln>
-                  <a:noFill/>
-                </a:ln>
-                <a:solidFill>
-                  <a:srgbClr val="6A8759"/>
-                </a:solidFill>
-                <a:effectLst/>
-                <a:latin typeface="JetBrains Mono"/>
-              </a:rPr>
-              <a:t>="person" </a:t>
-            </a:r>
-            <a:r>
-              <a:rPr kumimoji="0" lang="en-US" altLang="en-US" sz="2000" b="0" i="0" u="none" strike="noStrike" cap="none" normalizeH="0" baseline="0" dirty="0">
-                <a:ln>
-                  <a:noFill/>
-                </a:ln>
-                <a:solidFill>
-                  <a:srgbClr val="E8BF6A"/>
-                </a:solidFill>
-                <a:effectLst/>
-                <a:latin typeface="JetBrains Mono"/>
-              </a:rPr>
-              <a:t>/&gt;</a:t>
-            </a:r>
-            <a:br>
-              <a:rPr kumimoji="0" lang="en-US" altLang="en-US" sz="2000" b="0" i="0" u="none" strike="noStrike" cap="none" normalizeH="0" baseline="0" dirty="0">
-                <a:ln>
-                  <a:noFill/>
-                </a:ln>
-                <a:solidFill>
-                  <a:srgbClr val="E8BF6A"/>
-                </a:solidFill>
-                <a:effectLst/>
-                <a:latin typeface="JetBrains Mono"/>
-              </a:rPr>
-            </a:br>
-            <a:r>
-              <a:rPr kumimoji="0" lang="en-US" altLang="en-US" sz="2000" b="0" i="0" u="none" strike="noStrike" cap="none" normalizeH="0" baseline="0" dirty="0">
-                <a:ln>
-                  <a:noFill/>
-                </a:ln>
-                <a:solidFill>
-                  <a:srgbClr val="E8BF6A"/>
-                </a:solidFill>
-                <a:effectLst/>
-                <a:latin typeface="JetBrains Mono"/>
-              </a:rPr>
-              <a:t>    &lt;bean </a:t>
-            </a:r>
-            <a:r>
-              <a:rPr kumimoji="0" lang="en-US" altLang="en-US" sz="2000" b="0" i="0" u="none" strike="noStrike" cap="none" normalizeH="0" baseline="0" dirty="0">
-                <a:ln>
-                  <a:noFill/>
-                </a:ln>
-                <a:solidFill>
-                  <a:srgbClr val="BABABA"/>
-                </a:solidFill>
-                <a:effectLst/>
-                <a:latin typeface="JetBrains Mono"/>
-              </a:rPr>
-              <a:t>class</a:t>
-            </a:r>
-            <a:r>
-              <a:rPr kumimoji="0" lang="en-US" altLang="en-US" sz="2000" b="0" i="0" u="none" strike="noStrike" cap="none" normalizeH="0" baseline="0" dirty="0">
-                <a:ln>
-                  <a:noFill/>
-                </a:ln>
-                <a:solidFill>
-                  <a:srgbClr val="6A8759"/>
-                </a:solidFill>
-                <a:effectLst/>
-                <a:latin typeface="JetBrains Mono"/>
-              </a:rPr>
-              <a:t>="com.volkov.IoC.example15.Person"</a:t>
-            </a:r>
-            <a:r>
-              <a:rPr kumimoji="0" lang="en-US" altLang="en-US" sz="2000" b="0" i="0" u="none" strike="noStrike" cap="none" normalizeH="0" baseline="0" dirty="0">
-                <a:ln>
-                  <a:noFill/>
-                </a:ln>
-                <a:solidFill>
-                  <a:srgbClr val="E8BF6A"/>
-                </a:solidFill>
-                <a:effectLst/>
-                <a:latin typeface="JetBrains Mono"/>
-              </a:rPr>
-              <a:t>&gt;</a:t>
-            </a:r>
-            <a:br>
-              <a:rPr kumimoji="0" lang="en-US" altLang="en-US" sz="2000" b="0" i="0" u="none" strike="noStrike" cap="none" normalizeH="0" baseline="0" dirty="0">
-                <a:ln>
-                  <a:noFill/>
-                </a:ln>
-                <a:solidFill>
-                  <a:srgbClr val="E8BF6A"/>
-                </a:solidFill>
-                <a:effectLst/>
-                <a:latin typeface="JetBrains Mono"/>
-              </a:rPr>
-            </a:br>
-            <a:r>
-              <a:rPr kumimoji="0" lang="en-US" altLang="en-US" sz="2000" b="0" i="0" u="none" strike="noStrike" cap="none" normalizeH="0" baseline="0" dirty="0">
-                <a:ln>
-                  <a:noFill/>
-                </a:ln>
-                <a:solidFill>
-                  <a:srgbClr val="E8BF6A"/>
-                </a:solidFill>
-                <a:effectLst/>
-                <a:latin typeface="JetBrains Mono"/>
-              </a:rPr>
-              <a:t>        &lt;property </a:t>
-            </a:r>
-            <a:r>
-              <a:rPr kumimoji="0" lang="en-US" altLang="en-US" sz="2000" b="0" i="0" u="none" strike="noStrike" cap="none" normalizeH="0" baseline="0" dirty="0">
-                <a:ln>
-                  <a:noFill/>
-                </a:ln>
-                <a:solidFill>
-                  <a:srgbClr val="BABABA"/>
-                </a:solidFill>
-                <a:effectLst/>
-                <a:latin typeface="JetBrains Mono"/>
-              </a:rPr>
-              <a:t>name</a:t>
-            </a:r>
-            <a:r>
-              <a:rPr kumimoji="0" lang="en-US" altLang="en-US" sz="2000" b="0" i="0" u="none" strike="noStrike" cap="none" normalizeH="0" baseline="0" dirty="0">
-                <a:ln>
-                  <a:noFill/>
-                </a:ln>
-                <a:solidFill>
-                  <a:srgbClr val="6A8759"/>
-                </a:solidFill>
-                <a:effectLst/>
-                <a:latin typeface="JetBrains Mono"/>
-              </a:rPr>
-              <a:t>="</a:t>
-            </a:r>
-            <a:r>
-              <a:rPr kumimoji="0" lang="en-US" altLang="en-US" sz="2000" b="0" i="0" u="none" strike="noStrike" cap="none" normalizeH="0" baseline="0" dirty="0" err="1">
-                <a:ln>
-                  <a:noFill/>
-                </a:ln>
-                <a:solidFill>
-                  <a:srgbClr val="6A8759"/>
-                </a:solidFill>
-                <a:effectLst/>
-                <a:latin typeface="JetBrains Mono"/>
-              </a:rPr>
-              <a:t>firstName</a:t>
-            </a:r>
-            <a:r>
-              <a:rPr kumimoji="0" lang="en-US" altLang="en-US" sz="2000" b="0" i="0" u="none" strike="noStrike" cap="none" normalizeH="0" baseline="0" dirty="0">
-                <a:ln>
-                  <a:noFill/>
-                </a:ln>
-                <a:solidFill>
-                  <a:srgbClr val="6A8759"/>
-                </a:solidFill>
-                <a:effectLst/>
-                <a:latin typeface="JetBrains Mono"/>
-              </a:rPr>
-              <a:t>" </a:t>
-            </a:r>
-            <a:r>
-              <a:rPr kumimoji="0" lang="en-US" altLang="en-US" sz="2000" b="0" i="0" u="none" strike="noStrike" cap="none" normalizeH="0" baseline="0" dirty="0">
-                <a:ln>
-                  <a:noFill/>
-                </a:ln>
-                <a:solidFill>
-                  <a:srgbClr val="BABABA"/>
-                </a:solidFill>
-                <a:effectLst/>
-                <a:latin typeface="JetBrains Mono"/>
-              </a:rPr>
-              <a:t>value</a:t>
-            </a:r>
-            <a:r>
-              <a:rPr kumimoji="0" lang="en-US" altLang="en-US" sz="2000" b="0" i="0" u="none" strike="noStrike" cap="none" normalizeH="0" baseline="0" dirty="0">
-                <a:ln>
-                  <a:noFill/>
-                </a:ln>
-                <a:solidFill>
-                  <a:srgbClr val="6A8759"/>
-                </a:solidFill>
-                <a:effectLst/>
-                <a:latin typeface="JetBrains Mono"/>
-              </a:rPr>
-              <a:t>="Ivan" </a:t>
-            </a:r>
-            <a:r>
-              <a:rPr kumimoji="0" lang="en-US" altLang="en-US" sz="2000" b="0" i="0" u="none" strike="noStrike" cap="none" normalizeH="0" baseline="0" dirty="0">
-                <a:ln>
-                  <a:noFill/>
-                </a:ln>
-                <a:solidFill>
-                  <a:srgbClr val="E8BF6A"/>
-                </a:solidFill>
-                <a:effectLst/>
-                <a:latin typeface="JetBrains Mono"/>
-              </a:rPr>
-              <a:t>/&gt;</a:t>
-            </a:r>
-            <a:br>
-              <a:rPr kumimoji="0" lang="en-US" altLang="en-US" sz="2000" b="0" i="0" u="none" strike="noStrike" cap="none" normalizeH="0" baseline="0" dirty="0">
-                <a:ln>
-                  <a:noFill/>
-                </a:ln>
-                <a:solidFill>
-                  <a:srgbClr val="E8BF6A"/>
-                </a:solidFill>
-                <a:effectLst/>
-                <a:latin typeface="JetBrains Mono"/>
-              </a:rPr>
-            </a:br>
-            <a:r>
-              <a:rPr kumimoji="0" lang="en-US" altLang="en-US" sz="2000" b="0" i="0" u="none" strike="noStrike" cap="none" normalizeH="0" baseline="0" dirty="0">
-                <a:ln>
-                  <a:noFill/>
-                </a:ln>
-                <a:solidFill>
-                  <a:srgbClr val="E8BF6A"/>
-                </a:solidFill>
-                <a:effectLst/>
-                <a:latin typeface="JetBrains Mono"/>
-              </a:rPr>
-              <a:t>        &lt;property </a:t>
-            </a:r>
-            <a:r>
-              <a:rPr kumimoji="0" lang="en-US" altLang="en-US" sz="2000" b="0" i="0" u="none" strike="noStrike" cap="none" normalizeH="0" baseline="0" dirty="0">
-                <a:ln>
-                  <a:noFill/>
-                </a:ln>
-                <a:solidFill>
-                  <a:srgbClr val="BABABA"/>
-                </a:solidFill>
-                <a:effectLst/>
-                <a:latin typeface="JetBrains Mono"/>
-              </a:rPr>
-              <a:t>name</a:t>
-            </a:r>
-            <a:r>
-              <a:rPr kumimoji="0" lang="en-US" altLang="en-US" sz="2000" b="0" i="0" u="none" strike="noStrike" cap="none" normalizeH="0" baseline="0" dirty="0">
-                <a:ln>
-                  <a:noFill/>
-                </a:ln>
-                <a:solidFill>
-                  <a:srgbClr val="6A8759"/>
-                </a:solidFill>
-                <a:effectLst/>
-                <a:latin typeface="JetBrains Mono"/>
-              </a:rPr>
-              <a:t>="surname" </a:t>
-            </a:r>
-            <a:r>
-              <a:rPr kumimoji="0" lang="en-US" altLang="en-US" sz="2000" b="0" i="0" u="none" strike="noStrike" cap="none" normalizeH="0" baseline="0" dirty="0">
-                <a:ln>
-                  <a:noFill/>
-                </a:ln>
-                <a:solidFill>
-                  <a:srgbClr val="BABABA"/>
-                </a:solidFill>
-                <a:effectLst/>
-                <a:latin typeface="JetBrains Mono"/>
-              </a:rPr>
-              <a:t>value</a:t>
-            </a:r>
-            <a:r>
-              <a:rPr kumimoji="0" lang="en-US" altLang="en-US" sz="2000" b="0" i="0" u="none" strike="noStrike" cap="none" normalizeH="0" baseline="0" dirty="0">
-                <a:ln>
-                  <a:noFill/>
-                </a:ln>
-                <a:solidFill>
-                  <a:srgbClr val="6A8759"/>
-                </a:solidFill>
-                <a:effectLst/>
-                <a:latin typeface="JetBrains Mono"/>
-              </a:rPr>
-              <a:t>="</a:t>
-            </a:r>
-            <a:r>
-              <a:rPr kumimoji="0" lang="en-US" altLang="en-US" sz="2000" b="0" i="0" u="none" strike="noStrike" cap="none" normalizeH="0" baseline="0" dirty="0" err="1">
-                <a:ln>
-                  <a:noFill/>
-                </a:ln>
-                <a:solidFill>
-                  <a:srgbClr val="6A8759"/>
-                </a:solidFill>
-                <a:effectLst/>
-                <a:latin typeface="JetBrains Mono"/>
-              </a:rPr>
-              <a:t>Ivanovich</a:t>
-            </a:r>
-            <a:r>
-              <a:rPr kumimoji="0" lang="en-US" altLang="en-US" sz="2000" b="0" i="0" u="none" strike="noStrike" cap="none" normalizeH="0" baseline="0" dirty="0">
-                <a:ln>
-                  <a:noFill/>
-                </a:ln>
-                <a:solidFill>
-                  <a:srgbClr val="6A8759"/>
-                </a:solidFill>
-                <a:effectLst/>
-                <a:latin typeface="JetBrains Mono"/>
-              </a:rPr>
-              <a:t>"</a:t>
-            </a:r>
-            <a:r>
-              <a:rPr kumimoji="0" lang="en-US" altLang="en-US" sz="2000" b="0" i="0" u="none" strike="noStrike" cap="none" normalizeH="0" baseline="0" dirty="0">
-                <a:ln>
-                  <a:noFill/>
-                </a:ln>
-                <a:solidFill>
-                  <a:srgbClr val="E8BF6A"/>
-                </a:solidFill>
-                <a:effectLst/>
-                <a:latin typeface="JetBrains Mono"/>
-              </a:rPr>
-              <a:t>/&gt;</a:t>
-            </a:r>
-            <a:br>
-              <a:rPr kumimoji="0" lang="en-US" altLang="en-US" sz="2000" b="0" i="0" u="none" strike="noStrike" cap="none" normalizeH="0" baseline="0" dirty="0">
-                <a:ln>
-                  <a:noFill/>
-                </a:ln>
-                <a:solidFill>
-                  <a:srgbClr val="E8BF6A"/>
-                </a:solidFill>
-                <a:effectLst/>
-                <a:latin typeface="JetBrains Mono"/>
-              </a:rPr>
-            </a:br>
-            <a:r>
-              <a:rPr kumimoji="0" lang="en-US" altLang="en-US" sz="2000" b="0" i="0" u="none" strike="noStrike" cap="none" normalizeH="0" baseline="0" dirty="0">
-                <a:ln>
-                  <a:noFill/>
-                </a:ln>
-                <a:solidFill>
-                  <a:srgbClr val="E8BF6A"/>
-                </a:solidFill>
-                <a:effectLst/>
-                <a:latin typeface="JetBrains Mono"/>
-              </a:rPr>
-              <a:t>        &lt;property </a:t>
-            </a:r>
-            <a:r>
-              <a:rPr kumimoji="0" lang="en-US" altLang="en-US" sz="2000" b="0" i="0" u="none" strike="noStrike" cap="none" normalizeH="0" baseline="0" dirty="0">
-                <a:ln>
-                  <a:noFill/>
-                </a:ln>
-                <a:solidFill>
-                  <a:srgbClr val="BABABA"/>
-                </a:solidFill>
-                <a:effectLst/>
-                <a:latin typeface="JetBrains Mono"/>
-              </a:rPr>
-              <a:t>name</a:t>
-            </a:r>
-            <a:r>
-              <a:rPr kumimoji="0" lang="en-US" altLang="en-US" sz="2000" b="0" i="0" u="none" strike="noStrike" cap="none" normalizeH="0" baseline="0" dirty="0">
-                <a:ln>
-                  <a:noFill/>
-                </a:ln>
-                <a:solidFill>
-                  <a:srgbClr val="6A8759"/>
-                </a:solidFill>
-                <a:effectLst/>
-                <a:latin typeface="JetBrains Mono"/>
-              </a:rPr>
-              <a:t>="age" </a:t>
-            </a:r>
-            <a:r>
-              <a:rPr kumimoji="0" lang="en-US" altLang="en-US" sz="2000" b="0" i="0" u="none" strike="noStrike" cap="none" normalizeH="0" baseline="0" dirty="0">
-                <a:ln>
-                  <a:noFill/>
-                </a:ln>
-                <a:solidFill>
-                  <a:srgbClr val="BABABA"/>
-                </a:solidFill>
-                <a:effectLst/>
-                <a:latin typeface="JetBrains Mono"/>
-              </a:rPr>
-              <a:t>value</a:t>
-            </a:r>
-            <a:r>
-              <a:rPr kumimoji="0" lang="en-US" altLang="en-US" sz="2000" b="0" i="0" u="none" strike="noStrike" cap="none" normalizeH="0" baseline="0" dirty="0">
-                <a:ln>
-                  <a:noFill/>
-                </a:ln>
-                <a:solidFill>
-                  <a:srgbClr val="6A8759"/>
-                </a:solidFill>
-                <a:effectLst/>
-                <a:latin typeface="JetBrains Mono"/>
-              </a:rPr>
-              <a:t>="29" </a:t>
-            </a:r>
-            <a:r>
-              <a:rPr kumimoji="0" lang="en-US" altLang="en-US" sz="2000" b="0" i="0" u="none" strike="noStrike" cap="none" normalizeH="0" baseline="0" dirty="0">
-                <a:ln>
-                  <a:noFill/>
-                </a:ln>
-                <a:solidFill>
-                  <a:srgbClr val="E8BF6A"/>
-                </a:solidFill>
-                <a:effectLst/>
-                <a:latin typeface="JetBrains Mono"/>
-              </a:rPr>
-              <a:t>/&gt;</a:t>
-            </a:r>
-            <a:br>
-              <a:rPr kumimoji="0" lang="en-US" altLang="en-US" sz="2000" b="0" i="0" u="none" strike="noStrike" cap="none" normalizeH="0" baseline="0" dirty="0">
-                <a:ln>
-                  <a:noFill/>
-                </a:ln>
-                <a:solidFill>
-                  <a:srgbClr val="E8BF6A"/>
-                </a:solidFill>
-                <a:effectLst/>
-                <a:latin typeface="JetBrains Mono"/>
-              </a:rPr>
-            </a:br>
-            <a:r>
-              <a:rPr kumimoji="0" lang="en-US" altLang="en-US" sz="2000" b="0" i="0" u="none" strike="noStrike" cap="none" normalizeH="0" baseline="0" dirty="0">
-                <a:ln>
-                  <a:noFill/>
-                </a:ln>
-                <a:solidFill>
-                  <a:srgbClr val="E8BF6A"/>
-                </a:solidFill>
-                <a:effectLst/>
-                <a:latin typeface="JetBrains Mono"/>
-              </a:rPr>
-              <a:t>    &lt;/bean&gt;</a:t>
-            </a:r>
-            <a:br>
-              <a:rPr kumimoji="0" lang="en-US" altLang="en-US" sz="2000" b="0" i="0" u="none" strike="noStrike" cap="none" normalizeH="0" baseline="0" dirty="0">
-                <a:ln>
-                  <a:noFill/>
-                </a:ln>
-                <a:solidFill>
-                  <a:srgbClr val="E8BF6A"/>
-                </a:solidFill>
-                <a:effectLst/>
-                <a:latin typeface="JetBrains Mono"/>
-              </a:rPr>
-            </a:br>
-            <a:r>
-              <a:rPr kumimoji="0" lang="en-US" altLang="en-US" sz="2000" b="0" i="0" u="none" strike="noStrike" cap="none" normalizeH="0" baseline="0" dirty="0">
-                <a:ln>
-                  <a:noFill/>
-                </a:ln>
-                <a:solidFill>
-                  <a:srgbClr val="E8BF6A"/>
-                </a:solidFill>
-                <a:effectLst/>
-                <a:latin typeface="JetBrains Mono"/>
-              </a:rPr>
-              <a:t>&lt;/set&gt;</a:t>
-            </a:r>
-            <a:endParaRPr kumimoji="0" lang="en-US" altLang="en-US" sz="2000" b="0" i="0" u="none" strike="noStrike" cap="none" normalizeH="0" baseline="0" dirty="0">
-              <a:ln>
-                <a:noFill/>
-              </a:ln>
-              <a:solidFill>
-                <a:schemeClr val="tx1"/>
-              </a:solidFill>
-              <a:effectLst/>
-              <a:latin typeface="Arial" panose="020B0604020202020204" pitchFamily="34" charset="0"/>
-            </a:endParaRPr>
-          </a:p>
-        </p:txBody>
-      </p:sp>
+      </p:pic>
     </p:spTree>
     <p:extLst>
       <p:ext uri="{BB962C8B-B14F-4D97-AF65-F5344CB8AC3E}">
-        <p14:creationId xmlns:p14="http://schemas.microsoft.com/office/powerpoint/2010/main" val="3808252283"/>
+        <p14:creationId xmlns:p14="http://schemas.microsoft.com/office/powerpoint/2010/main" val="3682036369"/>
       </p:ext>
     </p:extLst>
   </p:cSld>
@@ -4548,8 +3422,8 @@
         </p:nvSpPr>
         <p:spPr>
           <a:xfrm>
-            <a:off x="838200" y="401053"/>
-            <a:ext cx="10515600" cy="5775910"/>
+            <a:off x="838200" y="704850"/>
+            <a:ext cx="10515600" cy="5472113"/>
           </a:xfrm>
         </p:spPr>
         <p:txBody>
@@ -4558,343 +3432,209 @@
           <a:p>
             <a:r>
               <a:rPr lang="ru-RU" dirty="0"/>
-              <a:t>Инициализация </a:t>
+              <a:t>Случаи, в которых следует использовать </a:t>
+            </a:r>
+            <a:r>
+              <a:rPr lang="ru-RU" dirty="0" err="1"/>
+              <a:t>prototype</a:t>
+            </a:r>
+            <a:r>
+              <a:rPr lang="ru-RU" dirty="0"/>
+              <a:t> </a:t>
+            </a:r>
+            <a:r>
+              <a:rPr lang="ru-RU" dirty="0" err="1"/>
+              <a:t>скоуп</a:t>
+            </a:r>
+            <a:r>
+              <a:rPr lang="ru-RU" dirty="0"/>
+              <a:t>:</a:t>
+            </a:r>
+          </a:p>
+          <a:p>
+            <a:r>
+              <a:rPr lang="en-US" dirty="0" err="1"/>
+              <a:t>Stateful</a:t>
             </a:r>
             <a:r>
               <a:rPr lang="en-US" dirty="0"/>
-              <a:t>map</a:t>
-            </a:r>
-            <a:endParaRPr lang="ru-RU" dirty="0"/>
-          </a:p>
-          <a:p>
-            <a:endParaRPr lang="ru-RU" dirty="0"/>
-          </a:p>
-          <a:p>
-            <a:endParaRPr lang="ru-RU" dirty="0"/>
-          </a:p>
-          <a:p>
-            <a:endParaRPr lang="ru-RU" dirty="0"/>
-          </a:p>
-          <a:p>
-            <a:pPr marL="0" indent="0">
-              <a:buNone/>
-            </a:pPr>
+              <a:t> </a:t>
+            </a:r>
             <a:r>
               <a:rPr lang="ru-RU" dirty="0"/>
-              <a:t>Указывается ключ и соответствующее ему значение.</a:t>
-            </a:r>
+              <a:t>объект – есть изменяемые состояния.</a:t>
+            </a:r>
+          </a:p>
+          <a:p>
+            <a:r>
+              <a:rPr lang="ru-RU" dirty="0"/>
+              <a:t>Вам необходимо создавать экземпляр класса с предопределёнными конфигурациями</a:t>
+            </a:r>
+          </a:p>
+          <a:p>
+            <a:r>
+              <a:rPr lang="ru-RU" dirty="0"/>
+              <a:t>В ситуациях, когда вы бы использовали  оператор </a:t>
+            </a:r>
+            <a:r>
+              <a:rPr lang="ru-RU" dirty="0" err="1"/>
+              <a:t>new</a:t>
+            </a:r>
+            <a:r>
+              <a:rPr lang="ru-RU" dirty="0"/>
+              <a:t>, а не </a:t>
+            </a:r>
+            <a:r>
+              <a:rPr lang="ru-RU" dirty="0" err="1"/>
+              <a:t>синглтон</a:t>
+            </a:r>
+            <a:r>
+              <a:rPr lang="ru-RU" dirty="0"/>
+              <a:t>.</a:t>
+            </a:r>
+          </a:p>
+          <a:p>
+            <a:r>
+              <a:rPr lang="ru-RU" dirty="0"/>
+              <a:t>Вам нужно подобие </a:t>
+            </a:r>
+            <a:r>
+              <a:rPr lang="ru-RU" dirty="0" err="1"/>
+              <a:t>factory</a:t>
+            </a:r>
+            <a:r>
+              <a:rPr lang="ru-RU" dirty="0"/>
+              <a:t>-метода, который создаёт экземпляры по конфигурации описанной в XML.</a:t>
+            </a:r>
+          </a:p>
+          <a:p>
             <a:endParaRPr lang="en-US" dirty="0"/>
-          </a:p>
-          <a:p>
-            <a:endParaRPr lang="en-US" dirty="0"/>
-          </a:p>
-        </p:txBody>
-      </p:sp>
-      <p:sp>
-        <p:nvSpPr>
-          <p:cNvPr id="5" name="Rectangle 1"/>
-          <p:cNvSpPr>
-            <a:spLocks noChangeArrowheads="1"/>
-          </p:cNvSpPr>
-          <p:nvPr/>
-        </p:nvSpPr>
-        <p:spPr bwMode="auto">
-          <a:xfrm>
-            <a:off x="838200" y="1058797"/>
-            <a:ext cx="10515600" cy="1323439"/>
-          </a:xfrm>
-          <a:prstGeom prst="rect">
-            <a:avLst/>
-          </a:prstGeom>
-          <a:solidFill>
-            <a:srgbClr val="2B2B2B"/>
-          </a:solidFill>
-          <a:ln>
-            <a:noFill/>
-          </a:ln>
-          <a:effectLst/>
-          <a:extLst>
-            <a:ext uri="{91240B29-F687-4F45-9708-019B960494DF}">
-              <a14:hiddenLine xmlns:a14="http://schemas.microsoft.com/office/drawing/2010/main" w="9525">
-                <a:solidFill>
-                  <a:schemeClr val="tx1"/>
-                </a:solidFill>
-                <a:miter lim="800000"/>
-                <a:headEnd/>
-                <a:tailEnd/>
-              </a14:hiddenLine>
-            </a:ext>
-            <a:ext uri="{AF507438-7753-43E0-B8FC-AC1667EBCBE1}">
-              <a14:hiddenEffects xmlns:a14="http://schemas.microsoft.com/office/drawing/2010/main">
-                <a:effectLst>
-                  <a:outerShdw dist="35921" dir="2700000" algn="ctr" rotWithShape="0">
-                    <a:schemeClr val="bg2"/>
-                  </a:outerShdw>
-                </a:effectLst>
-              </a14:hiddenEffects>
-            </a:ext>
-          </a:extLst>
-        </p:spPr>
-        <p:txBody>
-          <a:bodyPr vert="horz" wrap="square" lIns="91440" tIns="45720" rIns="91440" bIns="45720" numCol="1" anchor="ctr" anchorCtr="0" compatLnSpc="1">
-            <a:prstTxWarp prst="textNoShape">
-              <a:avLst/>
-            </a:prstTxWarp>
-            <a:spAutoFit/>
-          </a:bodyPr>
-          <a:lstStyle/>
-          <a:p>
-            <a:pPr marL="0" marR="0" lvl="0" indent="0" algn="l" defTabSz="914400" rtl="0" eaLnBrk="0" fontAlgn="base" latinLnBrk="0" hangingPunct="0">
-              <a:lnSpc>
-                <a:spcPct val="100000"/>
-              </a:lnSpc>
-              <a:spcBef>
-                <a:spcPct val="0"/>
-              </a:spcBef>
-              <a:spcAft>
-                <a:spcPct val="0"/>
-              </a:spcAft>
-              <a:buClrTx/>
-              <a:buSzTx/>
-              <a:buFontTx/>
-              <a:buNone/>
-              <a:tabLst/>
-            </a:pPr>
-            <a:r>
-              <a:rPr kumimoji="0" lang="en-US" altLang="en-US" sz="2000" b="0" i="0" u="none" strike="noStrike" cap="none" normalizeH="0" baseline="0" dirty="0">
-                <a:ln>
-                  <a:noFill/>
-                </a:ln>
-                <a:solidFill>
-                  <a:srgbClr val="E8BF6A"/>
-                </a:solidFill>
-                <a:effectLst/>
-                <a:latin typeface="JetBrains Mono"/>
-              </a:rPr>
-              <a:t>&lt;map&gt;</a:t>
-            </a:r>
-            <a:br>
-              <a:rPr kumimoji="0" lang="en-US" altLang="en-US" sz="2000" b="0" i="0" u="none" strike="noStrike" cap="none" normalizeH="0" baseline="0" dirty="0">
-                <a:ln>
-                  <a:noFill/>
-                </a:ln>
-                <a:solidFill>
-                  <a:srgbClr val="E8BF6A"/>
-                </a:solidFill>
-                <a:effectLst/>
-                <a:latin typeface="JetBrains Mono"/>
-              </a:rPr>
-            </a:br>
-            <a:r>
-              <a:rPr kumimoji="0" lang="en-US" altLang="en-US" sz="2000" b="0" i="0" u="none" strike="noStrike" cap="none" normalizeH="0" baseline="0" dirty="0">
-                <a:ln>
-                  <a:noFill/>
-                </a:ln>
-                <a:solidFill>
-                  <a:srgbClr val="E8BF6A"/>
-                </a:solidFill>
-                <a:effectLst/>
-                <a:latin typeface="JetBrains Mono"/>
-              </a:rPr>
-              <a:t>    &lt;entry </a:t>
-            </a:r>
-            <a:r>
-              <a:rPr kumimoji="0" lang="en-US" altLang="en-US" sz="2000" b="0" i="0" u="none" strike="noStrike" cap="none" normalizeH="0" baseline="0" dirty="0">
-                <a:ln>
-                  <a:noFill/>
-                </a:ln>
-                <a:solidFill>
-                  <a:srgbClr val="BABABA"/>
-                </a:solidFill>
-                <a:effectLst/>
-                <a:latin typeface="JetBrains Mono"/>
-              </a:rPr>
-              <a:t>key</a:t>
-            </a:r>
-            <a:r>
-              <a:rPr kumimoji="0" lang="en-US" altLang="en-US" sz="2000" b="0" i="0" u="none" strike="noStrike" cap="none" normalizeH="0" baseline="0" dirty="0">
-                <a:ln>
-                  <a:noFill/>
-                </a:ln>
-                <a:solidFill>
-                  <a:srgbClr val="6A8759"/>
-                </a:solidFill>
-                <a:effectLst/>
-                <a:latin typeface="JetBrains Mono"/>
-              </a:rPr>
-              <a:t>="key1" </a:t>
-            </a:r>
-            <a:r>
-              <a:rPr kumimoji="0" lang="en-US" altLang="en-US" sz="2000" b="0" i="0" u="none" strike="noStrike" cap="none" normalizeH="0" baseline="0" dirty="0">
-                <a:ln>
-                  <a:noFill/>
-                </a:ln>
-                <a:solidFill>
-                  <a:srgbClr val="BABABA"/>
-                </a:solidFill>
-                <a:effectLst/>
-                <a:latin typeface="JetBrains Mono"/>
-              </a:rPr>
-              <a:t>value</a:t>
-            </a:r>
-            <a:r>
-              <a:rPr kumimoji="0" lang="en-US" altLang="en-US" sz="2000" b="0" i="0" u="none" strike="noStrike" cap="none" normalizeH="0" baseline="0" dirty="0">
-                <a:ln>
-                  <a:noFill/>
-                </a:ln>
-                <a:solidFill>
-                  <a:srgbClr val="6A8759"/>
-                </a:solidFill>
-                <a:effectLst/>
-                <a:latin typeface="JetBrains Mono"/>
-              </a:rPr>
-              <a:t>="1" </a:t>
-            </a:r>
-            <a:r>
-              <a:rPr kumimoji="0" lang="en-US" altLang="en-US" sz="2000" b="0" i="0" u="none" strike="noStrike" cap="none" normalizeH="0" baseline="0" dirty="0">
-                <a:ln>
-                  <a:noFill/>
-                </a:ln>
-                <a:solidFill>
-                  <a:srgbClr val="E8BF6A"/>
-                </a:solidFill>
-                <a:effectLst/>
-                <a:latin typeface="JetBrains Mono"/>
-              </a:rPr>
-              <a:t>/&gt;</a:t>
-            </a:r>
-            <a:br>
-              <a:rPr kumimoji="0" lang="en-US" altLang="en-US" sz="2000" b="0" i="0" u="none" strike="noStrike" cap="none" normalizeH="0" baseline="0" dirty="0">
-                <a:ln>
-                  <a:noFill/>
-                </a:ln>
-                <a:solidFill>
-                  <a:srgbClr val="E8BF6A"/>
-                </a:solidFill>
-                <a:effectLst/>
-                <a:latin typeface="JetBrains Mono"/>
-              </a:rPr>
-            </a:br>
-            <a:r>
-              <a:rPr kumimoji="0" lang="en-US" altLang="en-US" sz="2000" b="0" i="0" u="none" strike="noStrike" cap="none" normalizeH="0" baseline="0" dirty="0">
-                <a:ln>
-                  <a:noFill/>
-                </a:ln>
-                <a:solidFill>
-                  <a:srgbClr val="E8BF6A"/>
-                </a:solidFill>
-                <a:effectLst/>
-                <a:latin typeface="JetBrains Mono"/>
-              </a:rPr>
-              <a:t>    &lt;entry </a:t>
-            </a:r>
-            <a:r>
-              <a:rPr kumimoji="0" lang="en-US" altLang="en-US" sz="2000" b="0" i="0" u="none" strike="noStrike" cap="none" normalizeH="0" baseline="0" dirty="0">
-                <a:ln>
-                  <a:noFill/>
-                </a:ln>
-                <a:solidFill>
-                  <a:srgbClr val="BABABA"/>
-                </a:solidFill>
-                <a:effectLst/>
-                <a:latin typeface="JetBrains Mono"/>
-              </a:rPr>
-              <a:t>key</a:t>
-            </a:r>
-            <a:r>
-              <a:rPr kumimoji="0" lang="en-US" altLang="en-US" sz="2000" b="0" i="0" u="none" strike="noStrike" cap="none" normalizeH="0" baseline="0" dirty="0">
-                <a:ln>
-                  <a:noFill/>
-                </a:ln>
-                <a:solidFill>
-                  <a:srgbClr val="6A8759"/>
-                </a:solidFill>
-                <a:effectLst/>
-                <a:latin typeface="JetBrains Mono"/>
-              </a:rPr>
-              <a:t>="key2" </a:t>
-            </a:r>
-            <a:r>
-              <a:rPr kumimoji="0" lang="en-US" altLang="en-US" sz="2000" b="0" i="0" u="none" strike="noStrike" cap="none" normalizeH="0" baseline="0" dirty="0">
-                <a:ln>
-                  <a:noFill/>
-                </a:ln>
-                <a:solidFill>
-                  <a:srgbClr val="BABABA"/>
-                </a:solidFill>
-                <a:effectLst/>
-                <a:latin typeface="JetBrains Mono"/>
-              </a:rPr>
-              <a:t>value-ref</a:t>
-            </a:r>
-            <a:r>
-              <a:rPr kumimoji="0" lang="en-US" altLang="en-US" sz="2000" b="0" i="0" u="none" strike="noStrike" cap="none" normalizeH="0" baseline="0" dirty="0">
-                <a:ln>
-                  <a:noFill/>
-                </a:ln>
-                <a:solidFill>
-                  <a:srgbClr val="6A8759"/>
-                </a:solidFill>
-                <a:effectLst/>
-                <a:latin typeface="JetBrains Mono"/>
-              </a:rPr>
-              <a:t>="person"</a:t>
-            </a:r>
-            <a:r>
-              <a:rPr kumimoji="0" lang="en-US" altLang="en-US" sz="2000" b="0" i="0" u="none" strike="noStrike" cap="none" normalizeH="0" baseline="0" dirty="0">
-                <a:ln>
-                  <a:noFill/>
-                </a:ln>
-                <a:solidFill>
-                  <a:srgbClr val="E8BF6A"/>
-                </a:solidFill>
-                <a:effectLst/>
-                <a:latin typeface="JetBrains Mono"/>
-              </a:rPr>
-              <a:t>/&gt;</a:t>
-            </a:r>
-            <a:br>
-              <a:rPr kumimoji="0" lang="en-US" altLang="en-US" sz="2000" b="0" i="0" u="none" strike="noStrike" cap="none" normalizeH="0" baseline="0" dirty="0">
-                <a:ln>
-                  <a:noFill/>
-                </a:ln>
-                <a:solidFill>
-                  <a:srgbClr val="E8BF6A"/>
-                </a:solidFill>
-                <a:effectLst/>
-                <a:latin typeface="JetBrains Mono"/>
-              </a:rPr>
-            </a:br>
-            <a:r>
-              <a:rPr kumimoji="0" lang="en-US" altLang="en-US" sz="2000" b="0" i="0" u="none" strike="noStrike" cap="none" normalizeH="0" baseline="0" dirty="0">
-                <a:ln>
-                  <a:noFill/>
-                </a:ln>
-                <a:solidFill>
-                  <a:srgbClr val="E8BF6A"/>
-                </a:solidFill>
-                <a:effectLst/>
-                <a:latin typeface="JetBrains Mono"/>
-              </a:rPr>
-              <a:t>&lt;/map&gt;</a:t>
-            </a:r>
-            <a:endParaRPr kumimoji="0" lang="en-US" altLang="en-US" sz="2000" b="0" i="0" u="none" strike="noStrike" cap="none" normalizeH="0" baseline="0" dirty="0">
-              <a:ln>
-                <a:noFill/>
-              </a:ln>
-              <a:solidFill>
-                <a:schemeClr val="tx1"/>
-              </a:solidFill>
-              <a:effectLst/>
-              <a:latin typeface="Arial" panose="020B0604020202020204" pitchFamily="34" charset="0"/>
-            </a:endParaRPr>
           </a:p>
         </p:txBody>
       </p:sp>
     </p:spTree>
     <p:extLst>
       <p:ext uri="{BB962C8B-B14F-4D97-AF65-F5344CB8AC3E}">
-        <p14:creationId xmlns:p14="http://schemas.microsoft.com/office/powerpoint/2010/main" val="1278937678"/>
+        <p14:creationId xmlns:p14="http://schemas.microsoft.com/office/powerpoint/2010/main" val="2488566281"/>
+      </p:ext>
+    </p:extLst>
+  </p:cSld>
+  <p:clrMapOvr>
+    <a:masterClrMapping/>
+  </p:clrMapOvr>
+</p:sld>
+</file>
+
+<file path=ppt/slides/slide5.xml><?xml version="1.0" encoding="utf-8"?>
+<p:sld xmlns:a="http://schemas.openxmlformats.org/drawingml/2006/main" xmlns:r="http://schemas.openxmlformats.org/officeDocument/2006/relationships" xmlns:p="http://schemas.openxmlformats.org/presentationml/2006/main">
+  <p:cSld>
+    <p:spTree>
+      <p:nvGrpSpPr>
+        <p:cNvPr id="1" name=""/>
+        <p:cNvGrpSpPr/>
+        <p:nvPr/>
+      </p:nvGrpSpPr>
+      <p:grpSpPr>
+        <a:xfrm>
+          <a:off x="0" y="0"/>
+          <a:ext cx="0" cy="0"/>
+          <a:chOff x="0" y="0"/>
+          <a:chExt cx="0" cy="0"/>
+        </a:xfrm>
+      </p:grpSpPr>
+      <p:sp>
+        <p:nvSpPr>
+          <p:cNvPr id="3" name="Content Placeholder 2"/>
+          <p:cNvSpPr>
+            <a:spLocks noGrp="1"/>
+          </p:cNvSpPr>
+          <p:nvPr>
+            <p:ph idx="1"/>
+          </p:nvPr>
+        </p:nvSpPr>
+        <p:spPr>
+          <a:xfrm>
+            <a:off x="838200" y="657225"/>
+            <a:ext cx="10515600" cy="5519738"/>
+          </a:xfrm>
+        </p:spPr>
+        <p:txBody>
+          <a:bodyPr/>
+          <a:lstStyle/>
+          <a:p>
+            <a:pPr marL="0" indent="0">
+              <a:buNone/>
+            </a:pPr>
+            <a:r>
+              <a:rPr lang="ru-RU" dirty="0"/>
+              <a:t>В примере бин запрашивается 3 раза.</a:t>
+            </a:r>
+          </a:p>
+          <a:p>
+            <a:r>
+              <a:rPr lang="ru-RU" dirty="0"/>
+              <a:t>Если </a:t>
+            </a:r>
+            <a:r>
+              <a:rPr lang="ru-RU" dirty="0" err="1"/>
+              <a:t>скоуп</a:t>
+            </a:r>
+            <a:r>
+              <a:rPr lang="ru-RU" dirty="0"/>
+              <a:t> – </a:t>
+            </a:r>
+            <a:r>
+              <a:rPr lang="ru-RU" dirty="0" err="1"/>
+              <a:t>синглетон</a:t>
+            </a:r>
+            <a:r>
+              <a:rPr lang="ru-RU" dirty="0"/>
+              <a:t>. То все 3 переменные ссылается на один объект, если – </a:t>
+            </a:r>
+            <a:r>
+              <a:rPr lang="en-US" dirty="0"/>
+              <a:t>prototype – </a:t>
+            </a:r>
+            <a:r>
+              <a:rPr lang="ru-RU" dirty="0"/>
+              <a:t>на 3 разных объекта</a:t>
+            </a:r>
+            <a:r>
+              <a:rPr lang="en-CA" dirty="0"/>
+              <a:t>, </a:t>
+            </a:r>
+            <a:r>
+              <a:rPr lang="ru-RU" dirty="0"/>
+              <a:t>которые ссылаются на разные участки памяти, поэтому == </a:t>
+            </a:r>
+            <a:r>
+              <a:rPr lang="en-CA" dirty="0"/>
+              <a:t>false</a:t>
+            </a:r>
+            <a:r>
+              <a:rPr lang="en-US" dirty="0"/>
+              <a:t>)</a:t>
+            </a:r>
+            <a:r>
+              <a:rPr lang="ru-RU" dirty="0"/>
+              <a:t>. Но имеют одинаковые поля, поэтому </a:t>
+            </a:r>
+            <a:r>
+              <a:rPr lang="en-CA" dirty="0"/>
+              <a:t>Equals == true</a:t>
+            </a:r>
+            <a:r>
+              <a:rPr lang="ru-RU" dirty="0"/>
+              <a:t>)</a:t>
+            </a:r>
+            <a:endParaRPr lang="en-US" dirty="0"/>
+          </a:p>
+        </p:txBody>
+      </p:sp>
+    </p:spTree>
+    <p:extLst>
+      <p:ext uri="{BB962C8B-B14F-4D97-AF65-F5344CB8AC3E}">
+        <p14:creationId xmlns:p14="http://schemas.microsoft.com/office/powerpoint/2010/main" val="1856679974"/>
       </p:ext>
     </p:extLst>
   </p:cSld>
